--- a/domosync_presentation.pptx
+++ b/domosync_presentation.pptx
@@ -5,21 +5,25 @@
     <p:sldMasterId id="2147483648" r:id="rId4"/>
   </p:sldMasterIdLst>
   <p:notesMasterIdLst>
-    <p:notesMasterId r:id="rId14"/>
+    <p:notesMasterId r:id="rId18"/>
   </p:notesMasterIdLst>
   <p:handoutMasterIdLst>
-    <p:handoutMasterId r:id="rId15"/>
+    <p:handoutMasterId r:id="rId19"/>
   </p:handoutMasterIdLst>
   <p:sldIdLst>
     <p:sldId id="289" r:id="rId5"/>
     <p:sldId id="286" r:id="rId6"/>
     <p:sldId id="292" r:id="rId7"/>
-    <p:sldId id="291" r:id="rId8"/>
-    <p:sldId id="270" r:id="rId9"/>
-    <p:sldId id="293" r:id="rId10"/>
-    <p:sldId id="273" r:id="rId11"/>
-    <p:sldId id="271" r:id="rId12"/>
-    <p:sldId id="288" r:id="rId13"/>
+    <p:sldId id="299" r:id="rId8"/>
+    <p:sldId id="297" r:id="rId9"/>
+    <p:sldId id="300" r:id="rId10"/>
+    <p:sldId id="296" r:id="rId11"/>
+    <p:sldId id="301" r:id="rId12"/>
+    <p:sldId id="270" r:id="rId13"/>
+    <p:sldId id="293" r:id="rId14"/>
+    <p:sldId id="273" r:id="rId15"/>
+    <p:sldId id="271" r:id="rId16"/>
+    <p:sldId id="288" r:id="rId17"/>
   </p:sldIdLst>
   <p:sldSz cx="12192000" cy="6858000"/>
   <p:notesSz cx="6858000" cy="9144000"/>
@@ -781,6 +785,374 @@
 </p:notes>
 </file>
 
+<file path=ppt/notesSlides/notesSlide10.xml><?xml version="1.0" encoding="utf-8"?>
+<p:notes xmlns:a="http://schemas.openxmlformats.org/drawingml/2006/main" xmlns:r="http://schemas.openxmlformats.org/officeDocument/2006/relationships" xmlns:p="http://schemas.openxmlformats.org/presentationml/2006/main">
+  <p:cSld>
+    <p:spTree>
+      <p:nvGrpSpPr>
+        <p:cNvPr id="1" name="">
+          <a:extLst>
+            <a:ext uri="{FF2B5EF4-FFF2-40B4-BE49-F238E27FC236}">
+              <a16:creationId xmlns:a16="http://schemas.microsoft.com/office/drawing/2014/main" id="{A9119A0E-AF63-AE48-7EBD-99E19559786F}"/>
+            </a:ext>
+          </a:extLst>
+        </p:cNvPr>
+        <p:cNvGrpSpPr/>
+        <p:nvPr/>
+      </p:nvGrpSpPr>
+      <p:grpSpPr>
+        <a:xfrm>
+          <a:off x="0" y="0"/>
+          <a:ext cx="0" cy="0"/>
+          <a:chOff x="0" y="0"/>
+          <a:chExt cx="0" cy="0"/>
+        </a:xfrm>
+      </p:grpSpPr>
+      <p:sp>
+        <p:nvSpPr>
+          <p:cNvPr id="2" name="Marcador de posición de imagen de diapositiva 1">
+            <a:extLst>
+              <a:ext uri="{FF2B5EF4-FFF2-40B4-BE49-F238E27FC236}">
+                <a16:creationId xmlns:a16="http://schemas.microsoft.com/office/drawing/2014/main" id="{18098AD2-30AC-7EB6-C0F3-565C489A7FA7}"/>
+              </a:ext>
+            </a:extLst>
+          </p:cNvPr>
+          <p:cNvSpPr>
+            <a:spLocks noGrp="1" noRot="1" noChangeAspect="1"/>
+          </p:cNvSpPr>
+          <p:nvPr>
+            <p:ph type="sldImg"/>
+          </p:nvPr>
+        </p:nvSpPr>
+        <p:spPr/>
+      </p:sp>
+      <p:sp>
+        <p:nvSpPr>
+          <p:cNvPr id="3" name="Marcador de posición de notas 2">
+            <a:extLst>
+              <a:ext uri="{FF2B5EF4-FFF2-40B4-BE49-F238E27FC236}">
+                <a16:creationId xmlns:a16="http://schemas.microsoft.com/office/drawing/2014/main" id="{C3EE7FA9-DA37-5CD2-71C7-F995C393D674}"/>
+              </a:ext>
+            </a:extLst>
+          </p:cNvPr>
+          <p:cNvSpPr>
+            <a:spLocks noGrp="1"/>
+          </p:cNvSpPr>
+          <p:nvPr>
+            <p:ph type="body" idx="1"/>
+          </p:nvPr>
+        </p:nvSpPr>
+        <p:spPr/>
+        <p:txBody>
+          <a:bodyPr rtlCol="0"/>
+          <a:lstStyle/>
+          <a:p>
+            <a:pPr rtl="0"/>
+            <a:endParaRPr lang="es-ES" dirty="0"/>
+          </a:p>
+        </p:txBody>
+      </p:sp>
+      <p:sp>
+        <p:nvSpPr>
+          <p:cNvPr id="4" name="Marcador de posición de número de diapositiva 3">
+            <a:extLst>
+              <a:ext uri="{FF2B5EF4-FFF2-40B4-BE49-F238E27FC236}">
+                <a16:creationId xmlns:a16="http://schemas.microsoft.com/office/drawing/2014/main" id="{89BB6459-9143-78A1-0C1D-6D2820AF3525}"/>
+              </a:ext>
+            </a:extLst>
+          </p:cNvPr>
+          <p:cNvSpPr>
+            <a:spLocks noGrp="1"/>
+          </p:cNvSpPr>
+          <p:nvPr>
+            <p:ph type="sldNum" sz="quarter" idx="5"/>
+          </p:nvPr>
+        </p:nvSpPr>
+        <p:spPr/>
+        <p:txBody>
+          <a:bodyPr rtlCol="0"/>
+          <a:lstStyle/>
+          <a:p>
+            <a:pPr rtl="0"/>
+            <a:fld id="{9CA004F4-F240-48F9-8AE1-486585C7F00D}" type="slidenum">
+              <a:rPr lang="es-ES" smtClean="0"/>
+              <a:t>10</a:t>
+            </a:fld>
+            <a:endParaRPr lang="es-ES" dirty="0"/>
+          </a:p>
+        </p:txBody>
+      </p:sp>
+    </p:spTree>
+    <p:extLst>
+      <p:ext uri="{BB962C8B-B14F-4D97-AF65-F5344CB8AC3E}">
+        <p14:creationId xmlns:p14="http://schemas.microsoft.com/office/powerpoint/2010/main" val="4129620798"/>
+      </p:ext>
+    </p:extLst>
+  </p:cSld>
+  <p:clrMapOvr>
+    <a:masterClrMapping/>
+  </p:clrMapOvr>
+</p:notes>
+</file>
+
+<file path=ppt/notesSlides/notesSlide11.xml><?xml version="1.0" encoding="utf-8"?>
+<p:notes xmlns:a="http://schemas.openxmlformats.org/drawingml/2006/main" xmlns:r="http://schemas.openxmlformats.org/officeDocument/2006/relationships" xmlns:p="http://schemas.openxmlformats.org/presentationml/2006/main">
+  <p:cSld>
+    <p:spTree>
+      <p:nvGrpSpPr>
+        <p:cNvPr id="1" name=""/>
+        <p:cNvGrpSpPr/>
+        <p:nvPr/>
+      </p:nvGrpSpPr>
+      <p:grpSpPr>
+        <a:xfrm>
+          <a:off x="0" y="0"/>
+          <a:ext cx="0" cy="0"/>
+          <a:chOff x="0" y="0"/>
+          <a:chExt cx="0" cy="0"/>
+        </a:xfrm>
+      </p:grpSpPr>
+      <p:sp>
+        <p:nvSpPr>
+          <p:cNvPr id="2" name="Marcador de imagen de diapositiva 1"/>
+          <p:cNvSpPr>
+            <a:spLocks noGrp="1" noRot="1" noChangeAspect="1"/>
+          </p:cNvSpPr>
+          <p:nvPr>
+            <p:ph type="sldImg"/>
+          </p:nvPr>
+        </p:nvSpPr>
+        <p:spPr/>
+      </p:sp>
+      <p:sp>
+        <p:nvSpPr>
+          <p:cNvPr id="3" name="Marcador de posición de notas 2"/>
+          <p:cNvSpPr>
+            <a:spLocks noGrp="1"/>
+          </p:cNvSpPr>
+          <p:nvPr>
+            <p:ph type="body" idx="1"/>
+          </p:nvPr>
+        </p:nvSpPr>
+        <p:spPr/>
+        <p:txBody>
+          <a:bodyPr rtlCol="0"/>
+          <a:lstStyle/>
+          <a:p>
+            <a:pPr rtl="0"/>
+            <a:endParaRPr lang="es-ES" dirty="0"/>
+          </a:p>
+        </p:txBody>
+      </p:sp>
+      <p:sp>
+        <p:nvSpPr>
+          <p:cNvPr id="4" name="Marcador de número de diapositiva 3"/>
+          <p:cNvSpPr>
+            <a:spLocks noGrp="1"/>
+          </p:cNvSpPr>
+          <p:nvPr>
+            <p:ph type="sldNum" sz="quarter" idx="5"/>
+          </p:nvPr>
+        </p:nvSpPr>
+        <p:spPr/>
+        <p:txBody>
+          <a:bodyPr rtlCol="0"/>
+          <a:lstStyle/>
+          <a:p>
+            <a:pPr rtl="0"/>
+            <a:fld id="{9CA004F4-F240-48F9-8AE1-486585C7F00D}" type="slidenum">
+              <a:rPr lang="es-ES" smtClean="0"/>
+              <a:t>11</a:t>
+            </a:fld>
+            <a:endParaRPr lang="es-ES" dirty="0"/>
+          </a:p>
+        </p:txBody>
+      </p:sp>
+    </p:spTree>
+    <p:extLst>
+      <p:ext uri="{BB962C8B-B14F-4D97-AF65-F5344CB8AC3E}">
+        <p14:creationId xmlns:p14="http://schemas.microsoft.com/office/powerpoint/2010/main" val="335417524"/>
+      </p:ext>
+    </p:extLst>
+  </p:cSld>
+  <p:clrMapOvr>
+    <a:masterClrMapping/>
+  </p:clrMapOvr>
+</p:notes>
+</file>
+
+<file path=ppt/notesSlides/notesSlide12.xml><?xml version="1.0" encoding="utf-8"?>
+<p:notes xmlns:a="http://schemas.openxmlformats.org/drawingml/2006/main" xmlns:r="http://schemas.openxmlformats.org/officeDocument/2006/relationships" xmlns:p="http://schemas.openxmlformats.org/presentationml/2006/main">
+  <p:cSld>
+    <p:spTree>
+      <p:nvGrpSpPr>
+        <p:cNvPr id="1" name=""/>
+        <p:cNvGrpSpPr/>
+        <p:nvPr/>
+      </p:nvGrpSpPr>
+      <p:grpSpPr>
+        <a:xfrm>
+          <a:off x="0" y="0"/>
+          <a:ext cx="0" cy="0"/>
+          <a:chOff x="0" y="0"/>
+          <a:chExt cx="0" cy="0"/>
+        </a:xfrm>
+      </p:grpSpPr>
+      <p:sp>
+        <p:nvSpPr>
+          <p:cNvPr id="2" name="Marcador de posición de imagen de diapositiva 1"/>
+          <p:cNvSpPr>
+            <a:spLocks noGrp="1" noRot="1" noChangeAspect="1"/>
+          </p:cNvSpPr>
+          <p:nvPr>
+            <p:ph type="sldImg"/>
+          </p:nvPr>
+        </p:nvSpPr>
+        <p:spPr/>
+      </p:sp>
+      <p:sp>
+        <p:nvSpPr>
+          <p:cNvPr id="3" name="Marcador de posición de notas 2"/>
+          <p:cNvSpPr>
+            <a:spLocks noGrp="1"/>
+          </p:cNvSpPr>
+          <p:nvPr>
+            <p:ph type="body" idx="1"/>
+          </p:nvPr>
+        </p:nvSpPr>
+        <p:spPr/>
+        <p:txBody>
+          <a:bodyPr rtlCol="0"/>
+          <a:lstStyle/>
+          <a:p>
+            <a:pPr rtl="0"/>
+            <a:endParaRPr lang="es-ES" dirty="0"/>
+          </a:p>
+        </p:txBody>
+      </p:sp>
+      <p:sp>
+        <p:nvSpPr>
+          <p:cNvPr id="4" name="Marcador de posición de número de diapositiva 3"/>
+          <p:cNvSpPr>
+            <a:spLocks noGrp="1"/>
+          </p:cNvSpPr>
+          <p:nvPr>
+            <p:ph type="sldNum" sz="quarter" idx="5"/>
+          </p:nvPr>
+        </p:nvSpPr>
+        <p:spPr/>
+        <p:txBody>
+          <a:bodyPr rtlCol="0"/>
+          <a:lstStyle/>
+          <a:p>
+            <a:pPr rtl="0"/>
+            <a:fld id="{9CA004F4-F240-48F9-8AE1-486585C7F00D}" type="slidenum">
+              <a:rPr lang="es-ES" smtClean="0"/>
+              <a:t>12</a:t>
+            </a:fld>
+            <a:endParaRPr lang="es-ES" dirty="0"/>
+          </a:p>
+        </p:txBody>
+      </p:sp>
+    </p:spTree>
+    <p:extLst>
+      <p:ext uri="{BB962C8B-B14F-4D97-AF65-F5344CB8AC3E}">
+        <p14:creationId xmlns:p14="http://schemas.microsoft.com/office/powerpoint/2010/main" val="1335137363"/>
+      </p:ext>
+    </p:extLst>
+  </p:cSld>
+  <p:clrMapOvr>
+    <a:masterClrMapping/>
+  </p:clrMapOvr>
+</p:notes>
+</file>
+
+<file path=ppt/notesSlides/notesSlide13.xml><?xml version="1.0" encoding="utf-8"?>
+<p:notes xmlns:a="http://schemas.openxmlformats.org/drawingml/2006/main" xmlns:r="http://schemas.openxmlformats.org/officeDocument/2006/relationships" xmlns:p="http://schemas.openxmlformats.org/presentationml/2006/main">
+  <p:cSld>
+    <p:spTree>
+      <p:nvGrpSpPr>
+        <p:cNvPr id="1" name=""/>
+        <p:cNvGrpSpPr/>
+        <p:nvPr/>
+      </p:nvGrpSpPr>
+      <p:grpSpPr>
+        <a:xfrm>
+          <a:off x="0" y="0"/>
+          <a:ext cx="0" cy="0"/>
+          <a:chOff x="0" y="0"/>
+          <a:chExt cx="0" cy="0"/>
+        </a:xfrm>
+      </p:grpSpPr>
+      <p:sp>
+        <p:nvSpPr>
+          <p:cNvPr id="2" name="Marcador de imagen de diapositiva 1"/>
+          <p:cNvSpPr>
+            <a:spLocks noGrp="1" noRot="1" noChangeAspect="1"/>
+          </p:cNvSpPr>
+          <p:nvPr>
+            <p:ph type="sldImg"/>
+          </p:nvPr>
+        </p:nvSpPr>
+        <p:spPr/>
+      </p:sp>
+      <p:sp>
+        <p:nvSpPr>
+          <p:cNvPr id="3" name="Marcador de posición de notas 2"/>
+          <p:cNvSpPr>
+            <a:spLocks noGrp="1"/>
+          </p:cNvSpPr>
+          <p:nvPr>
+            <p:ph type="body" idx="1"/>
+          </p:nvPr>
+        </p:nvSpPr>
+        <p:spPr/>
+        <p:txBody>
+          <a:bodyPr rtlCol="0"/>
+          <a:lstStyle/>
+          <a:p>
+            <a:pPr rtl="0"/>
+            <a:endParaRPr lang="es-ES" dirty="0"/>
+          </a:p>
+        </p:txBody>
+      </p:sp>
+      <p:sp>
+        <p:nvSpPr>
+          <p:cNvPr id="4" name="Marcador de número de diapositiva 3"/>
+          <p:cNvSpPr>
+            <a:spLocks noGrp="1"/>
+          </p:cNvSpPr>
+          <p:nvPr>
+            <p:ph type="sldNum" sz="quarter" idx="5"/>
+          </p:nvPr>
+        </p:nvSpPr>
+        <p:spPr/>
+        <p:txBody>
+          <a:bodyPr rtlCol="0"/>
+          <a:lstStyle/>
+          <a:p>
+            <a:pPr rtl="0"/>
+            <a:fld id="{9CA004F4-F240-48F9-8AE1-486585C7F00D}" type="slidenum">
+              <a:rPr lang="es-ES" smtClean="0"/>
+              <a:t>13</a:t>
+            </a:fld>
+            <a:endParaRPr lang="es-ES" dirty="0"/>
+          </a:p>
+        </p:txBody>
+      </p:sp>
+    </p:spTree>
+    <p:extLst>
+      <p:ext uri="{BB962C8B-B14F-4D97-AF65-F5344CB8AC3E}">
+        <p14:creationId xmlns:p14="http://schemas.microsoft.com/office/powerpoint/2010/main" val="4032744678"/>
+      </p:ext>
+    </p:extLst>
+  </p:cSld>
+  <p:clrMapOvr>
+    <a:masterClrMapping/>
+  </p:clrMapOvr>
+</p:notes>
+</file>
+
 <file path=ppt/notesSlides/notesSlide2.xml><?xml version="1.0" encoding="utf-8"?>
 <p:notes xmlns:a="http://schemas.openxmlformats.org/drawingml/2006/main" xmlns:r="http://schemas.openxmlformats.org/officeDocument/2006/relationships" xmlns:p="http://schemas.openxmlformats.org/presentationml/2006/main">
   <p:cSld>
@@ -958,7 +1330,13 @@
   <p:cSld>
     <p:spTree>
       <p:nvGrpSpPr>
-        <p:cNvPr id="1" name=""/>
+        <p:cNvPr id="1" name="">
+          <a:extLst>
+            <a:ext uri="{FF2B5EF4-FFF2-40B4-BE49-F238E27FC236}">
+              <a16:creationId xmlns:a16="http://schemas.microsoft.com/office/drawing/2014/main" id="{1C0E6264-5AC2-0F3E-8271-76130ABD3D7C}"/>
+            </a:ext>
+          </a:extLst>
+        </p:cNvPr>
         <p:cNvGrpSpPr/>
         <p:nvPr/>
       </p:nvGrpSpPr>
@@ -972,7 +1350,13 @@
       </p:grpSpPr>
       <p:sp>
         <p:nvSpPr>
-          <p:cNvPr id="2" name="Marcador de posición de imagen de diapositiva 1"/>
+          <p:cNvPr id="2" name="Marcador de posición de imagen de diapositiva 1">
+            <a:extLst>
+              <a:ext uri="{FF2B5EF4-FFF2-40B4-BE49-F238E27FC236}">
+                <a16:creationId xmlns:a16="http://schemas.microsoft.com/office/drawing/2014/main" id="{916B0600-8681-F3C1-3848-02613077A317}"/>
+              </a:ext>
+            </a:extLst>
+          </p:cNvPr>
           <p:cNvSpPr>
             <a:spLocks noGrp="1" noRot="1" noChangeAspect="1"/>
           </p:cNvSpPr>
@@ -984,7 +1368,13 @@
       </p:sp>
       <p:sp>
         <p:nvSpPr>
-          <p:cNvPr id="3" name="Marcador de posición de notas 2"/>
+          <p:cNvPr id="3" name="Marcador de posición de notas 2">
+            <a:extLst>
+              <a:ext uri="{FF2B5EF4-FFF2-40B4-BE49-F238E27FC236}">
+                <a16:creationId xmlns:a16="http://schemas.microsoft.com/office/drawing/2014/main" id="{6C5DFC1C-544C-62AD-DF03-9A75346C6B3E}"/>
+              </a:ext>
+            </a:extLst>
+          </p:cNvPr>
           <p:cNvSpPr>
             <a:spLocks noGrp="1"/>
           </p:cNvSpPr>
@@ -1004,7 +1394,13 @@
       </p:sp>
       <p:sp>
         <p:nvSpPr>
-          <p:cNvPr id="4" name="Marcador de posición de número de diapositiva 3"/>
+          <p:cNvPr id="4" name="Marcador de posición de número de diapositiva 3">
+            <a:extLst>
+              <a:ext uri="{FF2B5EF4-FFF2-40B4-BE49-F238E27FC236}">
+                <a16:creationId xmlns:a16="http://schemas.microsoft.com/office/drawing/2014/main" id="{711E34EA-F877-53C8-4860-65EB82B68E9A}"/>
+              </a:ext>
+            </a:extLst>
+          </p:cNvPr>
           <p:cNvSpPr>
             <a:spLocks noGrp="1"/>
           </p:cNvSpPr>
@@ -1029,7 +1425,7 @@
     </p:spTree>
     <p:extLst>
       <p:ext uri="{BB962C8B-B14F-4D97-AF65-F5344CB8AC3E}">
-        <p14:creationId xmlns:p14="http://schemas.microsoft.com/office/powerpoint/2010/main" val="3141029280"/>
+        <p14:creationId xmlns:p14="http://schemas.microsoft.com/office/powerpoint/2010/main" val="1332618172"/>
       </p:ext>
     </p:extLst>
   </p:cSld>
@@ -1044,7 +1440,13 @@
   <p:cSld>
     <p:spTree>
       <p:nvGrpSpPr>
-        <p:cNvPr id="1" name=""/>
+        <p:cNvPr id="1" name="">
+          <a:extLst>
+            <a:ext uri="{FF2B5EF4-FFF2-40B4-BE49-F238E27FC236}">
+              <a16:creationId xmlns:a16="http://schemas.microsoft.com/office/drawing/2014/main" id="{278F489A-2690-C11D-E679-5BD790AA751F}"/>
+            </a:ext>
+          </a:extLst>
+        </p:cNvPr>
         <p:cNvGrpSpPr/>
         <p:nvPr/>
       </p:nvGrpSpPr>
@@ -1058,7 +1460,13 @@
       </p:grpSpPr>
       <p:sp>
         <p:nvSpPr>
-          <p:cNvPr id="2" name="Marcador de posición de imagen de diapositiva 1"/>
+          <p:cNvPr id="2" name="Marcador de posición de imagen de diapositiva 1">
+            <a:extLst>
+              <a:ext uri="{FF2B5EF4-FFF2-40B4-BE49-F238E27FC236}">
+                <a16:creationId xmlns:a16="http://schemas.microsoft.com/office/drawing/2014/main" id="{3416D307-0F49-A09F-2A24-9D289CB91069}"/>
+              </a:ext>
+            </a:extLst>
+          </p:cNvPr>
           <p:cNvSpPr>
             <a:spLocks noGrp="1" noRot="1" noChangeAspect="1"/>
           </p:cNvSpPr>
@@ -1070,7 +1478,13 @@
       </p:sp>
       <p:sp>
         <p:nvSpPr>
-          <p:cNvPr id="3" name="Marcador de posición de notas 2"/>
+          <p:cNvPr id="3" name="Marcador de posición de notas 2">
+            <a:extLst>
+              <a:ext uri="{FF2B5EF4-FFF2-40B4-BE49-F238E27FC236}">
+                <a16:creationId xmlns:a16="http://schemas.microsoft.com/office/drawing/2014/main" id="{237490F9-9662-D0C0-8D5D-B9251BE35253}"/>
+              </a:ext>
+            </a:extLst>
+          </p:cNvPr>
           <p:cNvSpPr>
             <a:spLocks noGrp="1"/>
           </p:cNvSpPr>
@@ -1090,7 +1504,13 @@
       </p:sp>
       <p:sp>
         <p:nvSpPr>
-          <p:cNvPr id="4" name="Marcador de posición de número de diapositiva 3"/>
+          <p:cNvPr id="4" name="Marcador de posición de número de diapositiva 3">
+            <a:extLst>
+              <a:ext uri="{FF2B5EF4-FFF2-40B4-BE49-F238E27FC236}">
+                <a16:creationId xmlns:a16="http://schemas.microsoft.com/office/drawing/2014/main" id="{AC5EBEB5-9BE0-9103-68A8-4C4CD7BE25CB}"/>
+              </a:ext>
+            </a:extLst>
+          </p:cNvPr>
           <p:cNvSpPr>
             <a:spLocks noGrp="1"/>
           </p:cNvSpPr>
@@ -1115,7 +1535,7 @@
     </p:spTree>
     <p:extLst>
       <p:ext uri="{BB962C8B-B14F-4D97-AF65-F5344CB8AC3E}">
-        <p14:creationId xmlns:p14="http://schemas.microsoft.com/office/powerpoint/2010/main" val="1912317581"/>
+        <p14:creationId xmlns:p14="http://schemas.microsoft.com/office/powerpoint/2010/main" val="411382914"/>
       </p:ext>
     </p:extLst>
   </p:cSld>
@@ -1133,7 +1553,7 @@
         <p:cNvPr id="1" name="">
           <a:extLst>
             <a:ext uri="{FF2B5EF4-FFF2-40B4-BE49-F238E27FC236}">
-              <a16:creationId xmlns:a16="http://schemas.microsoft.com/office/drawing/2014/main" id="{A9119A0E-AF63-AE48-7EBD-99E19559786F}"/>
+              <a16:creationId xmlns:a16="http://schemas.microsoft.com/office/drawing/2014/main" id="{0EA21F8B-675C-083B-A35F-BE455D9354A0}"/>
             </a:ext>
           </a:extLst>
         </p:cNvPr>
@@ -1153,7 +1573,7 @@
           <p:cNvPr id="2" name="Marcador de posición de imagen de diapositiva 1">
             <a:extLst>
               <a:ext uri="{FF2B5EF4-FFF2-40B4-BE49-F238E27FC236}">
-                <a16:creationId xmlns:a16="http://schemas.microsoft.com/office/drawing/2014/main" id="{18098AD2-30AC-7EB6-C0F3-565C489A7FA7}"/>
+                <a16:creationId xmlns:a16="http://schemas.microsoft.com/office/drawing/2014/main" id="{493715B3-BAAC-9405-0FC2-0FE48B7D7B5E}"/>
               </a:ext>
             </a:extLst>
           </p:cNvPr>
@@ -1171,7 +1591,7 @@
           <p:cNvPr id="3" name="Marcador de posición de notas 2">
             <a:extLst>
               <a:ext uri="{FF2B5EF4-FFF2-40B4-BE49-F238E27FC236}">
-                <a16:creationId xmlns:a16="http://schemas.microsoft.com/office/drawing/2014/main" id="{C3EE7FA9-DA37-5CD2-71C7-F995C393D674}"/>
+                <a16:creationId xmlns:a16="http://schemas.microsoft.com/office/drawing/2014/main" id="{B685DF8D-D7CB-852B-B947-46BB949B52FC}"/>
               </a:ext>
             </a:extLst>
           </p:cNvPr>
@@ -1197,7 +1617,7 @@
           <p:cNvPr id="4" name="Marcador de posición de número de diapositiva 3">
             <a:extLst>
               <a:ext uri="{FF2B5EF4-FFF2-40B4-BE49-F238E27FC236}">
-                <a16:creationId xmlns:a16="http://schemas.microsoft.com/office/drawing/2014/main" id="{89BB6459-9143-78A1-0C1D-6D2820AF3525}"/>
+                <a16:creationId xmlns:a16="http://schemas.microsoft.com/office/drawing/2014/main" id="{9750A187-2382-6F0D-0B9C-2722607884E7}"/>
               </a:ext>
             </a:extLst>
           </p:cNvPr>
@@ -1225,7 +1645,7 @@
     </p:spTree>
     <p:extLst>
       <p:ext uri="{BB962C8B-B14F-4D97-AF65-F5344CB8AC3E}">
-        <p14:creationId xmlns:p14="http://schemas.microsoft.com/office/powerpoint/2010/main" val="4129620798"/>
+        <p14:creationId xmlns:p14="http://schemas.microsoft.com/office/powerpoint/2010/main" val="3279754664"/>
       </p:ext>
     </p:extLst>
   </p:cSld>
@@ -1240,7 +1660,13 @@
   <p:cSld>
     <p:spTree>
       <p:nvGrpSpPr>
-        <p:cNvPr id="1" name=""/>
+        <p:cNvPr id="1" name="">
+          <a:extLst>
+            <a:ext uri="{FF2B5EF4-FFF2-40B4-BE49-F238E27FC236}">
+              <a16:creationId xmlns:a16="http://schemas.microsoft.com/office/drawing/2014/main" id="{833A4CF3-EA95-0D29-E530-160E72E54CD8}"/>
+            </a:ext>
+          </a:extLst>
+        </p:cNvPr>
         <p:cNvGrpSpPr/>
         <p:nvPr/>
       </p:nvGrpSpPr>
@@ -1254,7 +1680,13 @@
       </p:grpSpPr>
       <p:sp>
         <p:nvSpPr>
-          <p:cNvPr id="2" name="Marcador de imagen de diapositiva 1"/>
+          <p:cNvPr id="2" name="Marcador de posición de imagen de diapositiva 1">
+            <a:extLst>
+              <a:ext uri="{FF2B5EF4-FFF2-40B4-BE49-F238E27FC236}">
+                <a16:creationId xmlns:a16="http://schemas.microsoft.com/office/drawing/2014/main" id="{C614AECE-00EF-6A5B-B17B-82809E2DFFB8}"/>
+              </a:ext>
+            </a:extLst>
+          </p:cNvPr>
           <p:cNvSpPr>
             <a:spLocks noGrp="1" noRot="1" noChangeAspect="1"/>
           </p:cNvSpPr>
@@ -1266,7 +1698,13 @@
       </p:sp>
       <p:sp>
         <p:nvSpPr>
-          <p:cNvPr id="3" name="Marcador de posición de notas 2"/>
+          <p:cNvPr id="3" name="Marcador de posición de notas 2">
+            <a:extLst>
+              <a:ext uri="{FF2B5EF4-FFF2-40B4-BE49-F238E27FC236}">
+                <a16:creationId xmlns:a16="http://schemas.microsoft.com/office/drawing/2014/main" id="{0911D5CB-67DD-5544-1368-7C9999723D32}"/>
+              </a:ext>
+            </a:extLst>
+          </p:cNvPr>
           <p:cNvSpPr>
             <a:spLocks noGrp="1"/>
           </p:cNvSpPr>
@@ -1286,7 +1724,13 @@
       </p:sp>
       <p:sp>
         <p:nvSpPr>
-          <p:cNvPr id="4" name="Marcador de número de diapositiva 3"/>
+          <p:cNvPr id="4" name="Marcador de posición de número de diapositiva 3">
+            <a:extLst>
+              <a:ext uri="{FF2B5EF4-FFF2-40B4-BE49-F238E27FC236}">
+                <a16:creationId xmlns:a16="http://schemas.microsoft.com/office/drawing/2014/main" id="{5757F59B-5F1A-C8FC-9001-FEA5183AF61F}"/>
+              </a:ext>
+            </a:extLst>
+          </p:cNvPr>
           <p:cNvSpPr>
             <a:spLocks noGrp="1"/>
           </p:cNvSpPr>
@@ -1311,7 +1755,7 @@
     </p:spTree>
     <p:extLst>
       <p:ext uri="{BB962C8B-B14F-4D97-AF65-F5344CB8AC3E}">
-        <p14:creationId xmlns:p14="http://schemas.microsoft.com/office/powerpoint/2010/main" val="335417524"/>
+        <p14:creationId xmlns:p14="http://schemas.microsoft.com/office/powerpoint/2010/main" val="4286573264"/>
       </p:ext>
     </p:extLst>
   </p:cSld>
@@ -1326,7 +1770,13 @@
   <p:cSld>
     <p:spTree>
       <p:nvGrpSpPr>
-        <p:cNvPr id="1" name=""/>
+        <p:cNvPr id="1" name="">
+          <a:extLst>
+            <a:ext uri="{FF2B5EF4-FFF2-40B4-BE49-F238E27FC236}">
+              <a16:creationId xmlns:a16="http://schemas.microsoft.com/office/drawing/2014/main" id="{FB1480F6-B413-86F6-9F17-A4FA98C6E613}"/>
+            </a:ext>
+          </a:extLst>
+        </p:cNvPr>
         <p:cNvGrpSpPr/>
         <p:nvPr/>
       </p:nvGrpSpPr>
@@ -1340,7 +1790,13 @@
       </p:grpSpPr>
       <p:sp>
         <p:nvSpPr>
-          <p:cNvPr id="2" name="Marcador de posición de imagen de diapositiva 1"/>
+          <p:cNvPr id="2" name="Marcador de posición de imagen de diapositiva 1">
+            <a:extLst>
+              <a:ext uri="{FF2B5EF4-FFF2-40B4-BE49-F238E27FC236}">
+                <a16:creationId xmlns:a16="http://schemas.microsoft.com/office/drawing/2014/main" id="{71EA3E33-2C4B-1237-7FE6-5DC0E5AFA522}"/>
+              </a:ext>
+            </a:extLst>
+          </p:cNvPr>
           <p:cNvSpPr>
             <a:spLocks noGrp="1" noRot="1" noChangeAspect="1"/>
           </p:cNvSpPr>
@@ -1352,7 +1808,13 @@
       </p:sp>
       <p:sp>
         <p:nvSpPr>
-          <p:cNvPr id="3" name="Marcador de posición de notas 2"/>
+          <p:cNvPr id="3" name="Marcador de posición de notas 2">
+            <a:extLst>
+              <a:ext uri="{FF2B5EF4-FFF2-40B4-BE49-F238E27FC236}">
+                <a16:creationId xmlns:a16="http://schemas.microsoft.com/office/drawing/2014/main" id="{4ACBF26A-80C4-7F94-E8B5-5A61F56EACD4}"/>
+              </a:ext>
+            </a:extLst>
+          </p:cNvPr>
           <p:cNvSpPr>
             <a:spLocks noGrp="1"/>
           </p:cNvSpPr>
@@ -1372,7 +1834,13 @@
       </p:sp>
       <p:sp>
         <p:nvSpPr>
-          <p:cNvPr id="4" name="Marcador de posición de número de diapositiva 3"/>
+          <p:cNvPr id="4" name="Marcador de posición de número de diapositiva 3">
+            <a:extLst>
+              <a:ext uri="{FF2B5EF4-FFF2-40B4-BE49-F238E27FC236}">
+                <a16:creationId xmlns:a16="http://schemas.microsoft.com/office/drawing/2014/main" id="{EAC7FACE-64C7-4CE6-D6C9-92E8FB991BB3}"/>
+              </a:ext>
+            </a:extLst>
+          </p:cNvPr>
           <p:cNvSpPr>
             <a:spLocks noGrp="1"/>
           </p:cNvSpPr>
@@ -1397,7 +1865,7 @@
     </p:spTree>
     <p:extLst>
       <p:ext uri="{BB962C8B-B14F-4D97-AF65-F5344CB8AC3E}">
-        <p14:creationId xmlns:p14="http://schemas.microsoft.com/office/powerpoint/2010/main" val="1335137363"/>
+        <p14:creationId xmlns:p14="http://schemas.microsoft.com/office/powerpoint/2010/main" val="1722474101"/>
       </p:ext>
     </p:extLst>
   </p:cSld>
@@ -1426,7 +1894,7 @@
       </p:grpSpPr>
       <p:sp>
         <p:nvSpPr>
-          <p:cNvPr id="2" name="Marcador de imagen de diapositiva 1"/>
+          <p:cNvPr id="2" name="Marcador de posición de imagen de diapositiva 1"/>
           <p:cNvSpPr>
             <a:spLocks noGrp="1" noRot="1" noChangeAspect="1"/>
           </p:cNvSpPr>
@@ -1458,7 +1926,7 @@
       </p:sp>
       <p:sp>
         <p:nvSpPr>
-          <p:cNvPr id="4" name="Marcador de número de diapositiva 3"/>
+          <p:cNvPr id="4" name="Marcador de posición de número de diapositiva 3"/>
           <p:cNvSpPr>
             <a:spLocks noGrp="1"/>
           </p:cNvSpPr>
@@ -1483,7 +1951,7 @@
     </p:spTree>
     <p:extLst>
       <p:ext uri="{BB962C8B-B14F-4D97-AF65-F5344CB8AC3E}">
-        <p14:creationId xmlns:p14="http://schemas.microsoft.com/office/powerpoint/2010/main" val="4032744678"/>
+        <p14:creationId xmlns:p14="http://schemas.microsoft.com/office/powerpoint/2010/main" val="1912317581"/>
       </p:ext>
     </p:extLst>
   </p:cSld>
@@ -7067,10 +7535,10 @@
       </p:grpSpPr>
       <p:pic>
         <p:nvPicPr>
-          <p:cNvPr id="10" name="Imagen 9" descr="Profesionales que colaboran en una mesa en un portátil">
-            <a:extLst>
-              <a:ext uri="{FF2B5EF4-FFF2-40B4-BE49-F238E27FC236}">
-                <a16:creationId xmlns:a16="http://schemas.microsoft.com/office/drawing/2014/main" id="{1E745F20-F130-4708-BD5A-1A4FF4BE4D0B}"/>
+          <p:cNvPr id="11" name="Imagen 10" descr="Imagen que contiene interior, lavabo, edificio, espejo&#10;&#10;Descripción generada automáticamente">
+            <a:extLst>
+              <a:ext uri="{FF2B5EF4-FFF2-40B4-BE49-F238E27FC236}">
+                <a16:creationId xmlns:a16="http://schemas.microsoft.com/office/drawing/2014/main" id="{D0214670-E99A-F7F1-0EAB-CB521DA45FCD}"/>
               </a:ext>
             </a:extLst>
           </p:cNvPr>
@@ -7079,7 +7547,7 @@
           </p:cNvPicPr>
           <p:nvPr/>
         </p:nvPicPr>
-        <p:blipFill rotWithShape="1">
+        <p:blipFill>
           <a:blip r:embed="rId3">
             <a:extLst>
               <a:ext uri="{28A0092B-C50C-407E-A947-70E740481C1C}">
@@ -7087,12 +7555,13 @@
               </a:ext>
             </a:extLst>
           </a:blip>
-          <a:srcRect/>
-          <a:stretch/>
+          <a:stretch>
+            <a:fillRect/>
+          </a:stretch>
         </p:blipFill>
         <p:spPr>
           <a:xfrm>
-            <a:off x="0" y="0"/>
+            <a:off x="2404" y="0"/>
             <a:ext cx="12189460" cy="6858000"/>
           </a:xfrm>
           <a:prstGeom prst="rect">
@@ -7114,7 +7583,7 @@
         </p:nvSpPr>
         <p:spPr bwMode="ltGray">
           <a:xfrm>
-            <a:off x="2540" y="0"/>
+            <a:off x="12525" y="0"/>
             <a:ext cx="12189460" cy="6858000"/>
           </a:xfrm>
           <a:custGeom>
@@ -7358,6 +7827,2773 @@
 </p:sld>
 </file>
 
+<file path=ppt/slides/slide10.xml><?xml version="1.0" encoding="utf-8"?>
+<p:sld xmlns:a="http://schemas.openxmlformats.org/drawingml/2006/main" xmlns:r="http://schemas.openxmlformats.org/officeDocument/2006/relationships" xmlns:p="http://schemas.openxmlformats.org/presentationml/2006/main">
+  <p:cSld>
+    <p:spTree>
+      <p:nvGrpSpPr>
+        <p:cNvPr id="1" name="">
+          <a:extLst>
+            <a:ext uri="{FF2B5EF4-FFF2-40B4-BE49-F238E27FC236}">
+              <a16:creationId xmlns:a16="http://schemas.microsoft.com/office/drawing/2014/main" id="{E0633E25-B07D-5538-D179-24FF9D4DF15E}"/>
+            </a:ext>
+          </a:extLst>
+        </p:cNvPr>
+        <p:cNvGrpSpPr/>
+        <p:nvPr/>
+      </p:nvGrpSpPr>
+      <p:grpSpPr>
+        <a:xfrm>
+          <a:off x="0" y="0"/>
+          <a:ext cx="0" cy="0"/>
+          <a:chOff x="0" y="0"/>
+          <a:chExt cx="0" cy="0"/>
+        </a:xfrm>
+      </p:grpSpPr>
+      <p:pic>
+        <p:nvPicPr>
+          <p:cNvPr id="21" name="Marcador de posición de imagen 20" descr="Apretón de manos de dos personas">
+            <a:extLst>
+              <a:ext uri="{FF2B5EF4-FFF2-40B4-BE49-F238E27FC236}">
+                <a16:creationId xmlns:a16="http://schemas.microsoft.com/office/drawing/2014/main" id="{76A27537-4415-A4BD-7314-2393EFF0B67C}"/>
+              </a:ext>
+            </a:extLst>
+          </p:cNvPr>
+          <p:cNvPicPr>
+            <a:picLocks noGrp="1" noChangeAspect="1"/>
+          </p:cNvPicPr>
+          <p:nvPr>
+            <p:ph type="pic" sz="quarter" idx="13"/>
+          </p:nvPr>
+        </p:nvPicPr>
+        <p:blipFill>
+          <a:blip r:embed="rId3">
+            <a:extLst>
+              <a:ext uri="{28A0092B-C50C-407E-A947-70E740481C1C}">
+                <a14:useLocalDpi xmlns:a14="http://schemas.microsoft.com/office/drawing/2010/main" val="0"/>
+              </a:ext>
+            </a:extLst>
+          </a:blip>
+          <a:stretch>
+            <a:fillRect/>
+          </a:stretch>
+        </p:blipFill>
+        <p:spPr>
+          <a:xfrm>
+            <a:off x="0" y="0"/>
+            <a:ext cx="12192000" cy="6858000"/>
+          </a:xfrm>
+        </p:spPr>
+      </p:pic>
+      <p:sp>
+        <p:nvSpPr>
+          <p:cNvPr id="22" name="objeto 3" descr="Rectángulo azul">
+            <a:extLst>
+              <a:ext uri="{FF2B5EF4-FFF2-40B4-BE49-F238E27FC236}">
+                <a16:creationId xmlns:a16="http://schemas.microsoft.com/office/drawing/2014/main" id="{D6BC2CA9-EEE2-6423-B8A4-554047F95D3B}"/>
+              </a:ext>
+            </a:extLst>
+          </p:cNvPr>
+          <p:cNvSpPr/>
+          <p:nvPr/>
+        </p:nvSpPr>
+        <p:spPr>
+          <a:xfrm>
+            <a:off x="0" y="0"/>
+            <a:ext cx="12189600" cy="6858000"/>
+          </a:xfrm>
+          <a:custGeom>
+            <a:avLst/>
+            <a:gdLst/>
+            <a:ahLst/>
+            <a:cxnLst/>
+            <a:rect l="l" t="t" r="r" b="b"/>
+            <a:pathLst>
+              <a:path w="12189460" h="6858000">
+                <a:moveTo>
+                  <a:pt x="0" y="6858000"/>
+                </a:moveTo>
+                <a:lnTo>
+                  <a:pt x="12188952" y="6858000"/>
+                </a:lnTo>
+                <a:lnTo>
+                  <a:pt x="12188952" y="0"/>
+                </a:lnTo>
+                <a:lnTo>
+                  <a:pt x="0" y="0"/>
+                </a:lnTo>
+                <a:lnTo>
+                  <a:pt x="0" y="6858000"/>
+                </a:lnTo>
+                <a:close/>
+              </a:path>
+            </a:pathLst>
+          </a:custGeom>
+          <a:solidFill>
+            <a:schemeClr val="tx2">
+              <a:alpha val="69999"/>
+            </a:schemeClr>
+          </a:solidFill>
+        </p:spPr>
+        <p:txBody>
+          <a:bodyPr wrap="square" lIns="0" tIns="0" rIns="0" bIns="0" rtlCol="0"/>
+          <a:lstStyle/>
+          <a:p>
+            <a:pPr rtl="0"/>
+            <a:endParaRPr lang="es-ES" dirty="0"/>
+          </a:p>
+        </p:txBody>
+      </p:sp>
+      <p:sp>
+        <p:nvSpPr>
+          <p:cNvPr id="10" name="Marcador de contenido 9">
+            <a:extLst>
+              <a:ext uri="{FF2B5EF4-FFF2-40B4-BE49-F238E27FC236}">
+                <a16:creationId xmlns:a16="http://schemas.microsoft.com/office/drawing/2014/main" id="{84376F3A-3F54-30F0-8FAE-43572A6F7A34}"/>
+              </a:ext>
+            </a:extLst>
+          </p:cNvPr>
+          <p:cNvSpPr>
+            <a:spLocks noGrp="1"/>
+          </p:cNvSpPr>
+          <p:nvPr>
+            <p:ph sz="half" idx="15"/>
+          </p:nvPr>
+        </p:nvSpPr>
+        <p:spPr bwMode="white">
+          <a:xfrm>
+            <a:off x="8317456" y="2300984"/>
+            <a:ext cx="3353001" cy="1922438"/>
+          </a:xfrm>
+        </p:spPr>
+        <p:txBody>
+          <a:bodyPr rtlCol="0">
+            <a:noAutofit/>
+          </a:bodyPr>
+          <a:lstStyle/>
+          <a:p>
+            <a:pPr marL="12700" rtl="0">
+              <a:lnSpc>
+                <a:spcPct val="120000"/>
+              </a:lnSpc>
+              <a:spcBef>
+                <a:spcPts val="100"/>
+              </a:spcBef>
+            </a:pPr>
+            <a:r>
+              <a:rPr lang="es-ES" sz="2000" b="1" dirty="0">
+                <a:solidFill>
+                  <a:schemeClr val="bg1"/>
+                </a:solidFill>
+              </a:rPr>
+              <a:t>Tolerancia a fallos</a:t>
+            </a:r>
+          </a:p>
+          <a:p>
+            <a:pPr marR="5080" rtl="0">
+              <a:lnSpc>
+                <a:spcPct val="100000"/>
+              </a:lnSpc>
+              <a:spcBef>
+                <a:spcPts val="600"/>
+              </a:spcBef>
+            </a:pPr>
+            <a:r>
+              <a:rPr lang="es-ES" i="1" spc="-15" dirty="0">
+                <a:solidFill>
+                  <a:schemeClr val="bg2">
+                    <a:lumMod val="20000"/>
+                    <a:lumOff val="80000"/>
+                  </a:schemeClr>
+                </a:solidFill>
+                <a:cs typeface="Arial"/>
+              </a:rPr>
+              <a:t>Luces de la casa y sistema de acceso desvinculados por MCU</a:t>
+            </a:r>
+          </a:p>
+        </p:txBody>
+      </p:sp>
+      <p:sp>
+        <p:nvSpPr>
+          <p:cNvPr id="9" name="Marcador de contenido 8">
+            <a:extLst>
+              <a:ext uri="{FF2B5EF4-FFF2-40B4-BE49-F238E27FC236}">
+                <a16:creationId xmlns:a16="http://schemas.microsoft.com/office/drawing/2014/main" id="{E06096BD-FBE6-2064-94A5-D3078B39E6E4}"/>
+              </a:ext>
+            </a:extLst>
+          </p:cNvPr>
+          <p:cNvSpPr>
+            <a:spLocks noGrp="1"/>
+          </p:cNvSpPr>
+          <p:nvPr>
+            <p:ph sz="half" idx="14"/>
+          </p:nvPr>
+        </p:nvSpPr>
+        <p:spPr bwMode="white">
+          <a:xfrm>
+            <a:off x="4681317" y="2313121"/>
+            <a:ext cx="3148965" cy="1922438"/>
+          </a:xfrm>
+        </p:spPr>
+        <p:txBody>
+          <a:bodyPr rtlCol="0">
+            <a:noAutofit/>
+          </a:bodyPr>
+          <a:lstStyle/>
+          <a:p>
+            <a:pPr marL="12700" rtl="0">
+              <a:lnSpc>
+                <a:spcPct val="120000"/>
+              </a:lnSpc>
+              <a:spcBef>
+                <a:spcPts val="100"/>
+              </a:spcBef>
+            </a:pPr>
+            <a:r>
+              <a:rPr lang="es-ES" sz="2000" b="1" dirty="0">
+                <a:solidFill>
+                  <a:schemeClr val="bg1"/>
+                </a:solidFill>
+              </a:rPr>
+              <a:t>Usabilidad</a:t>
+            </a:r>
+          </a:p>
+          <a:p>
+            <a:pPr marR="5080" rtl="0">
+              <a:lnSpc>
+                <a:spcPct val="100000"/>
+              </a:lnSpc>
+              <a:spcBef>
+                <a:spcPts val="600"/>
+              </a:spcBef>
+            </a:pPr>
+            <a:r>
+              <a:rPr lang="es-ES" i="1" spc="-15" dirty="0">
+                <a:solidFill>
+                  <a:schemeClr val="bg2">
+                    <a:lumMod val="20000"/>
+                    <a:lumOff val="80000"/>
+                  </a:schemeClr>
+                </a:solidFill>
+                <a:cs typeface="Arial"/>
+              </a:rPr>
+              <a:t>Uso de interfaz en </a:t>
+            </a:r>
+            <a:r>
+              <a:rPr lang="es-ES" i="1" spc="-15" dirty="0" err="1">
+                <a:solidFill>
+                  <a:schemeClr val="bg2">
+                    <a:lumMod val="20000"/>
+                    <a:lumOff val="80000"/>
+                  </a:schemeClr>
+                </a:solidFill>
+                <a:cs typeface="Arial"/>
+              </a:rPr>
+              <a:t>Labview</a:t>
+            </a:r>
+            <a:endParaRPr lang="es-ES" i="1" spc="-15" dirty="0">
+              <a:solidFill>
+                <a:schemeClr val="bg2">
+                  <a:lumMod val="20000"/>
+                  <a:lumOff val="80000"/>
+                </a:schemeClr>
+              </a:solidFill>
+              <a:cs typeface="Arial"/>
+            </a:endParaRPr>
+          </a:p>
+          <a:p>
+            <a:pPr marR="5080" rtl="0">
+              <a:lnSpc>
+                <a:spcPct val="100000"/>
+              </a:lnSpc>
+              <a:spcBef>
+                <a:spcPts val="600"/>
+              </a:spcBef>
+            </a:pPr>
+            <a:r>
+              <a:rPr lang="es-ES" i="1" spc="-15" dirty="0">
+                <a:solidFill>
+                  <a:schemeClr val="bg2">
+                    <a:lumMod val="20000"/>
+                    <a:lumOff val="80000"/>
+                  </a:schemeClr>
+                </a:solidFill>
+                <a:cs typeface="Arial"/>
+              </a:rPr>
+              <a:t>Visualización de notificaciones en pantalla LCD</a:t>
+            </a:r>
+          </a:p>
+        </p:txBody>
+      </p:sp>
+      <p:sp>
+        <p:nvSpPr>
+          <p:cNvPr id="2" name="Marcador de número de diapositiva 1">
+            <a:extLst>
+              <a:ext uri="{FF2B5EF4-FFF2-40B4-BE49-F238E27FC236}">
+                <a16:creationId xmlns:a16="http://schemas.microsoft.com/office/drawing/2014/main" id="{19A9F5CB-1317-642E-35C8-FA6CA492A711}"/>
+              </a:ext>
+            </a:extLst>
+          </p:cNvPr>
+          <p:cNvSpPr>
+            <a:spLocks noGrp="1"/>
+          </p:cNvSpPr>
+          <p:nvPr>
+            <p:ph type="sldNum" sz="quarter" idx="12"/>
+          </p:nvPr>
+        </p:nvSpPr>
+        <p:spPr/>
+        <p:txBody>
+          <a:bodyPr rtlCol="0"/>
+          <a:lstStyle/>
+          <a:p>
+            <a:pPr rtl="0"/>
+            <a:fld id="{82EE24B5-652C-4DB5-B7C3-B5BBEC1280B1}" type="slidenum">
+              <a:rPr lang="es-ES" sz="1000" smtClean="0"/>
+              <a:t>10</a:t>
+            </a:fld>
+            <a:endParaRPr lang="es-ES" sz="1000" dirty="0"/>
+          </a:p>
+        </p:txBody>
+      </p:sp>
+      <p:sp>
+        <p:nvSpPr>
+          <p:cNvPr id="6" name="Título 5">
+            <a:extLst>
+              <a:ext uri="{FF2B5EF4-FFF2-40B4-BE49-F238E27FC236}">
+                <a16:creationId xmlns:a16="http://schemas.microsoft.com/office/drawing/2014/main" id="{A787AD31-7BF2-F1A3-7AF4-F2E90A347975}"/>
+              </a:ext>
+            </a:extLst>
+          </p:cNvPr>
+          <p:cNvSpPr>
+            <a:spLocks noGrp="1"/>
+          </p:cNvSpPr>
+          <p:nvPr>
+            <p:ph type="title"/>
+          </p:nvPr>
+        </p:nvSpPr>
+        <p:spPr bwMode="ltGray">
+          <a:xfrm>
+            <a:off x="818028" y="365125"/>
+            <a:ext cx="10515600" cy="1325563"/>
+          </a:xfrm>
+        </p:spPr>
+        <p:txBody>
+          <a:bodyPr rtlCol="0"/>
+          <a:lstStyle/>
+          <a:p>
+            <a:pPr rtl="0"/>
+            <a:r>
+              <a:rPr lang="es-ES" dirty="0">
+                <a:solidFill>
+                  <a:schemeClr val="bg1"/>
+                </a:solidFill>
+              </a:rPr>
+              <a:t>REQUISITOS NO FUNCIONALES</a:t>
+            </a:r>
+            <a:endParaRPr lang="es-ES" dirty="0"/>
+          </a:p>
+        </p:txBody>
+      </p:sp>
+      <p:sp>
+        <p:nvSpPr>
+          <p:cNvPr id="7" name="Marcador de contenido 6">
+            <a:extLst>
+              <a:ext uri="{FF2B5EF4-FFF2-40B4-BE49-F238E27FC236}">
+                <a16:creationId xmlns:a16="http://schemas.microsoft.com/office/drawing/2014/main" id="{D7CC9EE7-E4BB-AC98-4925-1E96A502A036}"/>
+              </a:ext>
+            </a:extLst>
+          </p:cNvPr>
+          <p:cNvSpPr>
+            <a:spLocks noGrp="1"/>
+          </p:cNvSpPr>
+          <p:nvPr>
+            <p:ph sz="half" idx="1"/>
+          </p:nvPr>
+        </p:nvSpPr>
+        <p:spPr bwMode="white">
+          <a:xfrm>
+            <a:off x="1175030" y="2313120"/>
+            <a:ext cx="3148965" cy="2146629"/>
+          </a:xfrm>
+        </p:spPr>
+        <p:txBody>
+          <a:bodyPr rtlCol="0">
+            <a:noAutofit/>
+          </a:bodyPr>
+          <a:lstStyle/>
+          <a:p>
+            <a:pPr marL="12700" rtl="0">
+              <a:lnSpc>
+                <a:spcPct val="120000"/>
+              </a:lnSpc>
+              <a:spcBef>
+                <a:spcPts val="100"/>
+              </a:spcBef>
+            </a:pPr>
+            <a:r>
+              <a:rPr lang="es-ES" sz="2000" b="1" dirty="0">
+                <a:solidFill>
+                  <a:schemeClr val="bg1"/>
+                </a:solidFill>
+              </a:rPr>
+              <a:t>Escalabilidad</a:t>
+            </a:r>
+          </a:p>
+          <a:p>
+            <a:pPr marR="5080" rtl="0">
+              <a:lnSpc>
+                <a:spcPct val="100000"/>
+              </a:lnSpc>
+              <a:spcBef>
+                <a:spcPts val="600"/>
+              </a:spcBef>
+            </a:pPr>
+            <a:r>
+              <a:rPr lang="es-ES" i="1" spc="-15" dirty="0">
+                <a:solidFill>
+                  <a:schemeClr val="bg2">
+                    <a:lumMod val="20000"/>
+                    <a:lumOff val="80000"/>
+                  </a:schemeClr>
+                </a:solidFill>
+                <a:cs typeface="Arial"/>
+              </a:rPr>
+              <a:t>Posibilidad de adaptación del sistema para más habitaciones</a:t>
+            </a:r>
+          </a:p>
+          <a:p>
+            <a:pPr marR="5080" rtl="0">
+              <a:lnSpc>
+                <a:spcPct val="100000"/>
+              </a:lnSpc>
+              <a:spcBef>
+                <a:spcPts val="600"/>
+              </a:spcBef>
+            </a:pPr>
+            <a:r>
+              <a:rPr lang="es-ES" i="1" spc="-15" dirty="0">
+                <a:solidFill>
+                  <a:schemeClr val="bg2">
+                    <a:lumMod val="20000"/>
+                    <a:lumOff val="80000"/>
+                  </a:schemeClr>
+                </a:solidFill>
+                <a:cs typeface="Arial"/>
+              </a:rPr>
+              <a:t>Base de datos con gran capacidad de almacenamiento</a:t>
+            </a:r>
+          </a:p>
+          <a:p>
+            <a:pPr marR="5080" rtl="0">
+              <a:lnSpc>
+                <a:spcPct val="120000"/>
+              </a:lnSpc>
+              <a:spcBef>
+                <a:spcPts val="600"/>
+              </a:spcBef>
+            </a:pPr>
+            <a:endParaRPr lang="es-ES" sz="1800" i="1" spc="-15" dirty="0">
+              <a:solidFill>
+                <a:schemeClr val="bg2">
+                  <a:lumMod val="20000"/>
+                  <a:lumOff val="80000"/>
+                </a:schemeClr>
+              </a:solidFill>
+              <a:cs typeface="Arial"/>
+            </a:endParaRPr>
+          </a:p>
+        </p:txBody>
+      </p:sp>
+      <p:pic>
+        <p:nvPicPr>
+          <p:cNvPr id="36" name="Marcador de posición de imagen 35" descr="Icono comprobación">
+            <a:extLst>
+              <a:ext uri="{FF2B5EF4-FFF2-40B4-BE49-F238E27FC236}">
+                <a16:creationId xmlns:a16="http://schemas.microsoft.com/office/drawing/2014/main" id="{749A160C-BBDA-3B64-B90E-1156644569FA}"/>
+              </a:ext>
+            </a:extLst>
+          </p:cNvPr>
+          <p:cNvPicPr>
+            <a:picLocks noGrp="1" noChangeAspect="1"/>
+          </p:cNvPicPr>
+          <p:nvPr>
+            <p:ph type="pic" sz="quarter" idx="19"/>
+          </p:nvPr>
+        </p:nvPicPr>
+        <p:blipFill>
+          <a:blip r:embed="rId4" cstate="hqprint">
+            <a:extLst>
+              <a:ext uri="{28A0092B-C50C-407E-A947-70E740481C1C}">
+                <a14:useLocalDpi xmlns:a14="http://schemas.microsoft.com/office/drawing/2010/main" val="0"/>
+              </a:ext>
+            </a:extLst>
+          </a:blip>
+          <a:srcRect/>
+          <a:stretch>
+            <a:fillRect/>
+          </a:stretch>
+        </p:blipFill>
+        <p:spPr bwMode="white">
+          <a:xfrm>
+            <a:off x="676154" y="2289870"/>
+            <a:ext cx="576000" cy="576000"/>
+          </a:xfrm>
+        </p:spPr>
+      </p:pic>
+      <p:pic>
+        <p:nvPicPr>
+          <p:cNvPr id="38" name="Marcador de posición de imagen 37" descr="Icono comprobación">
+            <a:extLst>
+              <a:ext uri="{FF2B5EF4-FFF2-40B4-BE49-F238E27FC236}">
+                <a16:creationId xmlns:a16="http://schemas.microsoft.com/office/drawing/2014/main" id="{AD7B8E51-1BFC-9105-4D38-F4623C7A79AA}"/>
+              </a:ext>
+            </a:extLst>
+          </p:cNvPr>
+          <p:cNvPicPr>
+            <a:picLocks noGrp="1" noChangeAspect="1"/>
+          </p:cNvPicPr>
+          <p:nvPr>
+            <p:ph type="pic" sz="quarter" idx="20"/>
+          </p:nvPr>
+        </p:nvPicPr>
+        <p:blipFill>
+          <a:blip r:embed="rId4" cstate="hqprint">
+            <a:extLst>
+              <a:ext uri="{28A0092B-C50C-407E-A947-70E740481C1C}">
+                <a14:useLocalDpi xmlns:a14="http://schemas.microsoft.com/office/drawing/2010/main" val="0"/>
+              </a:ext>
+            </a:extLst>
+          </a:blip>
+          <a:srcRect/>
+          <a:stretch>
+            <a:fillRect/>
+          </a:stretch>
+        </p:blipFill>
+        <p:spPr bwMode="white">
+          <a:xfrm>
+            <a:off x="4216111" y="2289870"/>
+            <a:ext cx="576000" cy="576000"/>
+          </a:xfrm>
+        </p:spPr>
+      </p:pic>
+      <p:pic>
+        <p:nvPicPr>
+          <p:cNvPr id="40" name="Marcador de posición de imagen 39" descr="Icono comprobación">
+            <a:extLst>
+              <a:ext uri="{FF2B5EF4-FFF2-40B4-BE49-F238E27FC236}">
+                <a16:creationId xmlns:a16="http://schemas.microsoft.com/office/drawing/2014/main" id="{D2CF1308-156A-A869-C6E2-7A530DAF1975}"/>
+              </a:ext>
+            </a:extLst>
+          </p:cNvPr>
+          <p:cNvPicPr>
+            <a:picLocks noGrp="1" noChangeAspect="1"/>
+          </p:cNvPicPr>
+          <p:nvPr>
+            <p:ph type="pic" sz="quarter" idx="21"/>
+          </p:nvPr>
+        </p:nvPicPr>
+        <p:blipFill>
+          <a:blip r:embed="rId4" cstate="hqprint">
+            <a:extLst>
+              <a:ext uri="{28A0092B-C50C-407E-A947-70E740481C1C}">
+                <a14:useLocalDpi xmlns:a14="http://schemas.microsoft.com/office/drawing/2010/main" val="0"/>
+              </a:ext>
+            </a:extLst>
+          </a:blip>
+          <a:srcRect/>
+          <a:stretch>
+            <a:fillRect/>
+          </a:stretch>
+        </p:blipFill>
+        <p:spPr bwMode="white">
+          <a:xfrm>
+            <a:off x="7852983" y="2289870"/>
+            <a:ext cx="576000" cy="576000"/>
+          </a:xfrm>
+        </p:spPr>
+      </p:pic>
+      <p:sp>
+        <p:nvSpPr>
+          <p:cNvPr id="24" name="objeto 5" descr="Rectángulo beige">
+            <a:extLst>
+              <a:ext uri="{FF2B5EF4-FFF2-40B4-BE49-F238E27FC236}">
+                <a16:creationId xmlns:a16="http://schemas.microsoft.com/office/drawing/2014/main" id="{5A87AB0E-A426-F4FA-225C-CBB58B2965A8}"/>
+              </a:ext>
+            </a:extLst>
+          </p:cNvPr>
+          <p:cNvSpPr/>
+          <p:nvPr/>
+        </p:nvSpPr>
+        <p:spPr bwMode="ltGray">
+          <a:xfrm>
+            <a:off x="929705" y="1339122"/>
+            <a:ext cx="4651200" cy="0"/>
+          </a:xfrm>
+          <a:custGeom>
+            <a:avLst/>
+            <a:gdLst/>
+            <a:ahLst/>
+            <a:cxnLst/>
+            <a:rect l="l" t="t" r="r" b="b"/>
+            <a:pathLst>
+              <a:path w="3931920">
+                <a:moveTo>
+                  <a:pt x="0" y="0"/>
+                </a:moveTo>
+                <a:lnTo>
+                  <a:pt x="3931920" y="0"/>
+                </a:lnTo>
+              </a:path>
+            </a:pathLst>
+          </a:custGeom>
+          <a:ln w="54864">
+            <a:solidFill>
+              <a:schemeClr val="accent1"/>
+            </a:solidFill>
+          </a:ln>
+        </p:spPr>
+        <p:txBody>
+          <a:bodyPr wrap="square" lIns="0" tIns="0" rIns="0" bIns="0" rtlCol="0"/>
+          <a:lstStyle/>
+          <a:p>
+            <a:pPr rtl="0"/>
+            <a:endParaRPr lang="es-ES" dirty="0"/>
+          </a:p>
+        </p:txBody>
+      </p:sp>
+    </p:spTree>
+    <p:extLst>
+      <p:ext uri="{BB962C8B-B14F-4D97-AF65-F5344CB8AC3E}">
+        <p14:creationId xmlns:p14="http://schemas.microsoft.com/office/powerpoint/2010/main" val="1504568085"/>
+      </p:ext>
+    </p:extLst>
+  </p:cSld>
+  <p:clrMapOvr>
+    <a:masterClrMapping/>
+  </p:clrMapOvr>
+</p:sld>
+</file>
+
+<file path=ppt/slides/slide11.xml><?xml version="1.0" encoding="utf-8"?>
+<p:sld xmlns:a="http://schemas.openxmlformats.org/drawingml/2006/main" xmlns:r="http://schemas.openxmlformats.org/officeDocument/2006/relationships" xmlns:p="http://schemas.openxmlformats.org/presentationml/2006/main">
+  <p:cSld>
+    <p:spTree>
+      <p:nvGrpSpPr>
+        <p:cNvPr id="1" name=""/>
+        <p:cNvGrpSpPr/>
+        <p:nvPr/>
+      </p:nvGrpSpPr>
+      <p:grpSpPr>
+        <a:xfrm>
+          <a:off x="0" y="0"/>
+          <a:ext cx="0" cy="0"/>
+          <a:chOff x="0" y="0"/>
+          <a:chExt cx="0" cy="0"/>
+        </a:xfrm>
+      </p:grpSpPr>
+      <p:pic>
+        <p:nvPicPr>
+          <p:cNvPr id="11" name="Marcador de posición de imagen 10" descr="Personas que debaten algo">
+            <a:extLst>
+              <a:ext uri="{FF2B5EF4-FFF2-40B4-BE49-F238E27FC236}">
+                <a16:creationId xmlns:a16="http://schemas.microsoft.com/office/drawing/2014/main" id="{AA6A75DC-BE31-480B-B034-B1DF7AFA5097}"/>
+              </a:ext>
+            </a:extLst>
+          </p:cNvPr>
+          <p:cNvPicPr>
+            <a:picLocks noGrp="1" noChangeAspect="1"/>
+          </p:cNvPicPr>
+          <p:nvPr>
+            <p:ph type="pic" sz="quarter" idx="13"/>
+          </p:nvPr>
+        </p:nvPicPr>
+        <p:blipFill rotWithShape="1">
+          <a:blip r:embed="rId3">
+            <a:extLst>
+              <a:ext uri="{28A0092B-C50C-407E-A947-70E740481C1C}">
+                <a14:useLocalDpi xmlns:a14="http://schemas.microsoft.com/office/drawing/2010/main" val="0"/>
+              </a:ext>
+            </a:extLst>
+          </a:blip>
+          <a:srcRect/>
+          <a:stretch/>
+        </p:blipFill>
+        <p:spPr>
+          <a:xfrm>
+            <a:off x="0" y="3115389"/>
+            <a:ext cx="12192000" cy="3742611"/>
+          </a:xfrm>
+        </p:spPr>
+      </p:pic>
+      <p:sp>
+        <p:nvSpPr>
+          <p:cNvPr id="12" name="objeto 3" descr="Rectángulo azul">
+            <a:extLst>
+              <a:ext uri="{FF2B5EF4-FFF2-40B4-BE49-F238E27FC236}">
+                <a16:creationId xmlns:a16="http://schemas.microsoft.com/office/drawing/2014/main" id="{CDEEA71D-C3B3-45BB-A776-D17D92A58127}"/>
+              </a:ext>
+            </a:extLst>
+          </p:cNvPr>
+          <p:cNvSpPr/>
+          <p:nvPr/>
+        </p:nvSpPr>
+        <p:spPr>
+          <a:xfrm>
+            <a:off x="2400" y="3115389"/>
+            <a:ext cx="12189600" cy="3742611"/>
+          </a:xfrm>
+          <a:custGeom>
+            <a:avLst/>
+            <a:gdLst/>
+            <a:ahLst/>
+            <a:cxnLst/>
+            <a:rect l="l" t="t" r="r" b="b"/>
+            <a:pathLst>
+              <a:path w="12189460" h="6858000">
+                <a:moveTo>
+                  <a:pt x="0" y="6858000"/>
+                </a:moveTo>
+                <a:lnTo>
+                  <a:pt x="12188952" y="6858000"/>
+                </a:lnTo>
+                <a:lnTo>
+                  <a:pt x="12188952" y="0"/>
+                </a:lnTo>
+                <a:lnTo>
+                  <a:pt x="0" y="0"/>
+                </a:lnTo>
+                <a:lnTo>
+                  <a:pt x="0" y="6858000"/>
+                </a:lnTo>
+                <a:close/>
+              </a:path>
+            </a:pathLst>
+          </a:custGeom>
+          <a:solidFill>
+            <a:schemeClr val="tx2">
+              <a:alpha val="80000"/>
+            </a:schemeClr>
+          </a:solidFill>
+        </p:spPr>
+        <p:txBody>
+          <a:bodyPr wrap="square" lIns="0" tIns="0" rIns="0" bIns="0" rtlCol="0"/>
+          <a:lstStyle/>
+          <a:p>
+            <a:pPr rtl="0"/>
+            <a:endParaRPr lang="es-ES" dirty="0"/>
+          </a:p>
+        </p:txBody>
+      </p:sp>
+      <p:sp>
+        <p:nvSpPr>
+          <p:cNvPr id="13" name="Elipse 12" descr="Óvalo beige">
+            <a:extLst>
+              <a:ext uri="{FF2B5EF4-FFF2-40B4-BE49-F238E27FC236}">
+                <a16:creationId xmlns:a16="http://schemas.microsoft.com/office/drawing/2014/main" id="{F336552F-CA64-452F-9BD8-01334388BFF5}"/>
+              </a:ext>
+            </a:extLst>
+          </p:cNvPr>
+          <p:cNvSpPr/>
+          <p:nvPr/>
+        </p:nvSpPr>
+        <p:spPr>
+          <a:xfrm>
+            <a:off x="11562237" y="6227432"/>
+            <a:ext cx="266400" cy="266400"/>
+          </a:xfrm>
+          <a:prstGeom prst="ellipse">
+            <a:avLst/>
+          </a:prstGeom>
+          <a:solidFill>
+            <a:schemeClr val="accent1"/>
+          </a:solidFill>
+          <a:ln>
+            <a:noFill/>
+          </a:ln>
+        </p:spPr>
+        <p:style>
+          <a:lnRef idx="2">
+            <a:schemeClr val="accent1">
+              <a:shade val="50000"/>
+            </a:schemeClr>
+          </a:lnRef>
+          <a:fillRef idx="1">
+            <a:schemeClr val="accent1"/>
+          </a:fillRef>
+          <a:effectRef idx="0">
+            <a:schemeClr val="accent1"/>
+          </a:effectRef>
+          <a:fontRef idx="minor">
+            <a:schemeClr val="lt1"/>
+          </a:fontRef>
+        </p:style>
+        <p:txBody>
+          <a:bodyPr rtlCol="0" anchor="ctr"/>
+          <a:lstStyle/>
+          <a:p>
+            <a:pPr algn="ctr" rtl="0"/>
+            <a:endParaRPr lang="es-ES" dirty="0"/>
+          </a:p>
+        </p:txBody>
+      </p:sp>
+      <p:sp>
+        <p:nvSpPr>
+          <p:cNvPr id="3" name="Título 2">
+            <a:extLst>
+              <a:ext uri="{FF2B5EF4-FFF2-40B4-BE49-F238E27FC236}">
+                <a16:creationId xmlns:a16="http://schemas.microsoft.com/office/drawing/2014/main" id="{F9ADB42F-AE48-4323-897F-DB5A083BD103}"/>
+              </a:ext>
+            </a:extLst>
+          </p:cNvPr>
+          <p:cNvSpPr>
+            <a:spLocks noGrp="1"/>
+          </p:cNvSpPr>
+          <p:nvPr>
+            <p:ph type="title"/>
+          </p:nvPr>
+        </p:nvSpPr>
+        <p:spPr>
+          <a:xfrm>
+            <a:off x="806168" y="365125"/>
+            <a:ext cx="10515600" cy="1325563"/>
+          </a:xfrm>
+        </p:spPr>
+        <p:txBody>
+          <a:bodyPr rtlCol="0"/>
+          <a:lstStyle/>
+          <a:p>
+            <a:pPr rtl="0"/>
+            <a:r>
+              <a:rPr lang="es-ES" dirty="0"/>
+              <a:t>PROTOTIPO Y PRODUCCIÓN</a:t>
+            </a:r>
+          </a:p>
+        </p:txBody>
+      </p:sp>
+      <p:sp>
+        <p:nvSpPr>
+          <p:cNvPr id="4" name="Marcador de texto 3">
+            <a:extLst>
+              <a:ext uri="{FF2B5EF4-FFF2-40B4-BE49-F238E27FC236}">
+                <a16:creationId xmlns:a16="http://schemas.microsoft.com/office/drawing/2014/main" id="{293C1E99-672F-46AE-BB08-DD22B0928366}"/>
+              </a:ext>
+            </a:extLst>
+          </p:cNvPr>
+          <p:cNvSpPr>
+            <a:spLocks noGrp="1"/>
+          </p:cNvSpPr>
+          <p:nvPr>
+            <p:ph type="body" idx="1"/>
+          </p:nvPr>
+        </p:nvSpPr>
+        <p:spPr bwMode="white">
+          <a:xfrm>
+            <a:off x="2153349" y="1985963"/>
+            <a:ext cx="3789362" cy="823912"/>
+          </a:xfrm>
+        </p:spPr>
+        <p:txBody>
+          <a:bodyPr rtlCol="0"/>
+          <a:lstStyle/>
+          <a:p>
+            <a:pPr rtl="0"/>
+            <a:r>
+              <a:rPr lang="es-ES" dirty="0"/>
+              <a:t>Costos de prototipo</a:t>
+            </a:r>
+          </a:p>
+        </p:txBody>
+      </p:sp>
+      <p:sp>
+        <p:nvSpPr>
+          <p:cNvPr id="5" name="Marcador de contenido 4">
+            <a:extLst>
+              <a:ext uri="{FF2B5EF4-FFF2-40B4-BE49-F238E27FC236}">
+                <a16:creationId xmlns:a16="http://schemas.microsoft.com/office/drawing/2014/main" id="{6DEAD4F2-C5CC-44E9-A092-76413D5CA7F4}"/>
+              </a:ext>
+            </a:extLst>
+          </p:cNvPr>
+          <p:cNvSpPr>
+            <a:spLocks noGrp="1"/>
+          </p:cNvSpPr>
+          <p:nvPr>
+            <p:ph sz="half" idx="2"/>
+          </p:nvPr>
+        </p:nvSpPr>
+        <p:spPr bwMode="white">
+          <a:xfrm>
+            <a:off x="1753410" y="3434047"/>
+            <a:ext cx="4052750" cy="2755616"/>
+          </a:xfrm>
+        </p:spPr>
+        <p:txBody>
+          <a:bodyPr rtlCol="0">
+            <a:normAutofit fontScale="92500" lnSpcReduction="20000"/>
+          </a:bodyPr>
+          <a:lstStyle/>
+          <a:p>
+            <a:pPr rtl="0">
+              <a:lnSpc>
+                <a:spcPct val="125000"/>
+              </a:lnSpc>
+              <a:spcBef>
+                <a:spcPts val="100"/>
+              </a:spcBef>
+              <a:buClr>
+                <a:schemeClr val="accent1"/>
+              </a:buClr>
+            </a:pPr>
+            <a:r>
+              <a:rPr lang="es-ES" sz="1800" i="1" dirty="0">
+                <a:solidFill>
+                  <a:srgbClr val="FFFFFF"/>
+                </a:solidFill>
+                <a:cs typeface="Arial"/>
+              </a:rPr>
+              <a:t>Pantalla LCD</a:t>
+            </a:r>
+            <a:r>
+              <a:rPr lang="es-ES" sz="1800" i="1" spc="-5" dirty="0">
+                <a:solidFill>
+                  <a:srgbClr val="FFFFFF"/>
+                </a:solidFill>
+                <a:cs typeface="Arial"/>
+              </a:rPr>
+              <a:t>:</a:t>
+            </a:r>
+            <a:r>
+              <a:rPr lang="es-ES" sz="1800" i="1" spc="-45" dirty="0">
+                <a:solidFill>
+                  <a:srgbClr val="FFFFFF"/>
+                </a:solidFill>
+                <a:cs typeface="Arial"/>
+              </a:rPr>
+              <a:t> </a:t>
+            </a:r>
+            <a:r>
+              <a:rPr lang="es-ES" sz="1800" b="1" i="1" spc="-5" dirty="0">
+                <a:solidFill>
+                  <a:schemeClr val="accent1"/>
+                </a:solidFill>
+                <a:cs typeface="Arial"/>
+              </a:rPr>
+              <a:t>$30.000</a:t>
+            </a:r>
+            <a:endParaRPr lang="es-ES" sz="1800" i="1" dirty="0">
+              <a:solidFill>
+                <a:schemeClr val="accent1"/>
+              </a:solidFill>
+              <a:cs typeface="Arial"/>
+            </a:endParaRPr>
+          </a:p>
+          <a:p>
+            <a:pPr rtl="0">
+              <a:lnSpc>
+                <a:spcPct val="125000"/>
+              </a:lnSpc>
+              <a:buClr>
+                <a:schemeClr val="accent1"/>
+              </a:buClr>
+            </a:pPr>
+            <a:r>
+              <a:rPr lang="es-ES" sz="1800" i="1" spc="-5" dirty="0">
+                <a:solidFill>
+                  <a:srgbClr val="FFFFFF"/>
+                </a:solidFill>
+                <a:cs typeface="Arial"/>
+              </a:rPr>
+              <a:t>Teclado matricial: </a:t>
+            </a:r>
+            <a:r>
+              <a:rPr lang="es-ES" sz="1800" b="1" i="1" spc="-5" dirty="0">
+                <a:solidFill>
+                  <a:schemeClr val="accent1"/>
+                </a:solidFill>
+                <a:cs typeface="Arial"/>
+              </a:rPr>
+              <a:t>$4.300</a:t>
+            </a:r>
+          </a:p>
+          <a:p>
+            <a:pPr rtl="0">
+              <a:lnSpc>
+                <a:spcPct val="125000"/>
+              </a:lnSpc>
+              <a:buClr>
+                <a:schemeClr val="accent1"/>
+              </a:buClr>
+            </a:pPr>
+            <a:r>
+              <a:rPr lang="es-ES" sz="1800" i="1" spc="-5" dirty="0">
+                <a:solidFill>
+                  <a:srgbClr val="FFFFFF"/>
+                </a:solidFill>
+                <a:cs typeface="Arial"/>
+              </a:rPr>
+              <a:t>Sensórica para luces</a:t>
+            </a:r>
+            <a:r>
+              <a:rPr lang="es-ES" sz="1800" i="1" spc="-35" dirty="0">
+                <a:solidFill>
+                  <a:srgbClr val="FFFFFF"/>
+                </a:solidFill>
+                <a:cs typeface="Arial"/>
+              </a:rPr>
+              <a:t>:</a:t>
+            </a:r>
+            <a:r>
+              <a:rPr lang="es-ES" sz="1800" i="1" spc="-15" dirty="0">
+                <a:solidFill>
+                  <a:srgbClr val="FFFFFF"/>
+                </a:solidFill>
+                <a:cs typeface="Arial"/>
+              </a:rPr>
+              <a:t> </a:t>
+            </a:r>
+            <a:r>
+              <a:rPr lang="es-ES" sz="1800" b="1" i="1" spc="-5" dirty="0">
+                <a:solidFill>
+                  <a:schemeClr val="accent1"/>
+                </a:solidFill>
+                <a:cs typeface="Arial"/>
+              </a:rPr>
+              <a:t>$21.600</a:t>
+            </a:r>
+          </a:p>
+          <a:p>
+            <a:pPr marR="775335" rtl="0">
+              <a:lnSpc>
+                <a:spcPct val="125000"/>
+              </a:lnSpc>
+              <a:buClr>
+                <a:schemeClr val="accent1"/>
+              </a:buClr>
+            </a:pPr>
+            <a:r>
+              <a:rPr lang="es-ES" sz="1800" i="1" dirty="0">
+                <a:solidFill>
+                  <a:srgbClr val="FFFFFF"/>
+                </a:solidFill>
+                <a:cs typeface="Arial"/>
+              </a:rPr>
+              <a:t>Control de temperatura: </a:t>
+            </a:r>
+            <a:r>
+              <a:rPr lang="es-ES" sz="1800" b="1" i="1" spc="-5" dirty="0">
+                <a:solidFill>
+                  <a:schemeClr val="accent1"/>
+                </a:solidFill>
+                <a:cs typeface="Arial"/>
+              </a:rPr>
+              <a:t>$45.000</a:t>
+            </a:r>
+          </a:p>
+          <a:p>
+            <a:pPr rtl="0">
+              <a:lnSpc>
+                <a:spcPct val="125000"/>
+              </a:lnSpc>
+              <a:buClr>
+                <a:schemeClr val="accent1"/>
+              </a:buClr>
+            </a:pPr>
+            <a:r>
+              <a:rPr lang="es-ES" sz="1800" i="1" spc="-25" dirty="0" err="1">
+                <a:solidFill>
+                  <a:srgbClr val="FFFFFF"/>
+                </a:solidFill>
+                <a:cs typeface="Arial"/>
+              </a:rPr>
+              <a:t>MCUs</a:t>
+            </a:r>
+            <a:r>
+              <a:rPr lang="es-ES" sz="1800" i="1" dirty="0">
+                <a:solidFill>
+                  <a:srgbClr val="FFFFFF"/>
+                </a:solidFill>
+                <a:cs typeface="Arial"/>
+              </a:rPr>
+              <a:t>:</a:t>
+            </a:r>
+            <a:r>
+              <a:rPr lang="es-ES" sz="1800" i="1" spc="-60" dirty="0">
+                <a:solidFill>
+                  <a:srgbClr val="FFFFFF"/>
+                </a:solidFill>
+                <a:cs typeface="Arial"/>
+              </a:rPr>
+              <a:t> </a:t>
+            </a:r>
+            <a:r>
+              <a:rPr lang="es-ES" sz="1800" b="1" i="1" spc="-5" dirty="0">
+                <a:solidFill>
+                  <a:schemeClr val="accent1"/>
+                </a:solidFill>
+                <a:cs typeface="Arial"/>
+              </a:rPr>
+              <a:t>$60.000</a:t>
+            </a:r>
+          </a:p>
+          <a:p>
+            <a:pPr>
+              <a:lnSpc>
+                <a:spcPct val="125000"/>
+              </a:lnSpc>
+              <a:buClr>
+                <a:schemeClr val="accent1"/>
+              </a:buClr>
+            </a:pPr>
+            <a:r>
+              <a:rPr lang="es-ES" sz="1800" i="1" spc="-25" dirty="0">
+                <a:solidFill>
+                  <a:srgbClr val="FFFFFF"/>
+                </a:solidFill>
+                <a:cs typeface="Arial"/>
+              </a:rPr>
+              <a:t>Fuentes y cableado</a:t>
+            </a:r>
+            <a:r>
+              <a:rPr lang="es-ES" sz="1800" i="1" dirty="0">
+                <a:solidFill>
+                  <a:srgbClr val="FFFFFF"/>
+                </a:solidFill>
+                <a:cs typeface="Arial"/>
+              </a:rPr>
+              <a:t>:</a:t>
+            </a:r>
+            <a:r>
+              <a:rPr lang="es-ES" sz="1800" i="1" spc="-60" dirty="0">
+                <a:solidFill>
+                  <a:srgbClr val="FFFFFF"/>
+                </a:solidFill>
+                <a:cs typeface="Arial"/>
+              </a:rPr>
+              <a:t> </a:t>
+            </a:r>
+            <a:r>
+              <a:rPr lang="es-ES" sz="1800" b="1" i="1" spc="-5" dirty="0">
+                <a:solidFill>
+                  <a:schemeClr val="accent1"/>
+                </a:solidFill>
+                <a:cs typeface="Arial"/>
+              </a:rPr>
+              <a:t>$55.100</a:t>
+            </a:r>
+          </a:p>
+          <a:p>
+            <a:pPr rtl="0">
+              <a:lnSpc>
+                <a:spcPct val="125000"/>
+              </a:lnSpc>
+              <a:buClr>
+                <a:schemeClr val="accent1"/>
+              </a:buClr>
+            </a:pPr>
+            <a:endParaRPr lang="es-ES" sz="1800" b="1" i="1" spc="-5" dirty="0">
+              <a:solidFill>
+                <a:schemeClr val="accent1"/>
+              </a:solidFill>
+              <a:cs typeface="Arial"/>
+            </a:endParaRPr>
+          </a:p>
+          <a:p>
+            <a:pPr rtl="0">
+              <a:lnSpc>
+                <a:spcPct val="125000"/>
+              </a:lnSpc>
+              <a:buClr>
+                <a:schemeClr val="accent1"/>
+              </a:buClr>
+            </a:pPr>
+            <a:endParaRPr lang="es-ES" sz="1800" b="1" i="1" spc="-5" dirty="0">
+              <a:solidFill>
+                <a:schemeClr val="accent1"/>
+              </a:solidFill>
+              <a:cs typeface="Arial"/>
+            </a:endParaRPr>
+          </a:p>
+        </p:txBody>
+      </p:sp>
+      <p:sp>
+        <p:nvSpPr>
+          <p:cNvPr id="6" name="Marcador de texto 5">
+            <a:extLst>
+              <a:ext uri="{FF2B5EF4-FFF2-40B4-BE49-F238E27FC236}">
+                <a16:creationId xmlns:a16="http://schemas.microsoft.com/office/drawing/2014/main" id="{38A73375-FA03-4191-8AD5-B40CD9B59B94}"/>
+              </a:ext>
+            </a:extLst>
+          </p:cNvPr>
+          <p:cNvSpPr>
+            <a:spLocks noGrp="1"/>
+          </p:cNvSpPr>
+          <p:nvPr>
+            <p:ph type="body" sz="quarter" idx="3"/>
+          </p:nvPr>
+        </p:nvSpPr>
+        <p:spPr bwMode="white"/>
+        <p:txBody>
+          <a:bodyPr rtlCol="0"/>
+          <a:lstStyle/>
+          <a:p>
+            <a:pPr rtl="0"/>
+            <a:r>
+              <a:rPr lang="es-ES" dirty="0"/>
+              <a:t>Producción en masa</a:t>
+            </a:r>
+          </a:p>
+        </p:txBody>
+      </p:sp>
+      <p:sp>
+        <p:nvSpPr>
+          <p:cNvPr id="7" name="Marcador de contenido 6">
+            <a:extLst>
+              <a:ext uri="{FF2B5EF4-FFF2-40B4-BE49-F238E27FC236}">
+                <a16:creationId xmlns:a16="http://schemas.microsoft.com/office/drawing/2014/main" id="{7E0C6FDF-5982-4E37-B65D-F7B05D0FFB52}"/>
+              </a:ext>
+            </a:extLst>
+          </p:cNvPr>
+          <p:cNvSpPr>
+            <a:spLocks noGrp="1"/>
+          </p:cNvSpPr>
+          <p:nvPr>
+            <p:ph sz="quarter" idx="4"/>
+          </p:nvPr>
+        </p:nvSpPr>
+        <p:spPr bwMode="white"/>
+        <p:txBody>
+          <a:bodyPr rtlCol="0">
+            <a:normAutofit/>
+          </a:bodyPr>
+          <a:lstStyle/>
+          <a:p>
+            <a:pPr rtl="0">
+              <a:lnSpc>
+                <a:spcPct val="125000"/>
+              </a:lnSpc>
+              <a:spcBef>
+                <a:spcPts val="100"/>
+              </a:spcBef>
+              <a:buClr>
+                <a:schemeClr val="accent1"/>
+              </a:buClr>
+            </a:pPr>
+            <a:r>
+              <a:rPr lang="es-ES" sz="1800" i="1" spc="-5" dirty="0">
+                <a:solidFill>
+                  <a:srgbClr val="FFFFFF"/>
+                </a:solidFill>
+                <a:cs typeface="Arial"/>
+              </a:rPr>
+              <a:t>Modularidad del diseño</a:t>
+            </a:r>
+            <a:endParaRPr lang="es-ES" sz="1800" b="1" i="1" spc="-5" dirty="0">
+              <a:solidFill>
+                <a:schemeClr val="accent1"/>
+              </a:solidFill>
+              <a:cs typeface="Arial"/>
+            </a:endParaRPr>
+          </a:p>
+          <a:p>
+            <a:pPr rtl="0">
+              <a:lnSpc>
+                <a:spcPct val="125000"/>
+              </a:lnSpc>
+              <a:buClr>
+                <a:schemeClr val="accent1"/>
+              </a:buClr>
+            </a:pPr>
+            <a:r>
+              <a:rPr lang="es-ES" sz="1800" i="1" dirty="0">
+                <a:solidFill>
+                  <a:srgbClr val="FFFFFF"/>
+                </a:solidFill>
+                <a:cs typeface="Arial"/>
+              </a:rPr>
+              <a:t>Costos adaptables al usuario (Plan básico y Premium)</a:t>
+            </a:r>
+            <a:endParaRPr lang="es-ES" sz="1800" b="1" i="1" spc="-5" dirty="0">
+              <a:solidFill>
+                <a:schemeClr val="accent1"/>
+              </a:solidFill>
+              <a:cs typeface="Arial"/>
+            </a:endParaRPr>
+          </a:p>
+          <a:p>
+            <a:pPr rtl="0">
+              <a:lnSpc>
+                <a:spcPct val="125000"/>
+              </a:lnSpc>
+              <a:buClr>
+                <a:schemeClr val="accent1"/>
+              </a:buClr>
+            </a:pPr>
+            <a:r>
+              <a:rPr lang="es-ES" sz="1800" i="1" dirty="0">
+                <a:solidFill>
+                  <a:srgbClr val="FFFFFF"/>
+                </a:solidFill>
+                <a:cs typeface="Arial"/>
+              </a:rPr>
+              <a:t>Fuentes de voltaje incorporadas</a:t>
+            </a:r>
+            <a:endParaRPr lang="es-ES" sz="1800" b="1" i="1" spc="-5" dirty="0">
+              <a:solidFill>
+                <a:schemeClr val="accent1"/>
+              </a:solidFill>
+              <a:cs typeface="Arial"/>
+            </a:endParaRPr>
+          </a:p>
+          <a:p>
+            <a:pPr rtl="0">
+              <a:lnSpc>
+                <a:spcPct val="125000"/>
+              </a:lnSpc>
+              <a:buClr>
+                <a:schemeClr val="accent1"/>
+              </a:buClr>
+            </a:pPr>
+            <a:r>
+              <a:rPr lang="es-ES" sz="1800" i="1" dirty="0">
+                <a:solidFill>
+                  <a:srgbClr val="FFFFFF"/>
+                </a:solidFill>
+                <a:cs typeface="Arial"/>
+              </a:rPr>
+              <a:t>Pruebas de calidad del diseño</a:t>
+            </a:r>
+          </a:p>
+          <a:p>
+            <a:pPr rtl="0">
+              <a:lnSpc>
+                <a:spcPct val="125000"/>
+              </a:lnSpc>
+              <a:buClr>
+                <a:schemeClr val="accent1"/>
+              </a:buClr>
+            </a:pPr>
+            <a:r>
+              <a:rPr lang="es-ES" sz="1800" i="1" dirty="0">
+                <a:solidFill>
+                  <a:srgbClr val="FFFFFF"/>
+                </a:solidFill>
+                <a:cs typeface="Arial"/>
+              </a:rPr>
+              <a:t>Estándar I2C de </a:t>
+            </a:r>
+            <a:r>
+              <a:rPr lang="es-ES" sz="1800" i="1" dirty="0" err="1">
+                <a:solidFill>
+                  <a:srgbClr val="FFFFFF"/>
+                </a:solidFill>
+                <a:cs typeface="Arial"/>
+              </a:rPr>
+              <a:t>Cx</a:t>
+            </a:r>
+            <a:r>
+              <a:rPr lang="es-ES" sz="1800" i="1" dirty="0">
+                <a:solidFill>
+                  <a:srgbClr val="FFFFFF"/>
+                </a:solidFill>
+                <a:cs typeface="Arial"/>
+              </a:rPr>
+              <a:t> con pantalla LCD</a:t>
+            </a:r>
+            <a:endParaRPr lang="es-ES" sz="1800" i="1" dirty="0"/>
+          </a:p>
+        </p:txBody>
+      </p:sp>
+      <p:sp>
+        <p:nvSpPr>
+          <p:cNvPr id="8" name="Marcador de número de diapositiva 7">
+            <a:extLst>
+              <a:ext uri="{FF2B5EF4-FFF2-40B4-BE49-F238E27FC236}">
+                <a16:creationId xmlns:a16="http://schemas.microsoft.com/office/drawing/2014/main" id="{68F7FB6B-EAC9-40F7-9522-61A8D53EFAF9}"/>
+              </a:ext>
+            </a:extLst>
+          </p:cNvPr>
+          <p:cNvSpPr>
+            <a:spLocks noGrp="1"/>
+          </p:cNvSpPr>
+          <p:nvPr>
+            <p:ph type="sldNum" sz="quarter" idx="12"/>
+          </p:nvPr>
+        </p:nvSpPr>
+        <p:spPr/>
+        <p:txBody>
+          <a:bodyPr rtlCol="0"/>
+          <a:lstStyle/>
+          <a:p>
+            <a:pPr rtl="0"/>
+            <a:fld id="{82EE24B5-652C-4DB5-B7C3-B5BBEC1280B1}" type="slidenum">
+              <a:rPr lang="es-ES" sz="1000" smtClean="0"/>
+              <a:t>11</a:t>
+            </a:fld>
+            <a:endParaRPr lang="es-ES" sz="1000" dirty="0"/>
+          </a:p>
+        </p:txBody>
+      </p:sp>
+      <p:sp>
+        <p:nvSpPr>
+          <p:cNvPr id="9" name="objeto 5" descr="Rectángulo beige">
+            <a:extLst>
+              <a:ext uri="{FF2B5EF4-FFF2-40B4-BE49-F238E27FC236}">
+                <a16:creationId xmlns:a16="http://schemas.microsoft.com/office/drawing/2014/main" id="{890F7762-BD37-4D33-9F80-1DA07B5E172E}"/>
+              </a:ext>
+            </a:extLst>
+          </p:cNvPr>
+          <p:cNvSpPr/>
+          <p:nvPr/>
+        </p:nvSpPr>
+        <p:spPr>
+          <a:xfrm>
+            <a:off x="915637" y="1346384"/>
+            <a:ext cx="4870800" cy="0"/>
+          </a:xfrm>
+          <a:custGeom>
+            <a:avLst/>
+            <a:gdLst/>
+            <a:ahLst/>
+            <a:cxnLst/>
+            <a:rect l="l" t="t" r="r" b="b"/>
+            <a:pathLst>
+              <a:path w="3931920">
+                <a:moveTo>
+                  <a:pt x="0" y="0"/>
+                </a:moveTo>
+                <a:lnTo>
+                  <a:pt x="3931920" y="0"/>
+                </a:lnTo>
+              </a:path>
+            </a:pathLst>
+          </a:custGeom>
+          <a:ln w="54864">
+            <a:solidFill>
+              <a:schemeClr val="accent1"/>
+            </a:solidFill>
+          </a:ln>
+        </p:spPr>
+        <p:txBody>
+          <a:bodyPr wrap="square" lIns="0" tIns="0" rIns="0" bIns="0" rtlCol="0"/>
+          <a:lstStyle/>
+          <a:p>
+            <a:pPr rtl="0"/>
+            <a:endParaRPr lang="es-ES" dirty="0"/>
+          </a:p>
+        </p:txBody>
+      </p:sp>
+    </p:spTree>
+    <p:extLst>
+      <p:ext uri="{BB962C8B-B14F-4D97-AF65-F5344CB8AC3E}">
+        <p14:creationId xmlns:p14="http://schemas.microsoft.com/office/powerpoint/2010/main" val="3327019842"/>
+      </p:ext>
+    </p:extLst>
+  </p:cSld>
+  <p:clrMapOvr>
+    <a:masterClrMapping/>
+  </p:clrMapOvr>
+</p:sld>
+</file>
+
+<file path=ppt/slides/slide12.xml><?xml version="1.0" encoding="utf-8"?>
+<p:sld xmlns:a="http://schemas.openxmlformats.org/drawingml/2006/main" xmlns:r="http://schemas.openxmlformats.org/officeDocument/2006/relationships" xmlns:p="http://schemas.openxmlformats.org/presentationml/2006/main">
+  <p:cSld>
+    <p:spTree>
+      <p:nvGrpSpPr>
+        <p:cNvPr id="1" name=""/>
+        <p:cNvGrpSpPr/>
+        <p:nvPr/>
+      </p:nvGrpSpPr>
+      <p:grpSpPr>
+        <a:xfrm>
+          <a:off x="0" y="0"/>
+          <a:ext cx="0" cy="0"/>
+          <a:chOff x="0" y="0"/>
+          <a:chExt cx="0" cy="0"/>
+        </a:xfrm>
+      </p:grpSpPr>
+      <p:sp>
+        <p:nvSpPr>
+          <p:cNvPr id="2" name="Título 1">
+            <a:extLst>
+              <a:ext uri="{FF2B5EF4-FFF2-40B4-BE49-F238E27FC236}">
+                <a16:creationId xmlns:a16="http://schemas.microsoft.com/office/drawing/2014/main" id="{26C5B371-F992-4547-B936-23F16F4488DA}"/>
+              </a:ext>
+            </a:extLst>
+          </p:cNvPr>
+          <p:cNvSpPr>
+            <a:spLocks noGrp="1"/>
+          </p:cNvSpPr>
+          <p:nvPr>
+            <p:ph type="title"/>
+          </p:nvPr>
+        </p:nvSpPr>
+        <p:spPr>
+          <a:xfrm>
+            <a:off x="799444" y="417362"/>
+            <a:ext cx="3932237" cy="1302111"/>
+          </a:xfrm>
+        </p:spPr>
+        <p:txBody>
+          <a:bodyPr rtlCol="0"/>
+          <a:lstStyle/>
+          <a:p>
+            <a:pPr rtl="0"/>
+            <a:r>
+              <a:rPr lang="es-ES" dirty="0"/>
+              <a:t>EL EQUIPO</a:t>
+            </a:r>
+          </a:p>
+        </p:txBody>
+      </p:sp>
+      <p:sp>
+        <p:nvSpPr>
+          <p:cNvPr id="3" name="Marcador de texto 2">
+            <a:extLst>
+              <a:ext uri="{FF2B5EF4-FFF2-40B4-BE49-F238E27FC236}">
+                <a16:creationId xmlns:a16="http://schemas.microsoft.com/office/drawing/2014/main" id="{C6B07B54-E3ED-4BBF-91BB-9F611C440199}"/>
+              </a:ext>
+            </a:extLst>
+          </p:cNvPr>
+          <p:cNvSpPr>
+            <a:spLocks noGrp="1"/>
+          </p:cNvSpPr>
+          <p:nvPr>
+            <p:ph type="body" sz="half" idx="2"/>
+          </p:nvPr>
+        </p:nvSpPr>
+        <p:spPr bwMode="ltGray">
+          <a:xfrm>
+            <a:off x="7055713" y="764187"/>
+            <a:ext cx="4531709" cy="1431234"/>
+          </a:xfrm>
+        </p:spPr>
+        <p:txBody>
+          <a:bodyPr rtlCol="0">
+            <a:normAutofit/>
+          </a:bodyPr>
+          <a:lstStyle/>
+          <a:p>
+            <a:pPr rtl="0">
+              <a:lnSpc>
+                <a:spcPct val="110000"/>
+              </a:lnSpc>
+              <a:spcBef>
+                <a:spcPts val="425"/>
+              </a:spcBef>
+            </a:pPr>
+            <a:r>
+              <a:rPr lang="es-ES" sz="2400" b="1" dirty="0">
+                <a:solidFill>
+                  <a:schemeClr val="bg1"/>
+                </a:solidFill>
+                <a:latin typeface="+mj-lt"/>
+              </a:rPr>
+              <a:t>Leyder Marcillo</a:t>
+            </a:r>
+          </a:p>
+          <a:p>
+            <a:pPr marR="417195" rtl="0">
+              <a:lnSpc>
+                <a:spcPct val="107100"/>
+              </a:lnSpc>
+              <a:spcBef>
+                <a:spcPts val="0"/>
+              </a:spcBef>
+              <a:spcAft>
+                <a:spcPts val="1000"/>
+              </a:spcAft>
+            </a:pPr>
+            <a:r>
+              <a:rPr lang="es-ES" sz="1500" i="1" spc="-15" dirty="0">
+                <a:solidFill>
+                  <a:schemeClr val="bg2">
+                    <a:lumMod val="20000"/>
+                    <a:lumOff val="80000"/>
+                  </a:schemeClr>
+                </a:solidFill>
+                <a:cs typeface="Arial"/>
+              </a:rPr>
+              <a:t>Manejo de pantalla LCD y sistema de acceso</a:t>
+            </a:r>
+          </a:p>
+        </p:txBody>
+      </p:sp>
+      <p:sp>
+        <p:nvSpPr>
+          <p:cNvPr id="4" name="Marcador de número de diapositiva 3">
+            <a:extLst>
+              <a:ext uri="{FF2B5EF4-FFF2-40B4-BE49-F238E27FC236}">
+                <a16:creationId xmlns:a16="http://schemas.microsoft.com/office/drawing/2014/main" id="{DEC89DD8-AB5B-4556-B381-45F1AC0706EB}"/>
+              </a:ext>
+            </a:extLst>
+          </p:cNvPr>
+          <p:cNvSpPr>
+            <a:spLocks noGrp="1"/>
+          </p:cNvSpPr>
+          <p:nvPr>
+            <p:ph type="sldNum" sz="quarter" idx="12"/>
+          </p:nvPr>
+        </p:nvSpPr>
+        <p:spPr>
+          <a:xfrm>
+            <a:off x="11478676" y="6124914"/>
+            <a:ext cx="357116" cy="365125"/>
+          </a:xfrm>
+        </p:spPr>
+        <p:txBody>
+          <a:bodyPr rtlCol="0"/>
+          <a:lstStyle/>
+          <a:p>
+            <a:pPr rtl="0"/>
+            <a:fld id="{82EE24B5-652C-4DB5-B7C3-B5BBEC1280B1}" type="slidenum">
+              <a:rPr lang="es-ES" sz="1000" smtClean="0"/>
+              <a:t>12</a:t>
+            </a:fld>
+            <a:endParaRPr lang="es-ES" sz="1000" dirty="0"/>
+          </a:p>
+        </p:txBody>
+      </p:sp>
+      <p:pic>
+        <p:nvPicPr>
+          <p:cNvPr id="15" name="Marcador de posición de imagen 14" descr="Icono comprobación">
+            <a:extLst>
+              <a:ext uri="{FF2B5EF4-FFF2-40B4-BE49-F238E27FC236}">
+                <a16:creationId xmlns:a16="http://schemas.microsoft.com/office/drawing/2014/main" id="{2BB6FD49-92B0-4DC9-AC1D-17947DECCCB8}"/>
+              </a:ext>
+            </a:extLst>
+          </p:cNvPr>
+          <p:cNvPicPr>
+            <a:picLocks noGrp="1" noChangeAspect="1"/>
+          </p:cNvPicPr>
+          <p:nvPr>
+            <p:ph type="pic" sz="quarter" idx="19"/>
+          </p:nvPr>
+        </p:nvPicPr>
+        <p:blipFill>
+          <a:blip r:embed="rId3" cstate="hqprint">
+            <a:extLst>
+              <a:ext uri="{28A0092B-C50C-407E-A947-70E740481C1C}">
+                <a14:useLocalDpi xmlns:a14="http://schemas.microsoft.com/office/drawing/2010/main" val="0"/>
+              </a:ext>
+            </a:extLst>
+          </a:blip>
+          <a:srcRect/>
+          <a:stretch>
+            <a:fillRect/>
+          </a:stretch>
+        </p:blipFill>
+        <p:spPr bwMode="ltGray">
+          <a:xfrm>
+            <a:off x="6481238" y="708853"/>
+            <a:ext cx="576000" cy="576000"/>
+          </a:xfrm>
+        </p:spPr>
+      </p:pic>
+      <p:pic>
+        <p:nvPicPr>
+          <p:cNvPr id="17" name="Marcador de posición de imagen 16" descr="Icono comprobación">
+            <a:extLst>
+              <a:ext uri="{FF2B5EF4-FFF2-40B4-BE49-F238E27FC236}">
+                <a16:creationId xmlns:a16="http://schemas.microsoft.com/office/drawing/2014/main" id="{B35AF671-FB05-4C5C-AD79-E7C03FDFC8C4}"/>
+              </a:ext>
+            </a:extLst>
+          </p:cNvPr>
+          <p:cNvPicPr>
+            <a:picLocks noGrp="1" noChangeAspect="1"/>
+          </p:cNvPicPr>
+          <p:nvPr>
+            <p:ph type="pic" sz="quarter" idx="22"/>
+          </p:nvPr>
+        </p:nvPicPr>
+        <p:blipFill>
+          <a:blip r:embed="rId3" cstate="hqprint">
+            <a:extLst>
+              <a:ext uri="{28A0092B-C50C-407E-A947-70E740481C1C}">
+                <a14:useLocalDpi xmlns:a14="http://schemas.microsoft.com/office/drawing/2010/main" val="0"/>
+              </a:ext>
+            </a:extLst>
+          </a:blip>
+          <a:srcRect/>
+          <a:stretch>
+            <a:fillRect/>
+          </a:stretch>
+        </p:blipFill>
+        <p:spPr bwMode="ltGray">
+          <a:xfrm>
+            <a:off x="6480475" y="1859375"/>
+            <a:ext cx="576000" cy="576001"/>
+          </a:xfrm>
+        </p:spPr>
+      </p:pic>
+      <p:sp>
+        <p:nvSpPr>
+          <p:cNvPr id="11" name="Marcador de texto 10">
+            <a:extLst>
+              <a:ext uri="{FF2B5EF4-FFF2-40B4-BE49-F238E27FC236}">
+                <a16:creationId xmlns:a16="http://schemas.microsoft.com/office/drawing/2014/main" id="{81D93562-F631-4ADB-AB50-4D5ECF40F8A1}"/>
+              </a:ext>
+            </a:extLst>
+          </p:cNvPr>
+          <p:cNvSpPr>
+            <a:spLocks noGrp="1"/>
+          </p:cNvSpPr>
+          <p:nvPr>
+            <p:ph type="body" sz="half" idx="23"/>
+          </p:nvPr>
+        </p:nvSpPr>
+        <p:spPr bwMode="ltGray">
+          <a:xfrm>
+            <a:off x="7055712" y="1985555"/>
+            <a:ext cx="4531709" cy="1431234"/>
+          </a:xfrm>
+        </p:spPr>
+        <p:txBody>
+          <a:bodyPr rtlCol="0">
+            <a:normAutofit/>
+          </a:bodyPr>
+          <a:lstStyle/>
+          <a:p>
+            <a:pPr rtl="0">
+              <a:lnSpc>
+                <a:spcPct val="110000"/>
+              </a:lnSpc>
+              <a:spcBef>
+                <a:spcPts val="425"/>
+              </a:spcBef>
+            </a:pPr>
+            <a:r>
+              <a:rPr lang="es-ES" sz="2400" b="1" dirty="0">
+                <a:solidFill>
+                  <a:schemeClr val="bg1"/>
+                </a:solidFill>
+                <a:latin typeface="+mj-lt"/>
+              </a:rPr>
+              <a:t>Juan Diego Cabrera</a:t>
+            </a:r>
+          </a:p>
+          <a:p>
+            <a:pPr marR="417195" rtl="0">
+              <a:lnSpc>
+                <a:spcPct val="107100"/>
+              </a:lnSpc>
+              <a:spcBef>
+                <a:spcPts val="0"/>
+              </a:spcBef>
+              <a:spcAft>
+                <a:spcPts val="1000"/>
+              </a:spcAft>
+            </a:pPr>
+            <a:r>
+              <a:rPr lang="es-ES" sz="1500" i="1" spc="-15" dirty="0">
+                <a:solidFill>
+                  <a:schemeClr val="bg2">
+                    <a:lumMod val="20000"/>
+                    <a:lumOff val="80000"/>
+                  </a:schemeClr>
+                </a:solidFill>
+                <a:cs typeface="Arial"/>
+              </a:rPr>
+              <a:t>Control de temperatura, comunicación entre </a:t>
+            </a:r>
+            <a:r>
+              <a:rPr lang="es-ES" sz="1500" i="1" spc="-15" dirty="0" err="1">
+                <a:solidFill>
+                  <a:schemeClr val="bg2">
+                    <a:lumMod val="20000"/>
+                    <a:lumOff val="80000"/>
+                  </a:schemeClr>
+                </a:solidFill>
+                <a:cs typeface="Arial"/>
+              </a:rPr>
+              <a:t>MCUs</a:t>
+            </a:r>
+            <a:r>
+              <a:rPr lang="es-ES" sz="1500" i="1" spc="-15" dirty="0">
+                <a:solidFill>
+                  <a:schemeClr val="bg2">
+                    <a:lumMod val="20000"/>
+                    <a:lumOff val="80000"/>
+                  </a:schemeClr>
+                </a:solidFill>
+                <a:cs typeface="Arial"/>
+              </a:rPr>
+              <a:t> y sistema de acceso</a:t>
+            </a:r>
+          </a:p>
+        </p:txBody>
+      </p:sp>
+      <p:pic>
+        <p:nvPicPr>
+          <p:cNvPr id="19" name="Marcador de posición de imagen 18" descr="Icono comprobación">
+            <a:extLst>
+              <a:ext uri="{FF2B5EF4-FFF2-40B4-BE49-F238E27FC236}">
+                <a16:creationId xmlns:a16="http://schemas.microsoft.com/office/drawing/2014/main" id="{D0EA9FF8-E112-4BA0-B552-7EC47F10324A}"/>
+              </a:ext>
+            </a:extLst>
+          </p:cNvPr>
+          <p:cNvPicPr>
+            <a:picLocks noGrp="1" noChangeAspect="1"/>
+          </p:cNvPicPr>
+          <p:nvPr>
+            <p:ph type="pic" sz="quarter" idx="24"/>
+          </p:nvPr>
+        </p:nvPicPr>
+        <p:blipFill>
+          <a:blip r:embed="rId3" cstate="hqprint">
+            <a:extLst>
+              <a:ext uri="{28A0092B-C50C-407E-A947-70E740481C1C}">
+                <a14:useLocalDpi xmlns:a14="http://schemas.microsoft.com/office/drawing/2010/main" val="0"/>
+              </a:ext>
+            </a:extLst>
+          </a:blip>
+          <a:srcRect/>
+          <a:stretch>
+            <a:fillRect/>
+          </a:stretch>
+        </p:blipFill>
+        <p:spPr bwMode="ltGray">
+          <a:xfrm>
+            <a:off x="6480475" y="3341644"/>
+            <a:ext cx="576000" cy="576001"/>
+          </a:xfrm>
+        </p:spPr>
+      </p:pic>
+      <p:sp>
+        <p:nvSpPr>
+          <p:cNvPr id="13" name="Marcador de texto 12">
+            <a:extLst>
+              <a:ext uri="{FF2B5EF4-FFF2-40B4-BE49-F238E27FC236}">
+                <a16:creationId xmlns:a16="http://schemas.microsoft.com/office/drawing/2014/main" id="{F254C44F-43DD-4310-BB15-9C29C646DB24}"/>
+              </a:ext>
+            </a:extLst>
+          </p:cNvPr>
+          <p:cNvSpPr>
+            <a:spLocks noGrp="1"/>
+          </p:cNvSpPr>
+          <p:nvPr>
+            <p:ph type="body" sz="half" idx="25"/>
+          </p:nvPr>
+        </p:nvSpPr>
+        <p:spPr bwMode="ltGray">
+          <a:xfrm>
+            <a:off x="7055712" y="3369088"/>
+            <a:ext cx="4889361" cy="1431234"/>
+          </a:xfrm>
+        </p:spPr>
+        <p:txBody>
+          <a:bodyPr rtlCol="0">
+            <a:normAutofit/>
+          </a:bodyPr>
+          <a:lstStyle/>
+          <a:p>
+            <a:pPr rtl="0">
+              <a:lnSpc>
+                <a:spcPct val="110000"/>
+              </a:lnSpc>
+              <a:spcBef>
+                <a:spcPts val="425"/>
+              </a:spcBef>
+            </a:pPr>
+            <a:r>
+              <a:rPr lang="es-ES" sz="2400" b="1" dirty="0">
+                <a:solidFill>
+                  <a:schemeClr val="bg1"/>
+                </a:solidFill>
+                <a:latin typeface="+mj-lt"/>
+              </a:rPr>
+              <a:t>Santiago Pereira</a:t>
+            </a:r>
+          </a:p>
+          <a:p>
+            <a:pPr marR="417195" rtl="0">
+              <a:lnSpc>
+                <a:spcPct val="107100"/>
+              </a:lnSpc>
+              <a:spcBef>
+                <a:spcPts val="0"/>
+              </a:spcBef>
+              <a:spcAft>
+                <a:spcPts val="1000"/>
+              </a:spcAft>
+            </a:pPr>
+            <a:r>
+              <a:rPr lang="es-ES" sz="1500" i="1" spc="-15" dirty="0">
+                <a:solidFill>
+                  <a:schemeClr val="bg2">
+                    <a:lumMod val="20000"/>
+                    <a:lumOff val="80000"/>
+                  </a:schemeClr>
+                </a:solidFill>
+                <a:cs typeface="Arial"/>
+              </a:rPr>
+              <a:t>Detección y procesamiento de audio, organización de banderas de sensórica y sistema de acceso</a:t>
+            </a:r>
+          </a:p>
+        </p:txBody>
+      </p:sp>
+      <p:sp>
+        <p:nvSpPr>
+          <p:cNvPr id="8" name="objeto 13" descr="Rectángulo beige">
+            <a:extLst>
+              <a:ext uri="{FF2B5EF4-FFF2-40B4-BE49-F238E27FC236}">
+                <a16:creationId xmlns:a16="http://schemas.microsoft.com/office/drawing/2014/main" id="{DFB86A96-0959-48CB-911E-06E243290C23}"/>
+              </a:ext>
+            </a:extLst>
+          </p:cNvPr>
+          <p:cNvSpPr/>
+          <p:nvPr/>
+        </p:nvSpPr>
+        <p:spPr>
+          <a:xfrm>
+            <a:off x="919594" y="1786728"/>
+            <a:ext cx="3402000" cy="0"/>
+          </a:xfrm>
+          <a:custGeom>
+            <a:avLst/>
+            <a:gdLst/>
+            <a:ahLst/>
+            <a:cxnLst/>
+            <a:rect l="l" t="t" r="r" b="b"/>
+            <a:pathLst>
+              <a:path w="2694304">
+                <a:moveTo>
+                  <a:pt x="0" y="0"/>
+                </a:moveTo>
+                <a:lnTo>
+                  <a:pt x="2694127" y="0"/>
+                </a:lnTo>
+              </a:path>
+            </a:pathLst>
+          </a:custGeom>
+          <a:ln w="54863">
+            <a:solidFill>
+              <a:schemeClr val="accent1"/>
+            </a:solidFill>
+          </a:ln>
+        </p:spPr>
+        <p:txBody>
+          <a:bodyPr wrap="square" lIns="0" tIns="0" rIns="0" bIns="0" rtlCol="0"/>
+          <a:lstStyle/>
+          <a:p>
+            <a:pPr rtl="0"/>
+            <a:endParaRPr lang="es-ES" dirty="0"/>
+          </a:p>
+        </p:txBody>
+      </p:sp>
+      <p:pic>
+        <p:nvPicPr>
+          <p:cNvPr id="5" name="Marcador de posición de imagen 18" descr="Icono comprobación">
+            <a:extLst>
+              <a:ext uri="{FF2B5EF4-FFF2-40B4-BE49-F238E27FC236}">
+                <a16:creationId xmlns:a16="http://schemas.microsoft.com/office/drawing/2014/main" id="{C89C1208-B04E-A27E-8C62-30C6B0DA0E98}"/>
+              </a:ext>
+            </a:extLst>
+          </p:cNvPr>
+          <p:cNvPicPr>
+            <a:picLocks noChangeAspect="1"/>
+          </p:cNvPicPr>
+          <p:nvPr/>
+        </p:nvPicPr>
+        <p:blipFill>
+          <a:blip r:embed="rId3" cstate="hqprint">
+            <a:extLst>
+              <a:ext uri="{28A0092B-C50C-407E-A947-70E740481C1C}">
+                <a14:useLocalDpi xmlns:a14="http://schemas.microsoft.com/office/drawing/2010/main" val="0"/>
+              </a:ext>
+            </a:extLst>
+          </a:blip>
+          <a:srcRect/>
+          <a:stretch>
+            <a:fillRect/>
+          </a:stretch>
+        </p:blipFill>
+        <p:spPr bwMode="ltGray">
+          <a:xfrm>
+            <a:off x="6513090" y="4618748"/>
+            <a:ext cx="576000" cy="576001"/>
+          </a:xfrm>
+          <a:prstGeom prst="rect">
+            <a:avLst/>
+          </a:prstGeom>
+        </p:spPr>
+      </p:pic>
+      <p:sp>
+        <p:nvSpPr>
+          <p:cNvPr id="9" name="CuadroTexto 8">
+            <a:extLst>
+              <a:ext uri="{FF2B5EF4-FFF2-40B4-BE49-F238E27FC236}">
+                <a16:creationId xmlns:a16="http://schemas.microsoft.com/office/drawing/2014/main" id="{7E0A03D9-FB7F-52A0-1F4D-1CF8E9B2B2A2}"/>
+              </a:ext>
+            </a:extLst>
+          </p:cNvPr>
+          <p:cNvSpPr txBox="1"/>
+          <p:nvPr/>
+        </p:nvSpPr>
+        <p:spPr>
+          <a:xfrm>
+            <a:off x="7055712" y="4638157"/>
+            <a:ext cx="4889361" cy="974626"/>
+          </a:xfrm>
+          <a:prstGeom prst="rect">
+            <a:avLst/>
+          </a:prstGeom>
+          <a:noFill/>
+        </p:spPr>
+        <p:txBody>
+          <a:bodyPr wrap="square">
+            <a:spAutoFit/>
+          </a:bodyPr>
+          <a:lstStyle/>
+          <a:p>
+            <a:pPr rtl="0">
+              <a:lnSpc>
+                <a:spcPct val="110000"/>
+              </a:lnSpc>
+              <a:spcBef>
+                <a:spcPts val="425"/>
+              </a:spcBef>
+            </a:pPr>
+            <a:r>
+              <a:rPr lang="es-ES" sz="2400" b="1" dirty="0">
+                <a:solidFill>
+                  <a:schemeClr val="bg1"/>
+                </a:solidFill>
+                <a:latin typeface="+mj-lt"/>
+              </a:rPr>
+              <a:t>Santiago Vargas</a:t>
+            </a:r>
+          </a:p>
+          <a:p>
+            <a:pPr marR="417195" rtl="0">
+              <a:lnSpc>
+                <a:spcPct val="107100"/>
+              </a:lnSpc>
+              <a:spcBef>
+                <a:spcPts val="0"/>
+              </a:spcBef>
+              <a:spcAft>
+                <a:spcPts val="1000"/>
+              </a:spcAft>
+            </a:pPr>
+            <a:r>
+              <a:rPr lang="es-ES" sz="1500" i="1" spc="-15" dirty="0">
+                <a:solidFill>
+                  <a:schemeClr val="bg2">
+                    <a:lumMod val="20000"/>
+                    <a:lumOff val="80000"/>
+                  </a:schemeClr>
+                </a:solidFill>
+                <a:cs typeface="Arial"/>
+              </a:rPr>
+              <a:t>Integración con </a:t>
+            </a:r>
+            <a:r>
+              <a:rPr lang="es-ES" sz="1500" i="1" spc="-15" dirty="0" err="1">
+                <a:solidFill>
+                  <a:schemeClr val="bg2">
+                    <a:lumMod val="20000"/>
+                    <a:lumOff val="80000"/>
+                  </a:schemeClr>
+                </a:solidFill>
+                <a:cs typeface="Arial"/>
+              </a:rPr>
+              <a:t>Labview</a:t>
+            </a:r>
+            <a:r>
+              <a:rPr lang="es-ES" sz="1500" i="1" spc="-15" dirty="0">
+                <a:solidFill>
+                  <a:schemeClr val="bg2">
+                    <a:lumMod val="20000"/>
+                    <a:lumOff val="80000"/>
+                  </a:schemeClr>
+                </a:solidFill>
+                <a:cs typeface="Arial"/>
+              </a:rPr>
+              <a:t>, manejo de sensórica digital y puerta de la habitación</a:t>
+            </a:r>
+            <a:endParaRPr lang="es-CO" sz="1500" dirty="0"/>
+          </a:p>
+        </p:txBody>
+      </p:sp>
+      <p:pic>
+        <p:nvPicPr>
+          <p:cNvPr id="18" name="Imagen 17" descr="Imagen que contiene hombre, persona, computer, computadora&#10;&#10;Descripción generada automáticamente">
+            <a:extLst>
+              <a:ext uri="{FF2B5EF4-FFF2-40B4-BE49-F238E27FC236}">
+                <a16:creationId xmlns:a16="http://schemas.microsoft.com/office/drawing/2014/main" id="{E4B2A8CB-1C18-0DC0-D3DE-75F426F11AF7}"/>
+              </a:ext>
+            </a:extLst>
+          </p:cNvPr>
+          <p:cNvPicPr>
+            <a:picLocks noChangeAspect="1"/>
+          </p:cNvPicPr>
+          <p:nvPr/>
+        </p:nvPicPr>
+        <p:blipFill>
+          <a:blip r:embed="rId4">
+            <a:extLst>
+              <a:ext uri="{28A0092B-C50C-407E-A947-70E740481C1C}">
+                <a14:useLocalDpi xmlns:a14="http://schemas.microsoft.com/office/drawing/2010/main" val="0"/>
+              </a:ext>
+            </a:extLst>
+          </a:blip>
+          <a:stretch>
+            <a:fillRect/>
+          </a:stretch>
+        </p:blipFill>
+        <p:spPr>
+          <a:xfrm>
+            <a:off x="351855" y="2268305"/>
+            <a:ext cx="5889924" cy="3632799"/>
+          </a:xfrm>
+          <a:prstGeom prst="rect">
+            <a:avLst/>
+          </a:prstGeom>
+          <a:solidFill>
+            <a:srgbClr val="FFFFFF">
+              <a:shade val="85000"/>
+            </a:srgbClr>
+          </a:solidFill>
+          <a:ln w="190500" cap="rnd">
+            <a:solidFill>
+              <a:srgbClr val="FFFFFF"/>
+            </a:solidFill>
+          </a:ln>
+          <a:effectLst>
+            <a:outerShdw blurRad="50000" algn="tl" rotWithShape="0">
+              <a:srgbClr val="000000">
+                <a:alpha val="41000"/>
+              </a:srgbClr>
+            </a:outerShdw>
+          </a:effectLst>
+          <a:scene3d>
+            <a:camera prst="orthographicFront"/>
+            <a:lightRig rig="twoPt" dir="t">
+              <a:rot lat="0" lon="0" rev="7800000"/>
+            </a:lightRig>
+          </a:scene3d>
+          <a:sp3d contourW="6350">
+            <a:bevelT w="50800" h="16510"/>
+            <a:contourClr>
+              <a:srgbClr val="C0C0C0"/>
+            </a:contourClr>
+          </a:sp3d>
+        </p:spPr>
+      </p:pic>
+    </p:spTree>
+    <p:extLst>
+      <p:ext uri="{BB962C8B-B14F-4D97-AF65-F5344CB8AC3E}">
+        <p14:creationId xmlns:p14="http://schemas.microsoft.com/office/powerpoint/2010/main" val="3013812118"/>
+      </p:ext>
+    </p:extLst>
+  </p:cSld>
+  <p:clrMapOvr>
+    <a:masterClrMapping/>
+  </p:clrMapOvr>
+</p:sld>
+</file>
+
+<file path=ppt/slides/slide13.xml><?xml version="1.0" encoding="utf-8"?>
+<p:sld xmlns:a="http://schemas.openxmlformats.org/drawingml/2006/main" xmlns:r="http://schemas.openxmlformats.org/officeDocument/2006/relationships" xmlns:p="http://schemas.openxmlformats.org/presentationml/2006/main">
+  <p:cSld>
+    <p:spTree>
+      <p:nvGrpSpPr>
+        <p:cNvPr id="1" name=""/>
+        <p:cNvGrpSpPr/>
+        <p:nvPr/>
+      </p:nvGrpSpPr>
+      <p:grpSpPr>
+        <a:xfrm>
+          <a:off x="0" y="0"/>
+          <a:ext cx="0" cy="0"/>
+          <a:chOff x="0" y="0"/>
+          <a:chExt cx="0" cy="0"/>
+        </a:xfrm>
+      </p:grpSpPr>
+      <p:pic>
+        <p:nvPicPr>
+          <p:cNvPr id="15" name="Imagen 14" descr="Una caja de cartón&#10;&#10;Descripción generada automáticamente con confianza baja">
+            <a:extLst>
+              <a:ext uri="{FF2B5EF4-FFF2-40B4-BE49-F238E27FC236}">
+                <a16:creationId xmlns:a16="http://schemas.microsoft.com/office/drawing/2014/main" id="{E8D84FFE-AE63-BD77-EB1C-CDDC6ECD2059}"/>
+              </a:ext>
+            </a:extLst>
+          </p:cNvPr>
+          <p:cNvPicPr>
+            <a:picLocks noChangeAspect="1"/>
+          </p:cNvPicPr>
+          <p:nvPr/>
+        </p:nvPicPr>
+        <p:blipFill>
+          <a:blip r:embed="rId3">
+            <a:extLst>
+              <a:ext uri="{28A0092B-C50C-407E-A947-70E740481C1C}">
+                <a14:useLocalDpi xmlns:a14="http://schemas.microsoft.com/office/drawing/2010/main" val="0"/>
+              </a:ext>
+            </a:extLst>
+          </a:blip>
+          <a:stretch>
+            <a:fillRect/>
+          </a:stretch>
+        </p:blipFill>
+        <p:spPr>
+          <a:xfrm>
+            <a:off x="0" y="0"/>
+            <a:ext cx="12192000" cy="6858000"/>
+          </a:xfrm>
+          <a:prstGeom prst="rect">
+            <a:avLst/>
+          </a:prstGeom>
+        </p:spPr>
+      </p:pic>
+      <p:sp>
+        <p:nvSpPr>
+          <p:cNvPr id="5" name="Marcador de contenido 4">
+            <a:extLst>
+              <a:ext uri="{FF2B5EF4-FFF2-40B4-BE49-F238E27FC236}">
+                <a16:creationId xmlns:a16="http://schemas.microsoft.com/office/drawing/2014/main" id="{D5537408-2125-4CE5-92A7-F7E0FCBA31D0}"/>
+              </a:ext>
+            </a:extLst>
+          </p:cNvPr>
+          <p:cNvSpPr txBox="1">
+            <a:spLocks/>
+          </p:cNvSpPr>
+          <p:nvPr/>
+        </p:nvSpPr>
+        <p:spPr>
+          <a:xfrm>
+            <a:off x="-1" y="1341439"/>
+            <a:ext cx="6348413" cy="4140200"/>
+          </a:xfrm>
+          <a:prstGeom prst="rect">
+            <a:avLst/>
+          </a:prstGeom>
+          <a:solidFill>
+            <a:schemeClr val="accent2"/>
+          </a:solidFill>
+        </p:spPr>
+        <p:txBody>
+          <a:bodyPr lIns="1548000" tIns="2160000" rtlCol="0">
+            <a:normAutofit/>
+          </a:bodyPr>
+          <a:lstStyle>
+            <a:lvl1pPr marL="228600" indent="-228600" algn="l" defTabSz="914400" rtl="0" eaLnBrk="1" latinLnBrk="0" hangingPunct="1">
+              <a:lnSpc>
+                <a:spcPct val="90000"/>
+              </a:lnSpc>
+              <a:spcBef>
+                <a:spcPts val="1000"/>
+              </a:spcBef>
+              <a:buFont typeface="Arial" panose="020B0604020202020204" pitchFamily="34" charset="0"/>
+              <a:buChar char="•"/>
+              <a:defRPr sz="1600" kern="1200">
+                <a:solidFill>
+                  <a:schemeClr val="tx1">
+                    <a:lumMod val="75000"/>
+                    <a:lumOff val="25000"/>
+                  </a:schemeClr>
+                </a:solidFill>
+                <a:latin typeface="+mn-lt"/>
+                <a:ea typeface="+mn-ea"/>
+                <a:cs typeface="+mn-cs"/>
+              </a:defRPr>
+            </a:lvl1pPr>
+            <a:lvl2pPr marL="685800" indent="-228600" algn="l" defTabSz="914400" rtl="0" eaLnBrk="1" latinLnBrk="0" hangingPunct="1">
+              <a:lnSpc>
+                <a:spcPct val="90000"/>
+              </a:lnSpc>
+              <a:spcBef>
+                <a:spcPts val="500"/>
+              </a:spcBef>
+              <a:buFont typeface="Arial" panose="020B0604020202020204" pitchFamily="34" charset="0"/>
+              <a:buChar char="•"/>
+              <a:defRPr sz="1600" kern="1200">
+                <a:solidFill>
+                  <a:schemeClr val="tx1">
+                    <a:lumMod val="75000"/>
+                    <a:lumOff val="25000"/>
+                  </a:schemeClr>
+                </a:solidFill>
+                <a:latin typeface="+mn-lt"/>
+                <a:ea typeface="+mn-ea"/>
+                <a:cs typeface="+mn-cs"/>
+              </a:defRPr>
+            </a:lvl2pPr>
+            <a:lvl3pPr marL="1143000" indent="-228600" algn="l" defTabSz="914400" rtl="0" eaLnBrk="1" latinLnBrk="0" hangingPunct="1">
+              <a:lnSpc>
+                <a:spcPct val="90000"/>
+              </a:lnSpc>
+              <a:spcBef>
+                <a:spcPts val="500"/>
+              </a:spcBef>
+              <a:buFont typeface="Arial" panose="020B0604020202020204" pitchFamily="34" charset="0"/>
+              <a:buChar char="•"/>
+              <a:defRPr sz="1600" kern="1200">
+                <a:solidFill>
+                  <a:schemeClr val="tx1">
+                    <a:lumMod val="75000"/>
+                    <a:lumOff val="25000"/>
+                  </a:schemeClr>
+                </a:solidFill>
+                <a:latin typeface="+mn-lt"/>
+                <a:ea typeface="+mn-ea"/>
+                <a:cs typeface="+mn-cs"/>
+              </a:defRPr>
+            </a:lvl3pPr>
+            <a:lvl4pPr marL="1600200" indent="-228600" algn="l" defTabSz="914400" rtl="0" eaLnBrk="1" latinLnBrk="0" hangingPunct="1">
+              <a:lnSpc>
+                <a:spcPct val="90000"/>
+              </a:lnSpc>
+              <a:spcBef>
+                <a:spcPts val="500"/>
+              </a:spcBef>
+              <a:buFont typeface="Arial" panose="020B0604020202020204" pitchFamily="34" charset="0"/>
+              <a:buChar char="•"/>
+              <a:defRPr sz="1600" kern="1200">
+                <a:solidFill>
+                  <a:schemeClr val="tx1">
+                    <a:lumMod val="75000"/>
+                    <a:lumOff val="25000"/>
+                  </a:schemeClr>
+                </a:solidFill>
+                <a:latin typeface="+mn-lt"/>
+                <a:ea typeface="+mn-ea"/>
+                <a:cs typeface="+mn-cs"/>
+              </a:defRPr>
+            </a:lvl4pPr>
+            <a:lvl5pPr marL="2057400" indent="-228600" algn="l" defTabSz="914400" rtl="0" eaLnBrk="1" latinLnBrk="0" hangingPunct="1">
+              <a:lnSpc>
+                <a:spcPct val="90000"/>
+              </a:lnSpc>
+              <a:spcBef>
+                <a:spcPts val="500"/>
+              </a:spcBef>
+              <a:buFont typeface="Arial" panose="020B0604020202020204" pitchFamily="34" charset="0"/>
+              <a:buChar char="•"/>
+              <a:defRPr sz="1600" kern="1200">
+                <a:solidFill>
+                  <a:schemeClr val="tx1">
+                    <a:lumMod val="75000"/>
+                    <a:lumOff val="25000"/>
+                  </a:schemeClr>
+                </a:solidFill>
+                <a:latin typeface="+mn-lt"/>
+                <a:ea typeface="+mn-ea"/>
+                <a:cs typeface="+mn-cs"/>
+              </a:defRPr>
+            </a:lvl5pPr>
+            <a:lvl6pPr marL="2514600" indent="-228600" algn="l" defTabSz="914400" rtl="0" eaLnBrk="1" latinLnBrk="0" hangingPunct="1">
+              <a:lnSpc>
+                <a:spcPct val="90000"/>
+              </a:lnSpc>
+              <a:spcBef>
+                <a:spcPts val="500"/>
+              </a:spcBef>
+              <a:buFont typeface="Arial" panose="020B0604020202020204" pitchFamily="34" charset="0"/>
+              <a:buChar char="•"/>
+              <a:defRPr sz="1800" kern="1200">
+                <a:solidFill>
+                  <a:schemeClr val="tx1"/>
+                </a:solidFill>
+                <a:latin typeface="+mn-lt"/>
+                <a:ea typeface="+mn-ea"/>
+                <a:cs typeface="+mn-cs"/>
+              </a:defRPr>
+            </a:lvl6pPr>
+            <a:lvl7pPr marL="2971800" indent="-228600" algn="l" defTabSz="914400" rtl="0" eaLnBrk="1" latinLnBrk="0" hangingPunct="1">
+              <a:lnSpc>
+                <a:spcPct val="90000"/>
+              </a:lnSpc>
+              <a:spcBef>
+                <a:spcPts val="500"/>
+              </a:spcBef>
+              <a:buFont typeface="Arial" panose="020B0604020202020204" pitchFamily="34" charset="0"/>
+              <a:buChar char="•"/>
+              <a:defRPr sz="1800" kern="1200">
+                <a:solidFill>
+                  <a:schemeClr val="tx1"/>
+                </a:solidFill>
+                <a:latin typeface="+mn-lt"/>
+                <a:ea typeface="+mn-ea"/>
+                <a:cs typeface="+mn-cs"/>
+              </a:defRPr>
+            </a:lvl7pPr>
+            <a:lvl8pPr marL="3429000" indent="-228600" algn="l" defTabSz="914400" rtl="0" eaLnBrk="1" latinLnBrk="0" hangingPunct="1">
+              <a:lnSpc>
+                <a:spcPct val="90000"/>
+              </a:lnSpc>
+              <a:spcBef>
+                <a:spcPts val="500"/>
+              </a:spcBef>
+              <a:buFont typeface="Arial" panose="020B0604020202020204" pitchFamily="34" charset="0"/>
+              <a:buChar char="•"/>
+              <a:defRPr sz="1800" kern="1200">
+                <a:solidFill>
+                  <a:schemeClr val="tx1"/>
+                </a:solidFill>
+                <a:latin typeface="+mn-lt"/>
+                <a:ea typeface="+mn-ea"/>
+                <a:cs typeface="+mn-cs"/>
+              </a:defRPr>
+            </a:lvl8pPr>
+            <a:lvl9pPr marL="3886200" indent="-228600" algn="l" defTabSz="914400" rtl="0" eaLnBrk="1" latinLnBrk="0" hangingPunct="1">
+              <a:lnSpc>
+                <a:spcPct val="90000"/>
+              </a:lnSpc>
+              <a:spcBef>
+                <a:spcPts val="500"/>
+              </a:spcBef>
+              <a:buFont typeface="Arial" panose="020B0604020202020204" pitchFamily="34" charset="0"/>
+              <a:buChar char="•"/>
+              <a:defRPr sz="1800" kern="1200">
+                <a:solidFill>
+                  <a:schemeClr val="tx1"/>
+                </a:solidFill>
+                <a:latin typeface="+mn-lt"/>
+                <a:ea typeface="+mn-ea"/>
+                <a:cs typeface="+mn-cs"/>
+              </a:defRPr>
+            </a:lvl9pPr>
+          </a:lstStyle>
+          <a:p>
+            <a:pPr marL="0" indent="0" rtl="0">
+              <a:spcBef>
+                <a:spcPts val="1100"/>
+              </a:spcBef>
+              <a:buFont typeface="Arial" panose="020B0604020202020204" pitchFamily="34" charset="0"/>
+              <a:buNone/>
+            </a:pPr>
+            <a:r>
+              <a:rPr lang="es-ES" sz="2500" b="1" i="1" spc="70" dirty="0" err="1">
+                <a:solidFill>
+                  <a:schemeClr val="bg2">
+                    <a:lumMod val="20000"/>
+                    <a:lumOff val="80000"/>
+                    <a:alpha val="75000"/>
+                  </a:schemeClr>
+                </a:solidFill>
+                <a:cs typeface="Arial"/>
+              </a:rPr>
+              <a:t>DomoSync</a:t>
+            </a:r>
+            <a:endParaRPr lang="es-ES" sz="2500" b="1" i="1" spc="70" dirty="0">
+              <a:solidFill>
+                <a:schemeClr val="bg2">
+                  <a:lumMod val="20000"/>
+                  <a:lumOff val="80000"/>
+                  <a:alpha val="75000"/>
+                </a:schemeClr>
+              </a:solidFill>
+              <a:cs typeface="Arial"/>
+            </a:endParaRPr>
+          </a:p>
+          <a:p>
+            <a:pPr marL="0" marR="5080" indent="0" rtl="0">
+              <a:buFont typeface="Arial" panose="020B0604020202020204" pitchFamily="34" charset="0"/>
+              <a:buNone/>
+            </a:pPr>
+            <a:r>
+              <a:rPr lang="es-ES" sz="2500" b="1" i="1" spc="70" dirty="0">
+                <a:solidFill>
+                  <a:schemeClr val="bg2">
+                    <a:lumMod val="20000"/>
+                    <a:lumOff val="80000"/>
+                    <a:alpha val="75000"/>
+                  </a:schemeClr>
+                </a:solidFill>
+                <a:cs typeface="Arial"/>
+              </a:rPr>
+              <a:t>domosync@gmail.com</a:t>
+            </a:r>
+          </a:p>
+          <a:p>
+            <a:pPr marL="0" marR="5080" indent="0" rtl="0">
+              <a:buFont typeface="Arial" panose="020B0604020202020204" pitchFamily="34" charset="0"/>
+              <a:buNone/>
+            </a:pPr>
+            <a:r>
+              <a:rPr lang="es-ES" sz="2500" b="1" i="1" spc="45" dirty="0">
+                <a:solidFill>
+                  <a:schemeClr val="bg2">
+                    <a:lumMod val="20000"/>
+                    <a:lumOff val="80000"/>
+                    <a:alpha val="75000"/>
+                  </a:schemeClr>
+                </a:solidFill>
+                <a:cs typeface="Arial"/>
+              </a:rPr>
+              <a:t>600-000-0000</a:t>
+            </a:r>
+            <a:endParaRPr lang="es-ES" sz="2500" b="1" i="1" dirty="0">
+              <a:solidFill>
+                <a:schemeClr val="bg2">
+                  <a:lumMod val="20000"/>
+                  <a:lumOff val="80000"/>
+                  <a:alpha val="75000"/>
+                </a:schemeClr>
+              </a:solidFill>
+              <a:cs typeface="Arial"/>
+            </a:endParaRPr>
+          </a:p>
+          <a:p>
+            <a:pPr marL="0" indent="0" rtl="0">
+              <a:lnSpc>
+                <a:spcPct val="125000"/>
+              </a:lnSpc>
+              <a:buFont typeface="Arial" panose="020B0604020202020204" pitchFamily="34" charset="0"/>
+              <a:buNone/>
+            </a:pPr>
+            <a:endParaRPr lang="es-ES" sz="2500" b="1" dirty="0">
+              <a:solidFill>
+                <a:schemeClr val="bg2">
+                  <a:alpha val="50000"/>
+                </a:schemeClr>
+              </a:solidFill>
+            </a:endParaRPr>
+          </a:p>
+        </p:txBody>
+      </p:sp>
+      <p:sp>
+        <p:nvSpPr>
+          <p:cNvPr id="6" name="objeto 6" descr="Rectángulo beige">
+            <a:extLst>
+              <a:ext uri="{FF2B5EF4-FFF2-40B4-BE49-F238E27FC236}">
+                <a16:creationId xmlns:a16="http://schemas.microsoft.com/office/drawing/2014/main" id="{B0C70F64-F3E5-413B-AF4F-E15CE944B761}"/>
+              </a:ext>
+            </a:extLst>
+          </p:cNvPr>
+          <p:cNvSpPr/>
+          <p:nvPr/>
+        </p:nvSpPr>
+        <p:spPr bwMode="ltGray">
+          <a:xfrm>
+            <a:off x="931203" y="2894901"/>
+            <a:ext cx="3312000" cy="0"/>
+          </a:xfrm>
+          <a:custGeom>
+            <a:avLst/>
+            <a:gdLst/>
+            <a:ahLst/>
+            <a:cxnLst/>
+            <a:rect l="l" t="t" r="r" b="b"/>
+            <a:pathLst>
+              <a:path w="4206240">
+                <a:moveTo>
+                  <a:pt x="0" y="0"/>
+                </a:moveTo>
+                <a:lnTo>
+                  <a:pt x="4206240" y="0"/>
+                </a:lnTo>
+              </a:path>
+            </a:pathLst>
+          </a:custGeom>
+          <a:ln w="54863">
+            <a:solidFill>
+              <a:schemeClr val="accent1"/>
+            </a:solidFill>
+          </a:ln>
+        </p:spPr>
+        <p:txBody>
+          <a:bodyPr wrap="square" lIns="0" tIns="0" rIns="0" bIns="0" rtlCol="0"/>
+          <a:lstStyle/>
+          <a:p>
+            <a:pPr rtl="0"/>
+            <a:endParaRPr lang="es-ES" dirty="0"/>
+          </a:p>
+        </p:txBody>
+      </p:sp>
+      <p:sp>
+        <p:nvSpPr>
+          <p:cNvPr id="2" name="Título 1">
+            <a:extLst>
+              <a:ext uri="{FF2B5EF4-FFF2-40B4-BE49-F238E27FC236}">
+                <a16:creationId xmlns:a16="http://schemas.microsoft.com/office/drawing/2014/main" id="{1BD43A5E-77DF-44FD-800D-158434A3ABC6}"/>
+              </a:ext>
+            </a:extLst>
+          </p:cNvPr>
+          <p:cNvSpPr>
+            <a:spLocks noGrp="1"/>
+          </p:cNvSpPr>
+          <p:nvPr>
+            <p:ph type="title"/>
+          </p:nvPr>
+        </p:nvSpPr>
+        <p:spPr bwMode="ltGray">
+          <a:xfrm>
+            <a:off x="838200" y="1701559"/>
+            <a:ext cx="4859215" cy="1325563"/>
+          </a:xfrm>
+        </p:spPr>
+        <p:txBody>
+          <a:bodyPr rtlCol="0">
+            <a:normAutofit/>
+          </a:bodyPr>
+          <a:lstStyle/>
+          <a:p>
+            <a:pPr rtl="0"/>
+            <a:r>
+              <a:rPr lang="es-ES" sz="5000" dirty="0">
+                <a:solidFill>
+                  <a:schemeClr val="bg1"/>
+                </a:solidFill>
+              </a:rPr>
+              <a:t>¡GRACIAS!</a:t>
+            </a:r>
+            <a:endParaRPr lang="es-ES" sz="5000" dirty="0"/>
+          </a:p>
+        </p:txBody>
+      </p:sp>
+      <p:pic>
+        <p:nvPicPr>
+          <p:cNvPr id="11" name="Gráfico 10" descr="Icono de persona">
+            <a:extLst>
+              <a:ext uri="{FF2B5EF4-FFF2-40B4-BE49-F238E27FC236}">
+                <a16:creationId xmlns:a16="http://schemas.microsoft.com/office/drawing/2014/main" id="{623730AD-04DB-4D31-90B9-486007BC48F8}"/>
+              </a:ext>
+            </a:extLst>
+          </p:cNvPr>
+          <p:cNvPicPr>
+            <a:picLocks noChangeAspect="1"/>
+          </p:cNvPicPr>
+          <p:nvPr/>
+        </p:nvPicPr>
+        <p:blipFill>
+          <a:blip r:embed="rId4">
+            <a:extLst>
+              <a:ext uri="{96DAC541-7B7A-43D3-8B79-37D633B846F1}">
+                <asvg:svgBlip xmlns:asvg="http://schemas.microsoft.com/office/drawing/2016/SVG/main" r:embed="rId5"/>
+              </a:ext>
+            </a:extLst>
+          </a:blip>
+          <a:stretch>
+            <a:fillRect/>
+          </a:stretch>
+        </p:blipFill>
+        <p:spPr>
+          <a:xfrm>
+            <a:off x="935237" y="3470503"/>
+            <a:ext cx="342900" cy="352425"/>
+          </a:xfrm>
+          <a:prstGeom prst="rect">
+            <a:avLst/>
+          </a:prstGeom>
+        </p:spPr>
+      </p:pic>
+      <p:pic>
+        <p:nvPicPr>
+          <p:cNvPr id="12" name="Gráfico 11" descr="Icono de correo electrónico">
+            <a:extLst>
+              <a:ext uri="{FF2B5EF4-FFF2-40B4-BE49-F238E27FC236}">
+                <a16:creationId xmlns:a16="http://schemas.microsoft.com/office/drawing/2014/main" id="{A19DD78C-1BBA-435D-AB9C-910A5A3B509F}"/>
+              </a:ext>
+            </a:extLst>
+          </p:cNvPr>
+          <p:cNvPicPr>
+            <a:picLocks noChangeAspect="1"/>
+          </p:cNvPicPr>
+          <p:nvPr/>
+        </p:nvPicPr>
+        <p:blipFill>
+          <a:blip r:embed="rId6">
+            <a:extLst>
+              <a:ext uri="{96DAC541-7B7A-43D3-8B79-37D633B846F1}">
+                <asvg:svgBlip xmlns:asvg="http://schemas.microsoft.com/office/drawing/2016/SVG/main" r:embed="rId7"/>
+              </a:ext>
+            </a:extLst>
+          </a:blip>
+          <a:stretch>
+            <a:fillRect/>
+          </a:stretch>
+        </p:blipFill>
+        <p:spPr>
+          <a:xfrm>
+            <a:off x="935237" y="3965704"/>
+            <a:ext cx="342900" cy="342900"/>
+          </a:xfrm>
+          <a:prstGeom prst="rect">
+            <a:avLst/>
+          </a:prstGeom>
+        </p:spPr>
+      </p:pic>
+      <p:pic>
+        <p:nvPicPr>
+          <p:cNvPr id="13" name="Gráfico 12" descr="Icono de teléfono">
+            <a:extLst>
+              <a:ext uri="{FF2B5EF4-FFF2-40B4-BE49-F238E27FC236}">
+                <a16:creationId xmlns:a16="http://schemas.microsoft.com/office/drawing/2014/main" id="{E1FE68E0-BC77-4B86-BF40-6A4FF5062F58}"/>
+              </a:ext>
+            </a:extLst>
+          </p:cNvPr>
+          <p:cNvPicPr>
+            <a:picLocks noChangeAspect="1"/>
+          </p:cNvPicPr>
+          <p:nvPr/>
+        </p:nvPicPr>
+        <p:blipFill>
+          <a:blip r:embed="rId8">
+            <a:extLst>
+              <a:ext uri="{96DAC541-7B7A-43D3-8B79-37D633B846F1}">
+                <asvg:svgBlip xmlns:asvg="http://schemas.microsoft.com/office/drawing/2016/SVG/main" r:embed="rId9"/>
+              </a:ext>
+            </a:extLst>
+          </a:blip>
+          <a:stretch>
+            <a:fillRect/>
+          </a:stretch>
+        </p:blipFill>
+        <p:spPr>
+          <a:xfrm>
+            <a:off x="935237" y="4451380"/>
+            <a:ext cx="342900" cy="342900"/>
+          </a:xfrm>
+          <a:prstGeom prst="rect">
+            <a:avLst/>
+          </a:prstGeom>
+        </p:spPr>
+      </p:pic>
+      <p:sp>
+        <p:nvSpPr>
+          <p:cNvPr id="7" name="Marcador de número de diapositiva 6">
+            <a:extLst>
+              <a:ext uri="{FF2B5EF4-FFF2-40B4-BE49-F238E27FC236}">
+                <a16:creationId xmlns:a16="http://schemas.microsoft.com/office/drawing/2014/main" id="{1EA39DE2-464A-46AF-92D8-7786B35DFF44}"/>
+              </a:ext>
+            </a:extLst>
+          </p:cNvPr>
+          <p:cNvSpPr>
+            <a:spLocks noGrp="1"/>
+          </p:cNvSpPr>
+          <p:nvPr>
+            <p:ph type="sldNum" sz="quarter" idx="12"/>
+          </p:nvPr>
+        </p:nvSpPr>
+        <p:spPr/>
+        <p:txBody>
+          <a:bodyPr/>
+          <a:lstStyle/>
+          <a:p>
+            <a:pPr rtl="0"/>
+            <a:fld id="{82EE24B5-652C-4DB5-B7C3-B5BBEC1280B1}" type="slidenum">
+              <a:rPr lang="es-ES" noProof="0" smtClean="0"/>
+              <a:t>13</a:t>
+            </a:fld>
+            <a:endParaRPr lang="es-ES" noProof="0" dirty="0"/>
+          </a:p>
+        </p:txBody>
+      </p:sp>
+    </p:spTree>
+    <p:extLst>
+      <p:ext uri="{BB962C8B-B14F-4D97-AF65-F5344CB8AC3E}">
+        <p14:creationId xmlns:p14="http://schemas.microsoft.com/office/powerpoint/2010/main" val="1486951216"/>
+      </p:ext>
+    </p:extLst>
+  </p:cSld>
+  <p:clrMapOvr>
+    <a:masterClrMapping/>
+  </p:clrMapOvr>
+</p:sld>
+</file>
+
 <file path=ppt/slides/slide2.xml><?xml version="1.0" encoding="utf-8"?>
 <p:sld xmlns:a="http://schemas.openxmlformats.org/drawingml/2006/main" xmlns:r="http://schemas.openxmlformats.org/officeDocument/2006/relationships" xmlns:p="http://schemas.openxmlformats.org/presentationml/2006/main">
   <p:cSld>
@@ -7377,10 +10613,10 @@
       </p:grpSpPr>
       <p:pic>
         <p:nvPicPr>
-          <p:cNvPr id="4" name="Marcador de contenido 7" descr="Hombre hablando por teléfono">
-            <a:extLst>
-              <a:ext uri="{FF2B5EF4-FFF2-40B4-BE49-F238E27FC236}">
-                <a16:creationId xmlns:a16="http://schemas.microsoft.com/office/drawing/2014/main" id="{2894B736-0F24-454E-8A9D-717EB78697D0}"/>
+          <p:cNvPr id="11" name="Imagen 10" descr="Imagen que contiene Interfaz de usuario gráfica&#10;&#10;Descripción generada automáticamente">
+            <a:extLst>
+              <a:ext uri="{FF2B5EF4-FFF2-40B4-BE49-F238E27FC236}">
+                <a16:creationId xmlns:a16="http://schemas.microsoft.com/office/drawing/2014/main" id="{C8E2CCF5-D265-3363-6168-319A3E8DECDC}"/>
               </a:ext>
             </a:extLst>
           </p:cNvPr>
@@ -7403,8 +10639,8 @@
         </p:blipFill>
         <p:spPr>
           <a:xfrm>
-            <a:off x="2382" y="0"/>
-            <a:ext cx="6991350" cy="6858000"/>
+            <a:off x="0" y="0"/>
+            <a:ext cx="7359182" cy="6858000"/>
           </a:xfrm>
           <a:prstGeom prst="rect">
             <a:avLst/>
@@ -7470,20 +10706,79 @@
       </p:sp>
       <p:sp>
         <p:nvSpPr>
-          <p:cNvPr id="6" name="objeto 6" descr="Rectángulo azul">
-            <a:extLst>
-              <a:ext uri="{FF2B5EF4-FFF2-40B4-BE49-F238E27FC236}">
-                <a16:creationId xmlns:a16="http://schemas.microsoft.com/office/drawing/2014/main" id="{9FABC344-E043-45BE-8588-06C658DBCE70}"/>
+          <p:cNvPr id="12" name="objeto 3" descr="Personas con documentos">
+            <a:extLst>
+              <a:ext uri="{FF2B5EF4-FFF2-40B4-BE49-F238E27FC236}">
+                <a16:creationId xmlns:a16="http://schemas.microsoft.com/office/drawing/2014/main" id="{C334ED6F-9654-DD89-BB91-EECD3FA5B3BB}"/>
               </a:ext>
             </a:extLst>
           </p:cNvPr>
           <p:cNvSpPr/>
           <p:nvPr/>
         </p:nvSpPr>
+        <p:spPr bwMode="ltGray">
+          <a:xfrm>
+            <a:off x="-90435" y="-1"/>
+            <a:ext cx="12384542" cy="6953459"/>
+          </a:xfrm>
+          <a:custGeom>
+            <a:avLst/>
+            <a:gdLst/>
+            <a:ahLst/>
+            <a:cxnLst/>
+            <a:rect l="l" t="t" r="r" b="b"/>
+            <a:pathLst>
+              <a:path w="12189460" h="6858000">
+                <a:moveTo>
+                  <a:pt x="0" y="6858000"/>
+                </a:moveTo>
+                <a:lnTo>
+                  <a:pt x="12188952" y="6858000"/>
+                </a:lnTo>
+                <a:lnTo>
+                  <a:pt x="12188952" y="0"/>
+                </a:lnTo>
+                <a:lnTo>
+                  <a:pt x="0" y="0"/>
+                </a:lnTo>
+                <a:lnTo>
+                  <a:pt x="0" y="6858000"/>
+                </a:lnTo>
+                <a:close/>
+              </a:path>
+            </a:pathLst>
+          </a:custGeom>
+          <a:solidFill>
+            <a:schemeClr val="tx2">
+              <a:alpha val="69999"/>
+            </a:schemeClr>
+          </a:solidFill>
+        </p:spPr>
+        <p:txBody>
+          <a:bodyPr wrap="square" lIns="0" tIns="0" rIns="0" bIns="0" rtlCol="0"/>
+          <a:lstStyle/>
+          <a:p>
+            <a:pPr rtl="0"/>
+            <a:endParaRPr lang="es-ES" dirty="0"/>
+          </a:p>
+        </p:txBody>
+      </p:sp>
+      <p:sp>
+        <p:nvSpPr>
+          <p:cNvPr id="6" name="objeto 6" descr="Rectángulo azul">
+            <a:extLst>
+              <a:ext uri="{FF2B5EF4-FFF2-40B4-BE49-F238E27FC236}">
+                <a16:creationId xmlns:a16="http://schemas.microsoft.com/office/drawing/2014/main" id="{9FABC344-E043-45BE-8588-06C658DBCE70}"/>
+              </a:ext>
+            </a:extLst>
+          </p:cNvPr>
+          <p:cNvSpPr/>
+          <p:nvPr/>
+        </p:nvSpPr>
         <p:spPr>
           <a:xfrm>
-            <a:off x="5502275" y="1692008"/>
-            <a:ext cx="6689725" cy="3528060"/>
+            <a:off x="5848141" y="1692008"/>
+            <a:ext cx="6343859" cy="3528060"/>
           </a:xfrm>
           <a:custGeom>
             <a:avLst/>
@@ -7543,7 +10838,7 @@
         </p:nvSpPr>
         <p:spPr bwMode="white">
           <a:xfrm>
-            <a:off x="6198107" y="2331086"/>
+            <a:off x="6588827" y="2345818"/>
             <a:ext cx="5165558" cy="833856"/>
           </a:xfrm>
         </p:spPr>
@@ -7607,9 +10902,9 @@
           <p:nvPr/>
         </p:nvSpPr>
         <p:spPr bwMode="white">
-          <a:xfrm>
-            <a:off x="6313932" y="3042424"/>
-            <a:ext cx="4579200" cy="0"/>
+          <a:xfrm flipV="1">
+            <a:off x="6539750" y="2956512"/>
+            <a:ext cx="4929093" cy="45719"/>
           </a:xfrm>
           <a:custGeom>
             <a:avLst/>
@@ -7879,8 +11174,8 @@
         </p:nvSpPr>
         <p:spPr>
           <a:xfrm>
-            <a:off x="6198107" y="3244334"/>
-            <a:ext cx="6096000" cy="1077218"/>
+            <a:off x="6539751" y="3237394"/>
+            <a:ext cx="5181600" cy="1077218"/>
           </a:xfrm>
           <a:prstGeom prst="rect">
             <a:avLst/>
@@ -8348,7 +11643,13 @@
   <p:cSld>
     <p:spTree>
       <p:nvGrpSpPr>
-        <p:cNvPr id="1" name=""/>
+        <p:cNvPr id="1" name="">
+          <a:extLst>
+            <a:ext uri="{FF2B5EF4-FFF2-40B4-BE49-F238E27FC236}">
+              <a16:creationId xmlns:a16="http://schemas.microsoft.com/office/drawing/2014/main" id="{4355C86F-5C3E-B920-D483-5C65C95BD8E0}"/>
+            </a:ext>
+          </a:extLst>
+        </p:cNvPr>
         <p:cNvGrpSpPr/>
         <p:nvPr/>
       </p:nvGrpSpPr>
@@ -8365,7 +11666,7 @@
           <p:cNvPr id="2" name="Marcador de número de diapositiva 1">
             <a:extLst>
               <a:ext uri="{FF2B5EF4-FFF2-40B4-BE49-F238E27FC236}">
-                <a16:creationId xmlns:a16="http://schemas.microsoft.com/office/drawing/2014/main" id="{6A8AF702-A859-4D49-823E-455702872718}"/>
+                <a16:creationId xmlns:a16="http://schemas.microsoft.com/office/drawing/2014/main" id="{DDCAF9F9-8C6E-8537-3CF3-1EC83F90D9F3}"/>
               </a:ext>
             </a:extLst>
           </p:cNvPr>
@@ -8395,7 +11696,7 @@
           <p:cNvPr id="3" name="Título 2">
             <a:extLst>
               <a:ext uri="{FF2B5EF4-FFF2-40B4-BE49-F238E27FC236}">
-                <a16:creationId xmlns:a16="http://schemas.microsoft.com/office/drawing/2014/main" id="{6D5D9271-B659-4A45-8868-BAEC4EF7D1F1}"/>
+                <a16:creationId xmlns:a16="http://schemas.microsoft.com/office/drawing/2014/main" id="{1A9EE877-BBF2-BA3C-2E37-2891D130812C}"/>
               </a:ext>
             </a:extLst>
           </p:cNvPr>
@@ -8408,8 +11709,8 @@
         </p:nvSpPr>
         <p:spPr>
           <a:xfrm>
-            <a:off x="824752" y="365125"/>
-            <a:ext cx="10515600" cy="1325563"/>
+            <a:off x="754380" y="126574"/>
+            <a:ext cx="5046652" cy="1325563"/>
           </a:xfrm>
         </p:spPr>
         <p:txBody>
@@ -8421,7 +11722,451 @@
             <a:pPr rtl="0"/>
             <a:r>
               <a:rPr lang="es-ES" dirty="0"/>
-              <a:t>DIAGRAMA DE FLUJO</a:t>
+              <a:t>DIAGRAMA DE FLUJO – PICO DE SENSÓRICA</a:t>
+            </a:r>
+          </a:p>
+        </p:txBody>
+      </p:sp>
+      <p:pic>
+        <p:nvPicPr>
+          <p:cNvPr id="7" name="Imagen 6">
+            <a:extLst>
+              <a:ext uri="{FF2B5EF4-FFF2-40B4-BE49-F238E27FC236}">
+                <a16:creationId xmlns:a16="http://schemas.microsoft.com/office/drawing/2014/main" id="{8920F975-BEF1-388C-00AD-12C59C2239D6}"/>
+              </a:ext>
+            </a:extLst>
+          </p:cNvPr>
+          <p:cNvPicPr>
+            <a:picLocks noChangeAspect="1"/>
+          </p:cNvPicPr>
+          <p:nvPr/>
+        </p:nvPicPr>
+        <p:blipFill>
+          <a:blip r:embed="rId3"/>
+          <a:stretch>
+            <a:fillRect/>
+          </a:stretch>
+        </p:blipFill>
+        <p:spPr>
+          <a:xfrm>
+            <a:off x="6096000" y="317972"/>
+            <a:ext cx="5747282" cy="5580409"/>
+          </a:xfrm>
+          <a:prstGeom prst="round2DiagRect">
+            <a:avLst>
+              <a:gd name="adj1" fmla="val 16667"/>
+              <a:gd name="adj2" fmla="val 0"/>
+            </a:avLst>
+          </a:prstGeom>
+          <a:ln w="88900" cap="sq">
+            <a:solidFill>
+              <a:srgbClr val="FFFFFF"/>
+            </a:solidFill>
+            <a:miter lim="800000"/>
+          </a:ln>
+          <a:effectLst>
+            <a:outerShdw blurRad="254000" algn="tl" rotWithShape="0">
+              <a:srgbClr val="000000">
+                <a:alpha val="43000"/>
+              </a:srgbClr>
+            </a:outerShdw>
+          </a:effectLst>
+        </p:spPr>
+      </p:pic>
+    </p:spTree>
+    <p:extLst>
+      <p:ext uri="{BB962C8B-B14F-4D97-AF65-F5344CB8AC3E}">
+        <p14:creationId xmlns:p14="http://schemas.microsoft.com/office/powerpoint/2010/main" val="190522025"/>
+      </p:ext>
+    </p:extLst>
+  </p:cSld>
+  <p:clrMapOvr>
+    <a:masterClrMapping/>
+  </p:clrMapOvr>
+</p:sld>
+</file>
+
+<file path=ppt/slides/slide5.xml><?xml version="1.0" encoding="utf-8"?>
+<p:sld xmlns:a="http://schemas.openxmlformats.org/drawingml/2006/main" xmlns:r="http://schemas.openxmlformats.org/officeDocument/2006/relationships" xmlns:p="http://schemas.openxmlformats.org/presentationml/2006/main">
+  <p:cSld>
+    <p:spTree>
+      <p:nvGrpSpPr>
+        <p:cNvPr id="1" name="">
+          <a:extLst>
+            <a:ext uri="{FF2B5EF4-FFF2-40B4-BE49-F238E27FC236}">
+              <a16:creationId xmlns:a16="http://schemas.microsoft.com/office/drawing/2014/main" id="{07F67302-5C45-3D71-20B2-510163B23851}"/>
+            </a:ext>
+          </a:extLst>
+        </p:cNvPr>
+        <p:cNvGrpSpPr/>
+        <p:nvPr/>
+      </p:nvGrpSpPr>
+      <p:grpSpPr>
+        <a:xfrm>
+          <a:off x="0" y="0"/>
+          <a:ext cx="0" cy="0"/>
+          <a:chOff x="0" y="0"/>
+          <a:chExt cx="0" cy="0"/>
+        </a:xfrm>
+      </p:grpSpPr>
+      <p:sp>
+        <p:nvSpPr>
+          <p:cNvPr id="2" name="Marcador de número de diapositiva 1">
+            <a:extLst>
+              <a:ext uri="{FF2B5EF4-FFF2-40B4-BE49-F238E27FC236}">
+                <a16:creationId xmlns:a16="http://schemas.microsoft.com/office/drawing/2014/main" id="{FC69C618-92D7-6C03-2E20-E41AE90F0CDC}"/>
+              </a:ext>
+            </a:extLst>
+          </p:cNvPr>
+          <p:cNvSpPr>
+            <a:spLocks noGrp="1"/>
+          </p:cNvSpPr>
+          <p:nvPr>
+            <p:ph type="sldNum" sz="quarter" idx="12"/>
+          </p:nvPr>
+        </p:nvSpPr>
+        <p:spPr/>
+        <p:txBody>
+          <a:bodyPr rtlCol="0"/>
+          <a:lstStyle/>
+          <a:p>
+            <a:pPr rtl="0"/>
+            <a:fld id="{82EE24B5-652C-4DB5-B7C3-B5BBEC1280B1}" type="slidenum">
+              <a:rPr lang="es-ES" sz="1000" smtClean="0"/>
+              <a:t>5</a:t>
+            </a:fld>
+            <a:endParaRPr lang="es-ES" sz="1000" dirty="0"/>
+          </a:p>
+        </p:txBody>
+      </p:sp>
+      <p:sp>
+        <p:nvSpPr>
+          <p:cNvPr id="3" name="Título 2">
+            <a:extLst>
+              <a:ext uri="{FF2B5EF4-FFF2-40B4-BE49-F238E27FC236}">
+                <a16:creationId xmlns:a16="http://schemas.microsoft.com/office/drawing/2014/main" id="{139BA567-33D4-8EBA-F287-74321C0929B4}"/>
+              </a:ext>
+            </a:extLst>
+          </p:cNvPr>
+          <p:cNvSpPr>
+            <a:spLocks noGrp="1"/>
+          </p:cNvSpPr>
+          <p:nvPr>
+            <p:ph type="title"/>
+          </p:nvPr>
+        </p:nvSpPr>
+        <p:spPr>
+          <a:xfrm>
+            <a:off x="754380" y="126574"/>
+            <a:ext cx="5046652" cy="1325563"/>
+          </a:xfrm>
+        </p:spPr>
+        <p:txBody>
+          <a:bodyPr rtlCol="0">
+            <a:normAutofit/>
+          </a:bodyPr>
+          <a:lstStyle/>
+          <a:p>
+            <a:pPr rtl="0"/>
+            <a:r>
+              <a:rPr lang="es-ES" dirty="0"/>
+              <a:t>DIAGRAMA DE FLUJO – PICO DE SENSÓRICA</a:t>
+            </a:r>
+          </a:p>
+        </p:txBody>
+      </p:sp>
+      <p:pic>
+        <p:nvPicPr>
+          <p:cNvPr id="5" name="Imagen 4" descr="Diagrama&#10;&#10;Descripción generada automáticamente">
+            <a:extLst>
+              <a:ext uri="{FF2B5EF4-FFF2-40B4-BE49-F238E27FC236}">
+                <a16:creationId xmlns:a16="http://schemas.microsoft.com/office/drawing/2014/main" id="{3F8C013E-3C4E-62AC-8657-E040398331B4}"/>
+              </a:ext>
+            </a:extLst>
+          </p:cNvPr>
+          <p:cNvPicPr>
+            <a:picLocks noChangeAspect="1"/>
+          </p:cNvPicPr>
+          <p:nvPr/>
+        </p:nvPicPr>
+        <p:blipFill>
+          <a:blip r:embed="rId3"/>
+          <a:stretch>
+            <a:fillRect/>
+          </a:stretch>
+        </p:blipFill>
+        <p:spPr>
+          <a:xfrm>
+            <a:off x="6341438" y="334597"/>
+            <a:ext cx="4928542" cy="5840305"/>
+          </a:xfrm>
+          <a:prstGeom prst="round2DiagRect">
+            <a:avLst>
+              <a:gd name="adj1" fmla="val 16667"/>
+              <a:gd name="adj2" fmla="val 0"/>
+            </a:avLst>
+          </a:prstGeom>
+          <a:ln w="88900" cap="sq">
+            <a:solidFill>
+              <a:srgbClr val="FFFFFF"/>
+            </a:solidFill>
+            <a:miter lim="800000"/>
+          </a:ln>
+          <a:effectLst>
+            <a:outerShdw blurRad="254000" algn="tl" rotWithShape="0">
+              <a:srgbClr val="000000">
+                <a:alpha val="43000"/>
+              </a:srgbClr>
+            </a:outerShdw>
+          </a:effectLst>
+        </p:spPr>
+      </p:pic>
+    </p:spTree>
+    <p:extLst>
+      <p:ext uri="{BB962C8B-B14F-4D97-AF65-F5344CB8AC3E}">
+        <p14:creationId xmlns:p14="http://schemas.microsoft.com/office/powerpoint/2010/main" val="2736573390"/>
+      </p:ext>
+    </p:extLst>
+  </p:cSld>
+  <p:clrMapOvr>
+    <a:masterClrMapping/>
+  </p:clrMapOvr>
+</p:sld>
+</file>
+
+<file path=ppt/slides/slide6.xml><?xml version="1.0" encoding="utf-8"?>
+<p:sld xmlns:a="http://schemas.openxmlformats.org/drawingml/2006/main" xmlns:r="http://schemas.openxmlformats.org/officeDocument/2006/relationships" xmlns:p="http://schemas.openxmlformats.org/presentationml/2006/main">
+  <p:cSld>
+    <p:spTree>
+      <p:nvGrpSpPr>
+        <p:cNvPr id="1" name="">
+          <a:extLst>
+            <a:ext uri="{FF2B5EF4-FFF2-40B4-BE49-F238E27FC236}">
+              <a16:creationId xmlns:a16="http://schemas.microsoft.com/office/drawing/2014/main" id="{7DF63598-B129-6C74-2A8A-323C3D4A0DBE}"/>
+            </a:ext>
+          </a:extLst>
+        </p:cNvPr>
+        <p:cNvGrpSpPr/>
+        <p:nvPr/>
+      </p:nvGrpSpPr>
+      <p:grpSpPr>
+        <a:xfrm>
+          <a:off x="0" y="0"/>
+          <a:ext cx="0" cy="0"/>
+          <a:chOff x="0" y="0"/>
+          <a:chExt cx="0" cy="0"/>
+        </a:xfrm>
+      </p:grpSpPr>
+      <p:sp>
+        <p:nvSpPr>
+          <p:cNvPr id="2" name="Marcador de número de diapositiva 1">
+            <a:extLst>
+              <a:ext uri="{FF2B5EF4-FFF2-40B4-BE49-F238E27FC236}">
+                <a16:creationId xmlns:a16="http://schemas.microsoft.com/office/drawing/2014/main" id="{7341445E-8953-A1FF-778A-02489F1F3582}"/>
+              </a:ext>
+            </a:extLst>
+          </p:cNvPr>
+          <p:cNvSpPr>
+            <a:spLocks noGrp="1"/>
+          </p:cNvSpPr>
+          <p:nvPr>
+            <p:ph type="sldNum" sz="quarter" idx="12"/>
+          </p:nvPr>
+        </p:nvSpPr>
+        <p:spPr/>
+        <p:txBody>
+          <a:bodyPr rtlCol="0"/>
+          <a:lstStyle/>
+          <a:p>
+            <a:pPr rtl="0"/>
+            <a:fld id="{82EE24B5-652C-4DB5-B7C3-B5BBEC1280B1}" type="slidenum">
+              <a:rPr lang="es-ES" sz="1000" smtClean="0"/>
+              <a:t>6</a:t>
+            </a:fld>
+            <a:endParaRPr lang="es-ES" sz="1000" dirty="0"/>
+          </a:p>
+        </p:txBody>
+      </p:sp>
+      <p:sp>
+        <p:nvSpPr>
+          <p:cNvPr id="3" name="Título 2">
+            <a:extLst>
+              <a:ext uri="{FF2B5EF4-FFF2-40B4-BE49-F238E27FC236}">
+                <a16:creationId xmlns:a16="http://schemas.microsoft.com/office/drawing/2014/main" id="{D9DE1B17-FA01-5DCD-3519-247C89358B28}"/>
+              </a:ext>
+            </a:extLst>
+          </p:cNvPr>
+          <p:cNvSpPr>
+            <a:spLocks noGrp="1"/>
+          </p:cNvSpPr>
+          <p:nvPr>
+            <p:ph type="title"/>
+          </p:nvPr>
+        </p:nvSpPr>
+        <p:spPr>
+          <a:xfrm>
+            <a:off x="754380" y="126574"/>
+            <a:ext cx="5046652" cy="1325563"/>
+          </a:xfrm>
+        </p:spPr>
+        <p:txBody>
+          <a:bodyPr rtlCol="0">
+            <a:normAutofit/>
+          </a:bodyPr>
+          <a:lstStyle/>
+          <a:p>
+            <a:pPr rtl="0"/>
+            <a:r>
+              <a:rPr lang="es-ES" dirty="0"/>
+              <a:t>DIAGRAMA DE FLUJO – PICO DE SENSÓRICA</a:t>
+            </a:r>
+          </a:p>
+        </p:txBody>
+      </p:sp>
+      <p:pic>
+        <p:nvPicPr>
+          <p:cNvPr id="4" name="Imagen 3" descr="Diagrama&#10;&#10;Descripción generada automáticamente">
+            <a:extLst>
+              <a:ext uri="{FF2B5EF4-FFF2-40B4-BE49-F238E27FC236}">
+                <a16:creationId xmlns:a16="http://schemas.microsoft.com/office/drawing/2014/main" id="{62E67490-220F-134E-73DF-BF7B4AEEB965}"/>
+              </a:ext>
+            </a:extLst>
+          </p:cNvPr>
+          <p:cNvPicPr>
+            <a:picLocks noChangeAspect="1"/>
+          </p:cNvPicPr>
+          <p:nvPr/>
+        </p:nvPicPr>
+        <p:blipFill>
+          <a:blip r:embed="rId3"/>
+          <a:stretch>
+            <a:fillRect/>
+          </a:stretch>
+        </p:blipFill>
+        <p:spPr>
+          <a:xfrm>
+            <a:off x="4912595" y="1452137"/>
+            <a:ext cx="6913365" cy="4494704"/>
+          </a:xfrm>
+          <a:prstGeom prst="round2DiagRect">
+            <a:avLst>
+              <a:gd name="adj1" fmla="val 16667"/>
+              <a:gd name="adj2" fmla="val 0"/>
+            </a:avLst>
+          </a:prstGeom>
+          <a:ln w="88900" cap="sq">
+            <a:solidFill>
+              <a:srgbClr val="FFFFFF"/>
+            </a:solidFill>
+            <a:miter lim="800000"/>
+          </a:ln>
+          <a:effectLst>
+            <a:outerShdw blurRad="254000" algn="tl" rotWithShape="0">
+              <a:srgbClr val="000000">
+                <a:alpha val="43000"/>
+              </a:srgbClr>
+            </a:outerShdw>
+          </a:effectLst>
+        </p:spPr>
+      </p:pic>
+    </p:spTree>
+    <p:extLst>
+      <p:ext uri="{BB962C8B-B14F-4D97-AF65-F5344CB8AC3E}">
+        <p14:creationId xmlns:p14="http://schemas.microsoft.com/office/powerpoint/2010/main" val="2035003530"/>
+      </p:ext>
+    </p:extLst>
+  </p:cSld>
+  <p:clrMapOvr>
+    <a:masterClrMapping/>
+  </p:clrMapOvr>
+</p:sld>
+</file>
+
+<file path=ppt/slides/slide7.xml><?xml version="1.0" encoding="utf-8"?>
+<p:sld xmlns:a="http://schemas.openxmlformats.org/drawingml/2006/main" xmlns:r="http://schemas.openxmlformats.org/officeDocument/2006/relationships" xmlns:p="http://schemas.openxmlformats.org/presentationml/2006/main">
+  <p:cSld>
+    <p:spTree>
+      <p:nvGrpSpPr>
+        <p:cNvPr id="1" name="">
+          <a:extLst>
+            <a:ext uri="{FF2B5EF4-FFF2-40B4-BE49-F238E27FC236}">
+              <a16:creationId xmlns:a16="http://schemas.microsoft.com/office/drawing/2014/main" id="{F5E22F61-510F-259E-DFB6-7B461196F252}"/>
+            </a:ext>
+          </a:extLst>
+        </p:cNvPr>
+        <p:cNvGrpSpPr/>
+        <p:nvPr/>
+      </p:nvGrpSpPr>
+      <p:grpSpPr>
+        <a:xfrm>
+          <a:off x="0" y="0"/>
+          <a:ext cx="0" cy="0"/>
+          <a:chOff x="0" y="0"/>
+          <a:chExt cx="0" cy="0"/>
+        </a:xfrm>
+      </p:grpSpPr>
+      <p:sp>
+        <p:nvSpPr>
+          <p:cNvPr id="2" name="Marcador de número de diapositiva 1">
+            <a:extLst>
+              <a:ext uri="{FF2B5EF4-FFF2-40B4-BE49-F238E27FC236}">
+                <a16:creationId xmlns:a16="http://schemas.microsoft.com/office/drawing/2014/main" id="{66689ABE-9B9C-3443-126C-578328B19D6E}"/>
+              </a:ext>
+            </a:extLst>
+          </p:cNvPr>
+          <p:cNvSpPr>
+            <a:spLocks noGrp="1"/>
+          </p:cNvSpPr>
+          <p:nvPr>
+            <p:ph type="sldNum" sz="quarter" idx="12"/>
+          </p:nvPr>
+        </p:nvSpPr>
+        <p:spPr/>
+        <p:txBody>
+          <a:bodyPr rtlCol="0"/>
+          <a:lstStyle/>
+          <a:p>
+            <a:pPr rtl="0"/>
+            <a:fld id="{82EE24B5-652C-4DB5-B7C3-B5BBEC1280B1}" type="slidenum">
+              <a:rPr lang="es-ES" sz="1000" smtClean="0"/>
+              <a:t>7</a:t>
+            </a:fld>
+            <a:endParaRPr lang="es-ES" sz="1000" dirty="0"/>
+          </a:p>
+        </p:txBody>
+      </p:sp>
+      <p:sp>
+        <p:nvSpPr>
+          <p:cNvPr id="3" name="Título 2">
+            <a:extLst>
+              <a:ext uri="{FF2B5EF4-FFF2-40B4-BE49-F238E27FC236}">
+                <a16:creationId xmlns:a16="http://schemas.microsoft.com/office/drawing/2014/main" id="{12B2E9E6-79BB-6216-D5BD-DEE3590A7388}"/>
+              </a:ext>
+            </a:extLst>
+          </p:cNvPr>
+          <p:cNvSpPr>
+            <a:spLocks noGrp="1"/>
+          </p:cNvSpPr>
+          <p:nvPr>
+            <p:ph type="title"/>
+          </p:nvPr>
+        </p:nvSpPr>
+        <p:spPr>
+          <a:xfrm>
+            <a:off x="824752" y="365125"/>
+            <a:ext cx="10515600" cy="1325563"/>
+          </a:xfrm>
+        </p:spPr>
+        <p:txBody>
+          <a:bodyPr rtlCol="0">
+            <a:normAutofit/>
+          </a:bodyPr>
+          <a:lstStyle/>
+          <a:p>
+            <a:pPr rtl="0"/>
+            <a:r>
+              <a:rPr lang="es-ES" dirty="0"/>
+              <a:t>DIAGRAMA DE FLUJO – PICO PRINCIPAL</a:t>
             </a:r>
           </a:p>
         </p:txBody>
@@ -8431,7 +12176,7 @@
           <p:cNvPr id="29" name="objeto 27" descr="Rectángulo beige">
             <a:extLst>
               <a:ext uri="{FF2B5EF4-FFF2-40B4-BE49-F238E27FC236}">
-                <a16:creationId xmlns:a16="http://schemas.microsoft.com/office/drawing/2014/main" id="{CE178D24-EC15-4677-8CE4-B6FAE887C7CE}"/>
+                <a16:creationId xmlns:a16="http://schemas.microsoft.com/office/drawing/2014/main" id="{E25BA3CC-F3B8-7871-E8B6-7846EBB9FE2F}"/>
               </a:ext>
             </a:extLst>
           </p:cNvPr>
@@ -8480,7 +12225,7 @@
           <p:cNvPr id="6" name="Marcador de contenido 5">
             <a:extLst>
               <a:ext uri="{FF2B5EF4-FFF2-40B4-BE49-F238E27FC236}">
-                <a16:creationId xmlns:a16="http://schemas.microsoft.com/office/drawing/2014/main" id="{B450FC97-7BB6-E5BB-ADD3-D175B05AE173}"/>
+                <a16:creationId xmlns:a16="http://schemas.microsoft.com/office/drawing/2014/main" id="{EACE4A8D-7E17-32AC-BD0C-6E1A75114354}"/>
               </a:ext>
             </a:extLst>
           </p:cNvPr>
@@ -8505,7 +12250,7 @@
           <p:cNvPr id="11" name="Marcador de contenido 10">
             <a:extLst>
               <a:ext uri="{FF2B5EF4-FFF2-40B4-BE49-F238E27FC236}">
-                <a16:creationId xmlns:a16="http://schemas.microsoft.com/office/drawing/2014/main" id="{96097A4E-34FE-FEB0-C301-FE3C961E9EA5}"/>
+                <a16:creationId xmlns:a16="http://schemas.microsoft.com/office/drawing/2014/main" id="{5B1C3A0C-5238-1E6E-E099-25E1BA9C41AA}"/>
               </a:ext>
             </a:extLst>
           </p:cNvPr>
@@ -8525,10 +12270,102 @@
           </a:p>
         </p:txBody>
       </p:sp>
+      <p:pic>
+        <p:nvPicPr>
+          <p:cNvPr id="4" name="Imagen 3" descr="Imagen que contiene pizarrón, doble&#10;&#10;Descripción generada automáticamente">
+            <a:extLst>
+              <a:ext uri="{FF2B5EF4-FFF2-40B4-BE49-F238E27FC236}">
+                <a16:creationId xmlns:a16="http://schemas.microsoft.com/office/drawing/2014/main" id="{26C7E58C-F962-BAE1-B252-371624E7B235}"/>
+              </a:ext>
+            </a:extLst>
+          </p:cNvPr>
+          <p:cNvPicPr>
+            <a:picLocks noChangeAspect="1"/>
+          </p:cNvPicPr>
+          <p:nvPr/>
+        </p:nvPicPr>
+        <p:blipFill>
+          <a:blip r:embed="rId3"/>
+          <a:stretch>
+            <a:fillRect/>
+          </a:stretch>
+        </p:blipFill>
+        <p:spPr>
+          <a:xfrm>
+            <a:off x="235237" y="1750827"/>
+            <a:ext cx="5612130" cy="4326890"/>
+          </a:xfrm>
+          <a:prstGeom prst="round2DiagRect">
+            <a:avLst>
+              <a:gd name="adj1" fmla="val 16667"/>
+              <a:gd name="adj2" fmla="val 0"/>
+            </a:avLst>
+          </a:prstGeom>
+          <a:ln w="88900" cap="sq">
+            <a:solidFill>
+              <a:srgbClr val="FFFFFF"/>
+            </a:solidFill>
+            <a:miter lim="800000"/>
+          </a:ln>
+          <a:effectLst>
+            <a:outerShdw blurRad="254000" algn="tl" rotWithShape="0">
+              <a:srgbClr val="000000">
+                <a:alpha val="43000"/>
+              </a:srgbClr>
+            </a:outerShdw>
+          </a:effectLst>
+        </p:spPr>
+      </p:pic>
+      <p:pic>
+        <p:nvPicPr>
+          <p:cNvPr id="5" name="Imagen 4" descr="Diagrama, Dibujo de ingeniería&#10;&#10;Descripción generada automáticamente">
+            <a:extLst>
+              <a:ext uri="{FF2B5EF4-FFF2-40B4-BE49-F238E27FC236}">
+                <a16:creationId xmlns:a16="http://schemas.microsoft.com/office/drawing/2014/main" id="{4ADC208B-B6EE-5E9E-8874-DAA4FA1A0886}"/>
+              </a:ext>
+            </a:extLst>
+          </p:cNvPr>
+          <p:cNvPicPr>
+            <a:picLocks noChangeAspect="1"/>
+          </p:cNvPicPr>
+          <p:nvPr/>
+        </p:nvPicPr>
+        <p:blipFill>
+          <a:blip r:embed="rId4"/>
+          <a:stretch>
+            <a:fillRect/>
+          </a:stretch>
+        </p:blipFill>
+        <p:spPr>
+          <a:xfrm>
+            <a:off x="6344634" y="1671746"/>
+            <a:ext cx="5612130" cy="4386323"/>
+          </a:xfrm>
+          <a:prstGeom prst="round2DiagRect">
+            <a:avLst>
+              <a:gd name="adj1" fmla="val 16667"/>
+              <a:gd name="adj2" fmla="val 0"/>
+            </a:avLst>
+          </a:prstGeom>
+          <a:ln w="88900" cap="sq">
+            <a:solidFill>
+              <a:srgbClr val="FFFFFF"/>
+            </a:solidFill>
+            <a:miter lim="800000"/>
+          </a:ln>
+          <a:effectLst>
+            <a:outerShdw blurRad="254000" algn="tl" rotWithShape="0">
+              <a:srgbClr val="000000">
+                <a:alpha val="43000"/>
+              </a:srgbClr>
+            </a:outerShdw>
+          </a:effectLst>
+        </p:spPr>
+      </p:pic>
     </p:spTree>
     <p:extLst>
       <p:ext uri="{BB962C8B-B14F-4D97-AF65-F5344CB8AC3E}">
-        <p14:creationId xmlns:p14="http://schemas.microsoft.com/office/powerpoint/2010/main" val="2212090630"/>
+        <p14:creationId xmlns:p14="http://schemas.microsoft.com/office/powerpoint/2010/main" val="3588950973"/>
       </p:ext>
     </p:extLst>
   </p:cSld>
@@ -8538,7 +12375,300 @@
 </p:sld>
 </file>
 
-<file path=ppt/slides/slide5.xml><?xml version="1.0" encoding="utf-8"?>
+<file path=ppt/slides/slide8.xml><?xml version="1.0" encoding="utf-8"?>
+<p:sld xmlns:a="http://schemas.openxmlformats.org/drawingml/2006/main" xmlns:r="http://schemas.openxmlformats.org/officeDocument/2006/relationships" xmlns:p="http://schemas.openxmlformats.org/presentationml/2006/main">
+  <p:cSld>
+    <p:spTree>
+      <p:nvGrpSpPr>
+        <p:cNvPr id="1" name="">
+          <a:extLst>
+            <a:ext uri="{FF2B5EF4-FFF2-40B4-BE49-F238E27FC236}">
+              <a16:creationId xmlns:a16="http://schemas.microsoft.com/office/drawing/2014/main" id="{FA2196A9-A5C3-65B4-1470-380B70162CC9}"/>
+            </a:ext>
+          </a:extLst>
+        </p:cNvPr>
+        <p:cNvGrpSpPr/>
+        <p:nvPr/>
+      </p:nvGrpSpPr>
+      <p:grpSpPr>
+        <a:xfrm>
+          <a:off x="0" y="0"/>
+          <a:ext cx="0" cy="0"/>
+          <a:chOff x="0" y="0"/>
+          <a:chExt cx="0" cy="0"/>
+        </a:xfrm>
+      </p:grpSpPr>
+      <p:sp>
+        <p:nvSpPr>
+          <p:cNvPr id="2" name="Marcador de número de diapositiva 1">
+            <a:extLst>
+              <a:ext uri="{FF2B5EF4-FFF2-40B4-BE49-F238E27FC236}">
+                <a16:creationId xmlns:a16="http://schemas.microsoft.com/office/drawing/2014/main" id="{ADB7DD80-8505-6C83-BB07-290F04C96D7A}"/>
+              </a:ext>
+            </a:extLst>
+          </p:cNvPr>
+          <p:cNvSpPr>
+            <a:spLocks noGrp="1"/>
+          </p:cNvSpPr>
+          <p:nvPr>
+            <p:ph type="sldNum" sz="quarter" idx="12"/>
+          </p:nvPr>
+        </p:nvSpPr>
+        <p:spPr/>
+        <p:txBody>
+          <a:bodyPr rtlCol="0"/>
+          <a:lstStyle/>
+          <a:p>
+            <a:pPr rtl="0"/>
+            <a:fld id="{82EE24B5-652C-4DB5-B7C3-B5BBEC1280B1}" type="slidenum">
+              <a:rPr lang="es-ES" sz="1000" smtClean="0"/>
+              <a:t>8</a:t>
+            </a:fld>
+            <a:endParaRPr lang="es-ES" sz="1000" dirty="0"/>
+          </a:p>
+        </p:txBody>
+      </p:sp>
+      <p:sp>
+        <p:nvSpPr>
+          <p:cNvPr id="3" name="Título 2">
+            <a:extLst>
+              <a:ext uri="{FF2B5EF4-FFF2-40B4-BE49-F238E27FC236}">
+                <a16:creationId xmlns:a16="http://schemas.microsoft.com/office/drawing/2014/main" id="{3B8E1FA3-391B-B7CF-90EC-D5D358AD844F}"/>
+              </a:ext>
+            </a:extLst>
+          </p:cNvPr>
+          <p:cNvSpPr>
+            <a:spLocks noGrp="1"/>
+          </p:cNvSpPr>
+          <p:nvPr>
+            <p:ph type="title"/>
+          </p:nvPr>
+        </p:nvSpPr>
+        <p:spPr>
+          <a:xfrm>
+            <a:off x="824752" y="365125"/>
+            <a:ext cx="10515600" cy="1325563"/>
+          </a:xfrm>
+        </p:spPr>
+        <p:txBody>
+          <a:bodyPr rtlCol="0">
+            <a:normAutofit/>
+          </a:bodyPr>
+          <a:lstStyle/>
+          <a:p>
+            <a:pPr rtl="0"/>
+            <a:r>
+              <a:rPr lang="es-ES" dirty="0"/>
+              <a:t>DIAGRAMA DE FLUJO – PICO PRINCIPAL</a:t>
+            </a:r>
+          </a:p>
+        </p:txBody>
+      </p:sp>
+      <p:sp>
+        <p:nvSpPr>
+          <p:cNvPr id="29" name="objeto 27" descr="Rectángulo beige">
+            <a:extLst>
+              <a:ext uri="{FF2B5EF4-FFF2-40B4-BE49-F238E27FC236}">
+                <a16:creationId xmlns:a16="http://schemas.microsoft.com/office/drawing/2014/main" id="{E4D15345-942C-0188-F6E0-81DF5CC037FA}"/>
+              </a:ext>
+            </a:extLst>
+          </p:cNvPr>
+          <p:cNvSpPr/>
+          <p:nvPr/>
+        </p:nvSpPr>
+        <p:spPr>
+          <a:xfrm>
+            <a:off x="947015" y="1341198"/>
+            <a:ext cx="2844000" cy="0"/>
+          </a:xfrm>
+          <a:custGeom>
+            <a:avLst/>
+            <a:gdLst/>
+            <a:ahLst/>
+            <a:cxnLst/>
+            <a:rect l="l" t="t" r="r" b="b"/>
+            <a:pathLst>
+              <a:path w="2501265">
+                <a:moveTo>
+                  <a:pt x="0" y="0"/>
+                </a:moveTo>
+                <a:lnTo>
+                  <a:pt x="2500883" y="0"/>
+                </a:lnTo>
+              </a:path>
+            </a:pathLst>
+          </a:custGeom>
+          <a:ln w="54863">
+            <a:solidFill>
+              <a:schemeClr val="accent1"/>
+            </a:solidFill>
+          </a:ln>
+        </p:spPr>
+        <p:txBody>
+          <a:bodyPr wrap="square" lIns="0" tIns="0" rIns="0" bIns="0" rtlCol="0"/>
+          <a:lstStyle/>
+          <a:p>
+            <a:pPr rtl="0"/>
+            <a:endParaRPr lang="es-ES" dirty="0"/>
+          </a:p>
+        </p:txBody>
+      </p:sp>
+      <p:sp>
+        <p:nvSpPr>
+          <p:cNvPr id="6" name="Marcador de contenido 5">
+            <a:extLst>
+              <a:ext uri="{FF2B5EF4-FFF2-40B4-BE49-F238E27FC236}">
+                <a16:creationId xmlns:a16="http://schemas.microsoft.com/office/drawing/2014/main" id="{FECC8C59-896C-435C-45A5-2E89925ED7CC}"/>
+              </a:ext>
+            </a:extLst>
+          </p:cNvPr>
+          <p:cNvSpPr>
+            <a:spLocks noGrp="1"/>
+          </p:cNvSpPr>
+          <p:nvPr>
+            <p:ph sz="half" idx="13"/>
+          </p:nvPr>
+        </p:nvSpPr>
+        <p:spPr/>
+        <p:txBody>
+          <a:bodyPr/>
+          <a:lstStyle/>
+          <a:p>
+            <a:endParaRPr lang="es-CO" dirty="0"/>
+          </a:p>
+        </p:txBody>
+      </p:sp>
+      <p:sp>
+        <p:nvSpPr>
+          <p:cNvPr id="11" name="Marcador de contenido 10">
+            <a:extLst>
+              <a:ext uri="{FF2B5EF4-FFF2-40B4-BE49-F238E27FC236}">
+                <a16:creationId xmlns:a16="http://schemas.microsoft.com/office/drawing/2014/main" id="{A789E088-6AAC-FB4C-D5D8-B29AE5CB9E2F}"/>
+              </a:ext>
+            </a:extLst>
+          </p:cNvPr>
+          <p:cNvSpPr>
+            <a:spLocks noGrp="1"/>
+          </p:cNvSpPr>
+          <p:nvPr>
+            <p:ph sz="half" idx="1"/>
+          </p:nvPr>
+        </p:nvSpPr>
+        <p:spPr/>
+        <p:txBody>
+          <a:bodyPr/>
+          <a:lstStyle/>
+          <a:p>
+            <a:endParaRPr lang="es-CO"/>
+          </a:p>
+        </p:txBody>
+      </p:sp>
+      <p:pic>
+        <p:nvPicPr>
+          <p:cNvPr id="7" name="Imagen 6" descr="Dibujo en blanco y negro&#10;&#10;Descripción generada automáticamente con confianza media">
+            <a:extLst>
+              <a:ext uri="{FF2B5EF4-FFF2-40B4-BE49-F238E27FC236}">
+                <a16:creationId xmlns:a16="http://schemas.microsoft.com/office/drawing/2014/main" id="{63C508FB-06D3-8D90-3BBC-9A80B073C5EF}"/>
+              </a:ext>
+            </a:extLst>
+          </p:cNvPr>
+          <p:cNvPicPr>
+            <a:picLocks noChangeAspect="1"/>
+          </p:cNvPicPr>
+          <p:nvPr/>
+        </p:nvPicPr>
+        <p:blipFill>
+          <a:blip r:embed="rId3"/>
+          <a:stretch>
+            <a:fillRect/>
+          </a:stretch>
+        </p:blipFill>
+        <p:spPr>
+          <a:xfrm>
+            <a:off x="250190" y="1690688"/>
+            <a:ext cx="5551170" cy="4492653"/>
+          </a:xfrm>
+          <a:prstGeom prst="round2DiagRect">
+            <a:avLst>
+              <a:gd name="adj1" fmla="val 16667"/>
+              <a:gd name="adj2" fmla="val 0"/>
+            </a:avLst>
+          </a:prstGeom>
+          <a:ln w="88900" cap="sq">
+            <a:solidFill>
+              <a:srgbClr val="FFFFFF"/>
+            </a:solidFill>
+            <a:miter lim="800000"/>
+          </a:ln>
+          <a:effectLst>
+            <a:outerShdw blurRad="254000" algn="tl" rotWithShape="0">
+              <a:srgbClr val="000000">
+                <a:alpha val="43000"/>
+              </a:srgbClr>
+            </a:outerShdw>
+          </a:effectLst>
+        </p:spPr>
+      </p:pic>
+      <p:pic>
+        <p:nvPicPr>
+          <p:cNvPr id="8" name="Imagen 7" descr="Diagrama&#10;&#10;Descripción generada automáticamente">
+            <a:extLst>
+              <a:ext uri="{FF2B5EF4-FFF2-40B4-BE49-F238E27FC236}">
+                <a16:creationId xmlns:a16="http://schemas.microsoft.com/office/drawing/2014/main" id="{EC1199D9-20D7-8E14-9290-AC804245A971}"/>
+              </a:ext>
+            </a:extLst>
+          </p:cNvPr>
+          <p:cNvPicPr>
+            <a:picLocks noChangeAspect="1"/>
+          </p:cNvPicPr>
+          <p:nvPr/>
+        </p:nvPicPr>
+        <p:blipFill>
+          <a:blip r:embed="rId4"/>
+          <a:stretch>
+            <a:fillRect/>
+          </a:stretch>
+        </p:blipFill>
+        <p:spPr>
+          <a:xfrm>
+            <a:off x="6235700" y="1667946"/>
+            <a:ext cx="5622290" cy="4492653"/>
+          </a:xfrm>
+          <a:prstGeom prst="round2DiagRect">
+            <a:avLst>
+              <a:gd name="adj1" fmla="val 16667"/>
+              <a:gd name="adj2" fmla="val 0"/>
+            </a:avLst>
+          </a:prstGeom>
+          <a:ln w="88900" cap="sq">
+            <a:solidFill>
+              <a:srgbClr val="FFFFFF"/>
+            </a:solidFill>
+            <a:miter lim="800000"/>
+          </a:ln>
+          <a:effectLst>
+            <a:outerShdw blurRad="254000" algn="tl" rotWithShape="0">
+              <a:srgbClr val="000000">
+                <a:alpha val="43000"/>
+              </a:srgbClr>
+            </a:outerShdw>
+          </a:effectLst>
+        </p:spPr>
+      </p:pic>
+    </p:spTree>
+    <p:extLst>
+      <p:ext uri="{BB962C8B-B14F-4D97-AF65-F5344CB8AC3E}">
+        <p14:creationId xmlns:p14="http://schemas.microsoft.com/office/powerpoint/2010/main" val="426829258"/>
+      </p:ext>
+    </p:extLst>
+  </p:cSld>
+  <p:clrMapOvr>
+    <a:masterClrMapping/>
+  </p:clrMapOvr>
+</p:sld>
+</file>
+
+<file path=ppt/slides/slide9.xml><?xml version="1.0" encoding="utf-8"?>
 <p:sld xmlns:a="http://schemas.openxmlformats.org/drawingml/2006/main" xmlns:r="http://schemas.openxmlformats.org/officeDocument/2006/relationships" xmlns:p="http://schemas.openxmlformats.org/presentationml/2006/main">
   <p:cSld>
     <p:spTree>
@@ -8929,7 +13059,7 @@
             <a:pPr rtl="0"/>
             <a:fld id="{82EE24B5-652C-4DB5-B7C3-B5BBEC1280B1}" type="slidenum">
               <a:rPr lang="es-ES" sz="1000" smtClean="0"/>
-              <a:t>5</a:t>
+              <a:t>9</a:t>
             </a:fld>
             <a:endParaRPr lang="es-ES" sz="1000" dirty="0"/>
           </a:p>
@@ -9592,2757 +13722,6 @@
     <p:extLst>
       <p:ext uri="{BB962C8B-B14F-4D97-AF65-F5344CB8AC3E}">
         <p14:creationId xmlns:p14="http://schemas.microsoft.com/office/powerpoint/2010/main" val="3366032599"/>
-      </p:ext>
-    </p:extLst>
-  </p:cSld>
-  <p:clrMapOvr>
-    <a:masterClrMapping/>
-  </p:clrMapOvr>
-</p:sld>
-</file>
-
-<file path=ppt/slides/slide6.xml><?xml version="1.0" encoding="utf-8"?>
-<p:sld xmlns:a="http://schemas.openxmlformats.org/drawingml/2006/main" xmlns:r="http://schemas.openxmlformats.org/officeDocument/2006/relationships" xmlns:p="http://schemas.openxmlformats.org/presentationml/2006/main">
-  <p:cSld>
-    <p:spTree>
-      <p:nvGrpSpPr>
-        <p:cNvPr id="1" name="">
-          <a:extLst>
-            <a:ext uri="{FF2B5EF4-FFF2-40B4-BE49-F238E27FC236}">
-              <a16:creationId xmlns:a16="http://schemas.microsoft.com/office/drawing/2014/main" id="{E0633E25-B07D-5538-D179-24FF9D4DF15E}"/>
-            </a:ext>
-          </a:extLst>
-        </p:cNvPr>
-        <p:cNvGrpSpPr/>
-        <p:nvPr/>
-      </p:nvGrpSpPr>
-      <p:grpSpPr>
-        <a:xfrm>
-          <a:off x="0" y="0"/>
-          <a:ext cx="0" cy="0"/>
-          <a:chOff x="0" y="0"/>
-          <a:chExt cx="0" cy="0"/>
-        </a:xfrm>
-      </p:grpSpPr>
-      <p:pic>
-        <p:nvPicPr>
-          <p:cNvPr id="21" name="Marcador de posición de imagen 20" descr="Apretón de manos de dos personas">
-            <a:extLst>
-              <a:ext uri="{FF2B5EF4-FFF2-40B4-BE49-F238E27FC236}">
-                <a16:creationId xmlns:a16="http://schemas.microsoft.com/office/drawing/2014/main" id="{76A27537-4415-A4BD-7314-2393EFF0B67C}"/>
-              </a:ext>
-            </a:extLst>
-          </p:cNvPr>
-          <p:cNvPicPr>
-            <a:picLocks noGrp="1" noChangeAspect="1"/>
-          </p:cNvPicPr>
-          <p:nvPr>
-            <p:ph type="pic" sz="quarter" idx="13"/>
-          </p:nvPr>
-        </p:nvPicPr>
-        <p:blipFill>
-          <a:blip r:embed="rId3">
-            <a:extLst>
-              <a:ext uri="{28A0092B-C50C-407E-A947-70E740481C1C}">
-                <a14:useLocalDpi xmlns:a14="http://schemas.microsoft.com/office/drawing/2010/main" val="0"/>
-              </a:ext>
-            </a:extLst>
-          </a:blip>
-          <a:stretch>
-            <a:fillRect/>
-          </a:stretch>
-        </p:blipFill>
-        <p:spPr>
-          <a:xfrm>
-            <a:off x="0" y="0"/>
-            <a:ext cx="12192000" cy="6858000"/>
-          </a:xfrm>
-        </p:spPr>
-      </p:pic>
-      <p:sp>
-        <p:nvSpPr>
-          <p:cNvPr id="22" name="objeto 3" descr="Rectángulo azul">
-            <a:extLst>
-              <a:ext uri="{FF2B5EF4-FFF2-40B4-BE49-F238E27FC236}">
-                <a16:creationId xmlns:a16="http://schemas.microsoft.com/office/drawing/2014/main" id="{D6BC2CA9-EEE2-6423-B8A4-554047F95D3B}"/>
-              </a:ext>
-            </a:extLst>
-          </p:cNvPr>
-          <p:cNvSpPr/>
-          <p:nvPr/>
-        </p:nvSpPr>
-        <p:spPr>
-          <a:xfrm>
-            <a:off x="0" y="0"/>
-            <a:ext cx="12189600" cy="6858000"/>
-          </a:xfrm>
-          <a:custGeom>
-            <a:avLst/>
-            <a:gdLst/>
-            <a:ahLst/>
-            <a:cxnLst/>
-            <a:rect l="l" t="t" r="r" b="b"/>
-            <a:pathLst>
-              <a:path w="12189460" h="6858000">
-                <a:moveTo>
-                  <a:pt x="0" y="6858000"/>
-                </a:moveTo>
-                <a:lnTo>
-                  <a:pt x="12188952" y="6858000"/>
-                </a:lnTo>
-                <a:lnTo>
-                  <a:pt x="12188952" y="0"/>
-                </a:lnTo>
-                <a:lnTo>
-                  <a:pt x="0" y="0"/>
-                </a:lnTo>
-                <a:lnTo>
-                  <a:pt x="0" y="6858000"/>
-                </a:lnTo>
-                <a:close/>
-              </a:path>
-            </a:pathLst>
-          </a:custGeom>
-          <a:solidFill>
-            <a:schemeClr val="tx2">
-              <a:alpha val="69999"/>
-            </a:schemeClr>
-          </a:solidFill>
-        </p:spPr>
-        <p:txBody>
-          <a:bodyPr wrap="square" lIns="0" tIns="0" rIns="0" bIns="0" rtlCol="0"/>
-          <a:lstStyle/>
-          <a:p>
-            <a:pPr rtl="0"/>
-            <a:endParaRPr lang="es-ES" dirty="0"/>
-          </a:p>
-        </p:txBody>
-      </p:sp>
-      <p:sp>
-        <p:nvSpPr>
-          <p:cNvPr id="10" name="Marcador de contenido 9">
-            <a:extLst>
-              <a:ext uri="{FF2B5EF4-FFF2-40B4-BE49-F238E27FC236}">
-                <a16:creationId xmlns:a16="http://schemas.microsoft.com/office/drawing/2014/main" id="{84376F3A-3F54-30F0-8FAE-43572A6F7A34}"/>
-              </a:ext>
-            </a:extLst>
-          </p:cNvPr>
-          <p:cNvSpPr>
-            <a:spLocks noGrp="1"/>
-          </p:cNvSpPr>
-          <p:nvPr>
-            <p:ph sz="half" idx="15"/>
-          </p:nvPr>
-        </p:nvSpPr>
-        <p:spPr bwMode="white">
-          <a:xfrm>
-            <a:off x="8317456" y="2300984"/>
-            <a:ext cx="3353001" cy="1922438"/>
-          </a:xfrm>
-        </p:spPr>
-        <p:txBody>
-          <a:bodyPr rtlCol="0">
-            <a:noAutofit/>
-          </a:bodyPr>
-          <a:lstStyle/>
-          <a:p>
-            <a:pPr marL="12700" rtl="0">
-              <a:lnSpc>
-                <a:spcPct val="120000"/>
-              </a:lnSpc>
-              <a:spcBef>
-                <a:spcPts val="100"/>
-              </a:spcBef>
-            </a:pPr>
-            <a:r>
-              <a:rPr lang="es-ES" sz="2000" b="1" dirty="0">
-                <a:solidFill>
-                  <a:schemeClr val="bg1"/>
-                </a:solidFill>
-              </a:rPr>
-              <a:t>Tolerancia a fallos</a:t>
-            </a:r>
-          </a:p>
-          <a:p>
-            <a:pPr marR="5080" rtl="0">
-              <a:lnSpc>
-                <a:spcPct val="100000"/>
-              </a:lnSpc>
-              <a:spcBef>
-                <a:spcPts val="600"/>
-              </a:spcBef>
-            </a:pPr>
-            <a:r>
-              <a:rPr lang="es-ES" i="1" spc="-15" dirty="0">
-                <a:solidFill>
-                  <a:schemeClr val="bg2">
-                    <a:lumMod val="20000"/>
-                    <a:lumOff val="80000"/>
-                  </a:schemeClr>
-                </a:solidFill>
-                <a:cs typeface="Arial"/>
-              </a:rPr>
-              <a:t>Luces de la casa y sistema de acceso desvinculados por MCU</a:t>
-            </a:r>
-          </a:p>
-        </p:txBody>
-      </p:sp>
-      <p:sp>
-        <p:nvSpPr>
-          <p:cNvPr id="9" name="Marcador de contenido 8">
-            <a:extLst>
-              <a:ext uri="{FF2B5EF4-FFF2-40B4-BE49-F238E27FC236}">
-                <a16:creationId xmlns:a16="http://schemas.microsoft.com/office/drawing/2014/main" id="{E06096BD-FBE6-2064-94A5-D3078B39E6E4}"/>
-              </a:ext>
-            </a:extLst>
-          </p:cNvPr>
-          <p:cNvSpPr>
-            <a:spLocks noGrp="1"/>
-          </p:cNvSpPr>
-          <p:nvPr>
-            <p:ph sz="half" idx="14"/>
-          </p:nvPr>
-        </p:nvSpPr>
-        <p:spPr bwMode="white">
-          <a:xfrm>
-            <a:off x="4681317" y="2313121"/>
-            <a:ext cx="3148965" cy="1922438"/>
-          </a:xfrm>
-        </p:spPr>
-        <p:txBody>
-          <a:bodyPr rtlCol="0">
-            <a:noAutofit/>
-          </a:bodyPr>
-          <a:lstStyle/>
-          <a:p>
-            <a:pPr marL="12700" rtl="0">
-              <a:lnSpc>
-                <a:spcPct val="120000"/>
-              </a:lnSpc>
-              <a:spcBef>
-                <a:spcPts val="100"/>
-              </a:spcBef>
-            </a:pPr>
-            <a:r>
-              <a:rPr lang="es-ES" sz="2000" b="1" dirty="0">
-                <a:solidFill>
-                  <a:schemeClr val="bg1"/>
-                </a:solidFill>
-              </a:rPr>
-              <a:t>Usabilidad</a:t>
-            </a:r>
-          </a:p>
-          <a:p>
-            <a:pPr marR="5080" rtl="0">
-              <a:lnSpc>
-                <a:spcPct val="100000"/>
-              </a:lnSpc>
-              <a:spcBef>
-                <a:spcPts val="600"/>
-              </a:spcBef>
-            </a:pPr>
-            <a:r>
-              <a:rPr lang="es-ES" i="1" spc="-15" dirty="0">
-                <a:solidFill>
-                  <a:schemeClr val="bg2">
-                    <a:lumMod val="20000"/>
-                    <a:lumOff val="80000"/>
-                  </a:schemeClr>
-                </a:solidFill>
-                <a:cs typeface="Arial"/>
-              </a:rPr>
-              <a:t>Uso de interfaz en </a:t>
-            </a:r>
-            <a:r>
-              <a:rPr lang="es-ES" i="1" spc="-15" dirty="0" err="1">
-                <a:solidFill>
-                  <a:schemeClr val="bg2">
-                    <a:lumMod val="20000"/>
-                    <a:lumOff val="80000"/>
-                  </a:schemeClr>
-                </a:solidFill>
-                <a:cs typeface="Arial"/>
-              </a:rPr>
-              <a:t>Labview</a:t>
-            </a:r>
-            <a:endParaRPr lang="es-ES" i="1" spc="-15" dirty="0">
-              <a:solidFill>
-                <a:schemeClr val="bg2">
-                  <a:lumMod val="20000"/>
-                  <a:lumOff val="80000"/>
-                </a:schemeClr>
-              </a:solidFill>
-              <a:cs typeface="Arial"/>
-            </a:endParaRPr>
-          </a:p>
-          <a:p>
-            <a:pPr marR="5080" rtl="0">
-              <a:lnSpc>
-                <a:spcPct val="100000"/>
-              </a:lnSpc>
-              <a:spcBef>
-                <a:spcPts val="600"/>
-              </a:spcBef>
-            </a:pPr>
-            <a:r>
-              <a:rPr lang="es-ES" i="1" spc="-15" dirty="0">
-                <a:solidFill>
-                  <a:schemeClr val="bg2">
-                    <a:lumMod val="20000"/>
-                    <a:lumOff val="80000"/>
-                  </a:schemeClr>
-                </a:solidFill>
-                <a:cs typeface="Arial"/>
-              </a:rPr>
-              <a:t>Visualización de notificaciones en pantalla LCD</a:t>
-            </a:r>
-          </a:p>
-        </p:txBody>
-      </p:sp>
-      <p:sp>
-        <p:nvSpPr>
-          <p:cNvPr id="2" name="Marcador de número de diapositiva 1">
-            <a:extLst>
-              <a:ext uri="{FF2B5EF4-FFF2-40B4-BE49-F238E27FC236}">
-                <a16:creationId xmlns:a16="http://schemas.microsoft.com/office/drawing/2014/main" id="{19A9F5CB-1317-642E-35C8-FA6CA492A711}"/>
-              </a:ext>
-            </a:extLst>
-          </p:cNvPr>
-          <p:cNvSpPr>
-            <a:spLocks noGrp="1"/>
-          </p:cNvSpPr>
-          <p:nvPr>
-            <p:ph type="sldNum" sz="quarter" idx="12"/>
-          </p:nvPr>
-        </p:nvSpPr>
-        <p:spPr/>
-        <p:txBody>
-          <a:bodyPr rtlCol="0"/>
-          <a:lstStyle/>
-          <a:p>
-            <a:pPr rtl="0"/>
-            <a:fld id="{82EE24B5-652C-4DB5-B7C3-B5BBEC1280B1}" type="slidenum">
-              <a:rPr lang="es-ES" sz="1000" smtClean="0"/>
-              <a:t>6</a:t>
-            </a:fld>
-            <a:endParaRPr lang="es-ES" sz="1000" dirty="0"/>
-          </a:p>
-        </p:txBody>
-      </p:sp>
-      <p:sp>
-        <p:nvSpPr>
-          <p:cNvPr id="6" name="Título 5">
-            <a:extLst>
-              <a:ext uri="{FF2B5EF4-FFF2-40B4-BE49-F238E27FC236}">
-                <a16:creationId xmlns:a16="http://schemas.microsoft.com/office/drawing/2014/main" id="{A787AD31-7BF2-F1A3-7AF4-F2E90A347975}"/>
-              </a:ext>
-            </a:extLst>
-          </p:cNvPr>
-          <p:cNvSpPr>
-            <a:spLocks noGrp="1"/>
-          </p:cNvSpPr>
-          <p:nvPr>
-            <p:ph type="title"/>
-          </p:nvPr>
-        </p:nvSpPr>
-        <p:spPr bwMode="ltGray">
-          <a:xfrm>
-            <a:off x="818028" y="365125"/>
-            <a:ext cx="10515600" cy="1325563"/>
-          </a:xfrm>
-        </p:spPr>
-        <p:txBody>
-          <a:bodyPr rtlCol="0"/>
-          <a:lstStyle/>
-          <a:p>
-            <a:pPr rtl="0"/>
-            <a:r>
-              <a:rPr lang="es-ES" dirty="0">
-                <a:solidFill>
-                  <a:schemeClr val="bg1"/>
-                </a:solidFill>
-              </a:rPr>
-              <a:t>REQUISITOS NO FUNCIONALES</a:t>
-            </a:r>
-            <a:endParaRPr lang="es-ES" dirty="0"/>
-          </a:p>
-        </p:txBody>
-      </p:sp>
-      <p:sp>
-        <p:nvSpPr>
-          <p:cNvPr id="7" name="Marcador de contenido 6">
-            <a:extLst>
-              <a:ext uri="{FF2B5EF4-FFF2-40B4-BE49-F238E27FC236}">
-                <a16:creationId xmlns:a16="http://schemas.microsoft.com/office/drawing/2014/main" id="{D7CC9EE7-E4BB-AC98-4925-1E96A502A036}"/>
-              </a:ext>
-            </a:extLst>
-          </p:cNvPr>
-          <p:cNvSpPr>
-            <a:spLocks noGrp="1"/>
-          </p:cNvSpPr>
-          <p:nvPr>
-            <p:ph sz="half" idx="1"/>
-          </p:nvPr>
-        </p:nvSpPr>
-        <p:spPr bwMode="white">
-          <a:xfrm>
-            <a:off x="1175030" y="2313120"/>
-            <a:ext cx="3148965" cy="2146629"/>
-          </a:xfrm>
-        </p:spPr>
-        <p:txBody>
-          <a:bodyPr rtlCol="0">
-            <a:noAutofit/>
-          </a:bodyPr>
-          <a:lstStyle/>
-          <a:p>
-            <a:pPr marL="12700" rtl="0">
-              <a:lnSpc>
-                <a:spcPct val="120000"/>
-              </a:lnSpc>
-              <a:spcBef>
-                <a:spcPts val="100"/>
-              </a:spcBef>
-            </a:pPr>
-            <a:r>
-              <a:rPr lang="es-ES" sz="2000" b="1" dirty="0">
-                <a:solidFill>
-                  <a:schemeClr val="bg1"/>
-                </a:solidFill>
-              </a:rPr>
-              <a:t>Escalabilidad</a:t>
-            </a:r>
-          </a:p>
-          <a:p>
-            <a:pPr marR="5080" rtl="0">
-              <a:lnSpc>
-                <a:spcPct val="100000"/>
-              </a:lnSpc>
-              <a:spcBef>
-                <a:spcPts val="600"/>
-              </a:spcBef>
-            </a:pPr>
-            <a:r>
-              <a:rPr lang="es-ES" i="1" spc="-15" dirty="0">
-                <a:solidFill>
-                  <a:schemeClr val="bg2">
-                    <a:lumMod val="20000"/>
-                    <a:lumOff val="80000"/>
-                  </a:schemeClr>
-                </a:solidFill>
-                <a:cs typeface="Arial"/>
-              </a:rPr>
-              <a:t>Posibilidad de adaptación del sistema para más habitaciones</a:t>
-            </a:r>
-          </a:p>
-          <a:p>
-            <a:pPr marR="5080" rtl="0">
-              <a:lnSpc>
-                <a:spcPct val="100000"/>
-              </a:lnSpc>
-              <a:spcBef>
-                <a:spcPts val="600"/>
-              </a:spcBef>
-            </a:pPr>
-            <a:r>
-              <a:rPr lang="es-ES" i="1" spc="-15" dirty="0">
-                <a:solidFill>
-                  <a:schemeClr val="bg2">
-                    <a:lumMod val="20000"/>
-                    <a:lumOff val="80000"/>
-                  </a:schemeClr>
-                </a:solidFill>
-                <a:cs typeface="Arial"/>
-              </a:rPr>
-              <a:t>Base de datos con gran capacidad de almacenamiento</a:t>
-            </a:r>
-          </a:p>
-          <a:p>
-            <a:pPr marR="5080" rtl="0">
-              <a:lnSpc>
-                <a:spcPct val="120000"/>
-              </a:lnSpc>
-              <a:spcBef>
-                <a:spcPts val="600"/>
-              </a:spcBef>
-            </a:pPr>
-            <a:endParaRPr lang="es-ES" sz="1800" i="1" spc="-15" dirty="0">
-              <a:solidFill>
-                <a:schemeClr val="bg2">
-                  <a:lumMod val="20000"/>
-                  <a:lumOff val="80000"/>
-                </a:schemeClr>
-              </a:solidFill>
-              <a:cs typeface="Arial"/>
-            </a:endParaRPr>
-          </a:p>
-        </p:txBody>
-      </p:sp>
-      <p:pic>
-        <p:nvPicPr>
-          <p:cNvPr id="36" name="Marcador de posición de imagen 35" descr="Icono comprobación">
-            <a:extLst>
-              <a:ext uri="{FF2B5EF4-FFF2-40B4-BE49-F238E27FC236}">
-                <a16:creationId xmlns:a16="http://schemas.microsoft.com/office/drawing/2014/main" id="{749A160C-BBDA-3B64-B90E-1156644569FA}"/>
-              </a:ext>
-            </a:extLst>
-          </p:cNvPr>
-          <p:cNvPicPr>
-            <a:picLocks noGrp="1" noChangeAspect="1"/>
-          </p:cNvPicPr>
-          <p:nvPr>
-            <p:ph type="pic" sz="quarter" idx="19"/>
-          </p:nvPr>
-        </p:nvPicPr>
-        <p:blipFill>
-          <a:blip r:embed="rId4" cstate="hqprint">
-            <a:extLst>
-              <a:ext uri="{28A0092B-C50C-407E-A947-70E740481C1C}">
-                <a14:useLocalDpi xmlns:a14="http://schemas.microsoft.com/office/drawing/2010/main" val="0"/>
-              </a:ext>
-            </a:extLst>
-          </a:blip>
-          <a:srcRect/>
-          <a:stretch>
-            <a:fillRect/>
-          </a:stretch>
-        </p:blipFill>
-        <p:spPr bwMode="white">
-          <a:xfrm>
-            <a:off x="676154" y="2289870"/>
-            <a:ext cx="576000" cy="576000"/>
-          </a:xfrm>
-        </p:spPr>
-      </p:pic>
-      <p:pic>
-        <p:nvPicPr>
-          <p:cNvPr id="38" name="Marcador de posición de imagen 37" descr="Icono comprobación">
-            <a:extLst>
-              <a:ext uri="{FF2B5EF4-FFF2-40B4-BE49-F238E27FC236}">
-                <a16:creationId xmlns:a16="http://schemas.microsoft.com/office/drawing/2014/main" id="{AD7B8E51-1BFC-9105-4D38-F4623C7A79AA}"/>
-              </a:ext>
-            </a:extLst>
-          </p:cNvPr>
-          <p:cNvPicPr>
-            <a:picLocks noGrp="1" noChangeAspect="1"/>
-          </p:cNvPicPr>
-          <p:nvPr>
-            <p:ph type="pic" sz="quarter" idx="20"/>
-          </p:nvPr>
-        </p:nvPicPr>
-        <p:blipFill>
-          <a:blip r:embed="rId4" cstate="hqprint">
-            <a:extLst>
-              <a:ext uri="{28A0092B-C50C-407E-A947-70E740481C1C}">
-                <a14:useLocalDpi xmlns:a14="http://schemas.microsoft.com/office/drawing/2010/main" val="0"/>
-              </a:ext>
-            </a:extLst>
-          </a:blip>
-          <a:srcRect/>
-          <a:stretch>
-            <a:fillRect/>
-          </a:stretch>
-        </p:blipFill>
-        <p:spPr bwMode="white">
-          <a:xfrm>
-            <a:off x="4216111" y="2289870"/>
-            <a:ext cx="576000" cy="576000"/>
-          </a:xfrm>
-        </p:spPr>
-      </p:pic>
-      <p:pic>
-        <p:nvPicPr>
-          <p:cNvPr id="40" name="Marcador de posición de imagen 39" descr="Icono comprobación">
-            <a:extLst>
-              <a:ext uri="{FF2B5EF4-FFF2-40B4-BE49-F238E27FC236}">
-                <a16:creationId xmlns:a16="http://schemas.microsoft.com/office/drawing/2014/main" id="{D2CF1308-156A-A869-C6E2-7A530DAF1975}"/>
-              </a:ext>
-            </a:extLst>
-          </p:cNvPr>
-          <p:cNvPicPr>
-            <a:picLocks noGrp="1" noChangeAspect="1"/>
-          </p:cNvPicPr>
-          <p:nvPr>
-            <p:ph type="pic" sz="quarter" idx="21"/>
-          </p:nvPr>
-        </p:nvPicPr>
-        <p:blipFill>
-          <a:blip r:embed="rId4" cstate="hqprint">
-            <a:extLst>
-              <a:ext uri="{28A0092B-C50C-407E-A947-70E740481C1C}">
-                <a14:useLocalDpi xmlns:a14="http://schemas.microsoft.com/office/drawing/2010/main" val="0"/>
-              </a:ext>
-            </a:extLst>
-          </a:blip>
-          <a:srcRect/>
-          <a:stretch>
-            <a:fillRect/>
-          </a:stretch>
-        </p:blipFill>
-        <p:spPr bwMode="white">
-          <a:xfrm>
-            <a:off x="7852983" y="2289870"/>
-            <a:ext cx="576000" cy="576000"/>
-          </a:xfrm>
-        </p:spPr>
-      </p:pic>
-      <p:sp>
-        <p:nvSpPr>
-          <p:cNvPr id="24" name="objeto 5" descr="Rectángulo beige">
-            <a:extLst>
-              <a:ext uri="{FF2B5EF4-FFF2-40B4-BE49-F238E27FC236}">
-                <a16:creationId xmlns:a16="http://schemas.microsoft.com/office/drawing/2014/main" id="{5A87AB0E-A426-F4FA-225C-CBB58B2965A8}"/>
-              </a:ext>
-            </a:extLst>
-          </p:cNvPr>
-          <p:cNvSpPr/>
-          <p:nvPr/>
-        </p:nvSpPr>
-        <p:spPr bwMode="ltGray">
-          <a:xfrm>
-            <a:off x="929705" y="1339122"/>
-            <a:ext cx="4651200" cy="0"/>
-          </a:xfrm>
-          <a:custGeom>
-            <a:avLst/>
-            <a:gdLst/>
-            <a:ahLst/>
-            <a:cxnLst/>
-            <a:rect l="l" t="t" r="r" b="b"/>
-            <a:pathLst>
-              <a:path w="3931920">
-                <a:moveTo>
-                  <a:pt x="0" y="0"/>
-                </a:moveTo>
-                <a:lnTo>
-                  <a:pt x="3931920" y="0"/>
-                </a:lnTo>
-              </a:path>
-            </a:pathLst>
-          </a:custGeom>
-          <a:ln w="54864">
-            <a:solidFill>
-              <a:schemeClr val="accent1"/>
-            </a:solidFill>
-          </a:ln>
-        </p:spPr>
-        <p:txBody>
-          <a:bodyPr wrap="square" lIns="0" tIns="0" rIns="0" bIns="0" rtlCol="0"/>
-          <a:lstStyle/>
-          <a:p>
-            <a:pPr rtl="0"/>
-            <a:endParaRPr lang="es-ES" dirty="0"/>
-          </a:p>
-        </p:txBody>
-      </p:sp>
-    </p:spTree>
-    <p:extLst>
-      <p:ext uri="{BB962C8B-B14F-4D97-AF65-F5344CB8AC3E}">
-        <p14:creationId xmlns:p14="http://schemas.microsoft.com/office/powerpoint/2010/main" val="1504568085"/>
-      </p:ext>
-    </p:extLst>
-  </p:cSld>
-  <p:clrMapOvr>
-    <a:masterClrMapping/>
-  </p:clrMapOvr>
-</p:sld>
-</file>
-
-<file path=ppt/slides/slide7.xml><?xml version="1.0" encoding="utf-8"?>
-<p:sld xmlns:a="http://schemas.openxmlformats.org/drawingml/2006/main" xmlns:r="http://schemas.openxmlformats.org/officeDocument/2006/relationships" xmlns:p="http://schemas.openxmlformats.org/presentationml/2006/main">
-  <p:cSld>
-    <p:spTree>
-      <p:nvGrpSpPr>
-        <p:cNvPr id="1" name=""/>
-        <p:cNvGrpSpPr/>
-        <p:nvPr/>
-      </p:nvGrpSpPr>
-      <p:grpSpPr>
-        <a:xfrm>
-          <a:off x="0" y="0"/>
-          <a:ext cx="0" cy="0"/>
-          <a:chOff x="0" y="0"/>
-          <a:chExt cx="0" cy="0"/>
-        </a:xfrm>
-      </p:grpSpPr>
-      <p:pic>
-        <p:nvPicPr>
-          <p:cNvPr id="11" name="Marcador de posición de imagen 10" descr="Personas que debaten algo">
-            <a:extLst>
-              <a:ext uri="{FF2B5EF4-FFF2-40B4-BE49-F238E27FC236}">
-                <a16:creationId xmlns:a16="http://schemas.microsoft.com/office/drawing/2014/main" id="{AA6A75DC-BE31-480B-B034-B1DF7AFA5097}"/>
-              </a:ext>
-            </a:extLst>
-          </p:cNvPr>
-          <p:cNvPicPr>
-            <a:picLocks noGrp="1" noChangeAspect="1"/>
-          </p:cNvPicPr>
-          <p:nvPr>
-            <p:ph type="pic" sz="quarter" idx="13"/>
-          </p:nvPr>
-        </p:nvPicPr>
-        <p:blipFill rotWithShape="1">
-          <a:blip r:embed="rId3">
-            <a:extLst>
-              <a:ext uri="{28A0092B-C50C-407E-A947-70E740481C1C}">
-                <a14:useLocalDpi xmlns:a14="http://schemas.microsoft.com/office/drawing/2010/main" val="0"/>
-              </a:ext>
-            </a:extLst>
-          </a:blip>
-          <a:srcRect/>
-          <a:stretch/>
-        </p:blipFill>
-        <p:spPr>
-          <a:xfrm>
-            <a:off x="0" y="3115389"/>
-            <a:ext cx="12192000" cy="3742611"/>
-          </a:xfrm>
-        </p:spPr>
-      </p:pic>
-      <p:sp>
-        <p:nvSpPr>
-          <p:cNvPr id="12" name="objeto 3" descr="Rectángulo azul">
-            <a:extLst>
-              <a:ext uri="{FF2B5EF4-FFF2-40B4-BE49-F238E27FC236}">
-                <a16:creationId xmlns:a16="http://schemas.microsoft.com/office/drawing/2014/main" id="{CDEEA71D-C3B3-45BB-A776-D17D92A58127}"/>
-              </a:ext>
-            </a:extLst>
-          </p:cNvPr>
-          <p:cNvSpPr/>
-          <p:nvPr/>
-        </p:nvSpPr>
-        <p:spPr>
-          <a:xfrm>
-            <a:off x="2400" y="3115389"/>
-            <a:ext cx="12189600" cy="3742611"/>
-          </a:xfrm>
-          <a:custGeom>
-            <a:avLst/>
-            <a:gdLst/>
-            <a:ahLst/>
-            <a:cxnLst/>
-            <a:rect l="l" t="t" r="r" b="b"/>
-            <a:pathLst>
-              <a:path w="12189460" h="6858000">
-                <a:moveTo>
-                  <a:pt x="0" y="6858000"/>
-                </a:moveTo>
-                <a:lnTo>
-                  <a:pt x="12188952" y="6858000"/>
-                </a:lnTo>
-                <a:lnTo>
-                  <a:pt x="12188952" y="0"/>
-                </a:lnTo>
-                <a:lnTo>
-                  <a:pt x="0" y="0"/>
-                </a:lnTo>
-                <a:lnTo>
-                  <a:pt x="0" y="6858000"/>
-                </a:lnTo>
-                <a:close/>
-              </a:path>
-            </a:pathLst>
-          </a:custGeom>
-          <a:solidFill>
-            <a:schemeClr val="tx2">
-              <a:alpha val="80000"/>
-            </a:schemeClr>
-          </a:solidFill>
-        </p:spPr>
-        <p:txBody>
-          <a:bodyPr wrap="square" lIns="0" tIns="0" rIns="0" bIns="0" rtlCol="0"/>
-          <a:lstStyle/>
-          <a:p>
-            <a:pPr rtl="0"/>
-            <a:endParaRPr lang="es-ES" dirty="0"/>
-          </a:p>
-        </p:txBody>
-      </p:sp>
-      <p:sp>
-        <p:nvSpPr>
-          <p:cNvPr id="13" name="Elipse 12" descr="Óvalo beige">
-            <a:extLst>
-              <a:ext uri="{FF2B5EF4-FFF2-40B4-BE49-F238E27FC236}">
-                <a16:creationId xmlns:a16="http://schemas.microsoft.com/office/drawing/2014/main" id="{F336552F-CA64-452F-9BD8-01334388BFF5}"/>
-              </a:ext>
-            </a:extLst>
-          </p:cNvPr>
-          <p:cNvSpPr/>
-          <p:nvPr/>
-        </p:nvSpPr>
-        <p:spPr>
-          <a:xfrm>
-            <a:off x="11562237" y="6227432"/>
-            <a:ext cx="266400" cy="266400"/>
-          </a:xfrm>
-          <a:prstGeom prst="ellipse">
-            <a:avLst/>
-          </a:prstGeom>
-          <a:solidFill>
-            <a:schemeClr val="accent1"/>
-          </a:solidFill>
-          <a:ln>
-            <a:noFill/>
-          </a:ln>
-        </p:spPr>
-        <p:style>
-          <a:lnRef idx="2">
-            <a:schemeClr val="accent1">
-              <a:shade val="50000"/>
-            </a:schemeClr>
-          </a:lnRef>
-          <a:fillRef idx="1">
-            <a:schemeClr val="accent1"/>
-          </a:fillRef>
-          <a:effectRef idx="0">
-            <a:schemeClr val="accent1"/>
-          </a:effectRef>
-          <a:fontRef idx="minor">
-            <a:schemeClr val="lt1"/>
-          </a:fontRef>
-        </p:style>
-        <p:txBody>
-          <a:bodyPr rtlCol="0" anchor="ctr"/>
-          <a:lstStyle/>
-          <a:p>
-            <a:pPr algn="ctr" rtl="0"/>
-            <a:endParaRPr lang="es-ES" dirty="0"/>
-          </a:p>
-        </p:txBody>
-      </p:sp>
-      <p:sp>
-        <p:nvSpPr>
-          <p:cNvPr id="3" name="Título 2">
-            <a:extLst>
-              <a:ext uri="{FF2B5EF4-FFF2-40B4-BE49-F238E27FC236}">
-                <a16:creationId xmlns:a16="http://schemas.microsoft.com/office/drawing/2014/main" id="{F9ADB42F-AE48-4323-897F-DB5A083BD103}"/>
-              </a:ext>
-            </a:extLst>
-          </p:cNvPr>
-          <p:cNvSpPr>
-            <a:spLocks noGrp="1"/>
-          </p:cNvSpPr>
-          <p:nvPr>
-            <p:ph type="title"/>
-          </p:nvPr>
-        </p:nvSpPr>
-        <p:spPr>
-          <a:xfrm>
-            <a:off x="806168" y="365125"/>
-            <a:ext cx="10515600" cy="1325563"/>
-          </a:xfrm>
-        </p:spPr>
-        <p:txBody>
-          <a:bodyPr rtlCol="0"/>
-          <a:lstStyle/>
-          <a:p>
-            <a:pPr rtl="0"/>
-            <a:r>
-              <a:rPr lang="es-ES" dirty="0"/>
-              <a:t>PROTOTIPO Y PRODUCCIÓN</a:t>
-            </a:r>
-          </a:p>
-        </p:txBody>
-      </p:sp>
-      <p:sp>
-        <p:nvSpPr>
-          <p:cNvPr id="4" name="Marcador de texto 3">
-            <a:extLst>
-              <a:ext uri="{FF2B5EF4-FFF2-40B4-BE49-F238E27FC236}">
-                <a16:creationId xmlns:a16="http://schemas.microsoft.com/office/drawing/2014/main" id="{293C1E99-672F-46AE-BB08-DD22B0928366}"/>
-              </a:ext>
-            </a:extLst>
-          </p:cNvPr>
-          <p:cNvSpPr>
-            <a:spLocks noGrp="1"/>
-          </p:cNvSpPr>
-          <p:nvPr>
-            <p:ph type="body" idx="1"/>
-          </p:nvPr>
-        </p:nvSpPr>
-        <p:spPr bwMode="white">
-          <a:xfrm>
-            <a:off x="2153349" y="1985963"/>
-            <a:ext cx="3789362" cy="823912"/>
-          </a:xfrm>
-        </p:spPr>
-        <p:txBody>
-          <a:bodyPr rtlCol="0"/>
-          <a:lstStyle/>
-          <a:p>
-            <a:pPr rtl="0"/>
-            <a:r>
-              <a:rPr lang="es-ES" dirty="0"/>
-              <a:t>Costos de prototipo</a:t>
-            </a:r>
-          </a:p>
-        </p:txBody>
-      </p:sp>
-      <p:sp>
-        <p:nvSpPr>
-          <p:cNvPr id="5" name="Marcador de contenido 4">
-            <a:extLst>
-              <a:ext uri="{FF2B5EF4-FFF2-40B4-BE49-F238E27FC236}">
-                <a16:creationId xmlns:a16="http://schemas.microsoft.com/office/drawing/2014/main" id="{6DEAD4F2-C5CC-44E9-A092-76413D5CA7F4}"/>
-              </a:ext>
-            </a:extLst>
-          </p:cNvPr>
-          <p:cNvSpPr>
-            <a:spLocks noGrp="1"/>
-          </p:cNvSpPr>
-          <p:nvPr>
-            <p:ph sz="half" idx="2"/>
-          </p:nvPr>
-        </p:nvSpPr>
-        <p:spPr bwMode="white">
-          <a:xfrm>
-            <a:off x="1753410" y="3434047"/>
-            <a:ext cx="4052750" cy="2755616"/>
-          </a:xfrm>
-        </p:spPr>
-        <p:txBody>
-          <a:bodyPr rtlCol="0">
-            <a:normAutofit fontScale="92500" lnSpcReduction="20000"/>
-          </a:bodyPr>
-          <a:lstStyle/>
-          <a:p>
-            <a:pPr rtl="0">
-              <a:lnSpc>
-                <a:spcPct val="125000"/>
-              </a:lnSpc>
-              <a:spcBef>
-                <a:spcPts val="100"/>
-              </a:spcBef>
-              <a:buClr>
-                <a:schemeClr val="accent1"/>
-              </a:buClr>
-            </a:pPr>
-            <a:r>
-              <a:rPr lang="es-ES" sz="1800" i="1" dirty="0">
-                <a:solidFill>
-                  <a:srgbClr val="FFFFFF"/>
-                </a:solidFill>
-                <a:cs typeface="Arial"/>
-              </a:rPr>
-              <a:t>Pantalla LCD</a:t>
-            </a:r>
-            <a:r>
-              <a:rPr lang="es-ES" sz="1800" i="1" spc="-5" dirty="0">
-                <a:solidFill>
-                  <a:srgbClr val="FFFFFF"/>
-                </a:solidFill>
-                <a:cs typeface="Arial"/>
-              </a:rPr>
-              <a:t>:</a:t>
-            </a:r>
-            <a:r>
-              <a:rPr lang="es-ES" sz="1800" i="1" spc="-45" dirty="0">
-                <a:solidFill>
-                  <a:srgbClr val="FFFFFF"/>
-                </a:solidFill>
-                <a:cs typeface="Arial"/>
-              </a:rPr>
-              <a:t> </a:t>
-            </a:r>
-            <a:r>
-              <a:rPr lang="es-ES" sz="1800" b="1" i="1" spc="-5" dirty="0">
-                <a:solidFill>
-                  <a:schemeClr val="accent1"/>
-                </a:solidFill>
-                <a:cs typeface="Arial"/>
-              </a:rPr>
-              <a:t>$30.000</a:t>
-            </a:r>
-            <a:endParaRPr lang="es-ES" sz="1800" i="1" dirty="0">
-              <a:solidFill>
-                <a:schemeClr val="accent1"/>
-              </a:solidFill>
-              <a:cs typeface="Arial"/>
-            </a:endParaRPr>
-          </a:p>
-          <a:p>
-            <a:pPr rtl="0">
-              <a:lnSpc>
-                <a:spcPct val="125000"/>
-              </a:lnSpc>
-              <a:buClr>
-                <a:schemeClr val="accent1"/>
-              </a:buClr>
-            </a:pPr>
-            <a:r>
-              <a:rPr lang="es-ES" sz="1800" i="1" spc="-5" dirty="0">
-                <a:solidFill>
-                  <a:srgbClr val="FFFFFF"/>
-                </a:solidFill>
-                <a:cs typeface="Arial"/>
-              </a:rPr>
-              <a:t>Teclado matricial: </a:t>
-            </a:r>
-            <a:r>
-              <a:rPr lang="es-ES" sz="1800" b="1" i="1" spc="-5" dirty="0">
-                <a:solidFill>
-                  <a:schemeClr val="accent1"/>
-                </a:solidFill>
-                <a:cs typeface="Arial"/>
-              </a:rPr>
-              <a:t>$4.300</a:t>
-            </a:r>
-          </a:p>
-          <a:p>
-            <a:pPr rtl="0">
-              <a:lnSpc>
-                <a:spcPct val="125000"/>
-              </a:lnSpc>
-              <a:buClr>
-                <a:schemeClr val="accent1"/>
-              </a:buClr>
-            </a:pPr>
-            <a:r>
-              <a:rPr lang="es-ES" sz="1800" i="1" spc="-5" dirty="0">
-                <a:solidFill>
-                  <a:srgbClr val="FFFFFF"/>
-                </a:solidFill>
-                <a:cs typeface="Arial"/>
-              </a:rPr>
-              <a:t>Sensórica para luces</a:t>
-            </a:r>
-            <a:r>
-              <a:rPr lang="es-ES" sz="1800" i="1" spc="-35" dirty="0">
-                <a:solidFill>
-                  <a:srgbClr val="FFFFFF"/>
-                </a:solidFill>
-                <a:cs typeface="Arial"/>
-              </a:rPr>
-              <a:t>:</a:t>
-            </a:r>
-            <a:r>
-              <a:rPr lang="es-ES" sz="1800" i="1" spc="-15" dirty="0">
-                <a:solidFill>
-                  <a:srgbClr val="FFFFFF"/>
-                </a:solidFill>
-                <a:cs typeface="Arial"/>
-              </a:rPr>
-              <a:t> </a:t>
-            </a:r>
-            <a:r>
-              <a:rPr lang="es-ES" sz="1800" b="1" i="1" spc="-5" dirty="0">
-                <a:solidFill>
-                  <a:schemeClr val="accent1"/>
-                </a:solidFill>
-                <a:cs typeface="Arial"/>
-              </a:rPr>
-              <a:t>$21.600</a:t>
-            </a:r>
-          </a:p>
-          <a:p>
-            <a:pPr marR="775335" rtl="0">
-              <a:lnSpc>
-                <a:spcPct val="125000"/>
-              </a:lnSpc>
-              <a:buClr>
-                <a:schemeClr val="accent1"/>
-              </a:buClr>
-            </a:pPr>
-            <a:r>
-              <a:rPr lang="es-ES" sz="1800" i="1" dirty="0">
-                <a:solidFill>
-                  <a:srgbClr val="FFFFFF"/>
-                </a:solidFill>
-                <a:cs typeface="Arial"/>
-              </a:rPr>
-              <a:t>Control de temperatura: </a:t>
-            </a:r>
-            <a:r>
-              <a:rPr lang="es-ES" sz="1800" b="1" i="1" spc="-5" dirty="0">
-                <a:solidFill>
-                  <a:schemeClr val="accent1"/>
-                </a:solidFill>
-                <a:cs typeface="Arial"/>
-              </a:rPr>
-              <a:t>$45.000</a:t>
-            </a:r>
-          </a:p>
-          <a:p>
-            <a:pPr rtl="0">
-              <a:lnSpc>
-                <a:spcPct val="125000"/>
-              </a:lnSpc>
-              <a:buClr>
-                <a:schemeClr val="accent1"/>
-              </a:buClr>
-            </a:pPr>
-            <a:r>
-              <a:rPr lang="es-ES" sz="1800" i="1" spc="-25" dirty="0" err="1">
-                <a:solidFill>
-                  <a:srgbClr val="FFFFFF"/>
-                </a:solidFill>
-                <a:cs typeface="Arial"/>
-              </a:rPr>
-              <a:t>MCUs</a:t>
-            </a:r>
-            <a:r>
-              <a:rPr lang="es-ES" sz="1800" i="1" dirty="0">
-                <a:solidFill>
-                  <a:srgbClr val="FFFFFF"/>
-                </a:solidFill>
-                <a:cs typeface="Arial"/>
-              </a:rPr>
-              <a:t>:</a:t>
-            </a:r>
-            <a:r>
-              <a:rPr lang="es-ES" sz="1800" i="1" spc="-60" dirty="0">
-                <a:solidFill>
-                  <a:srgbClr val="FFFFFF"/>
-                </a:solidFill>
-                <a:cs typeface="Arial"/>
-              </a:rPr>
-              <a:t> </a:t>
-            </a:r>
-            <a:r>
-              <a:rPr lang="es-ES" sz="1800" b="1" i="1" spc="-5" dirty="0">
-                <a:solidFill>
-                  <a:schemeClr val="accent1"/>
-                </a:solidFill>
-                <a:cs typeface="Arial"/>
-              </a:rPr>
-              <a:t>$60.000</a:t>
-            </a:r>
-          </a:p>
-          <a:p>
-            <a:pPr>
-              <a:lnSpc>
-                <a:spcPct val="125000"/>
-              </a:lnSpc>
-              <a:buClr>
-                <a:schemeClr val="accent1"/>
-              </a:buClr>
-            </a:pPr>
-            <a:r>
-              <a:rPr lang="es-ES" sz="1800" i="1" spc="-25" dirty="0">
-                <a:solidFill>
-                  <a:srgbClr val="FFFFFF"/>
-                </a:solidFill>
-                <a:cs typeface="Arial"/>
-              </a:rPr>
-              <a:t>Fuentes y cableado</a:t>
-            </a:r>
-            <a:r>
-              <a:rPr lang="es-ES" sz="1800" i="1" dirty="0">
-                <a:solidFill>
-                  <a:srgbClr val="FFFFFF"/>
-                </a:solidFill>
-                <a:cs typeface="Arial"/>
-              </a:rPr>
-              <a:t>:</a:t>
-            </a:r>
-            <a:r>
-              <a:rPr lang="es-ES" sz="1800" i="1" spc="-60" dirty="0">
-                <a:solidFill>
-                  <a:srgbClr val="FFFFFF"/>
-                </a:solidFill>
-                <a:cs typeface="Arial"/>
-              </a:rPr>
-              <a:t> </a:t>
-            </a:r>
-            <a:r>
-              <a:rPr lang="es-ES" sz="1800" b="1" i="1" spc="-5" dirty="0">
-                <a:solidFill>
-                  <a:schemeClr val="accent1"/>
-                </a:solidFill>
-                <a:cs typeface="Arial"/>
-              </a:rPr>
-              <a:t>$55.100</a:t>
-            </a:r>
-          </a:p>
-          <a:p>
-            <a:pPr rtl="0">
-              <a:lnSpc>
-                <a:spcPct val="125000"/>
-              </a:lnSpc>
-              <a:buClr>
-                <a:schemeClr val="accent1"/>
-              </a:buClr>
-            </a:pPr>
-            <a:endParaRPr lang="es-ES" sz="1800" b="1" i="1" spc="-5" dirty="0">
-              <a:solidFill>
-                <a:schemeClr val="accent1"/>
-              </a:solidFill>
-              <a:cs typeface="Arial"/>
-            </a:endParaRPr>
-          </a:p>
-          <a:p>
-            <a:pPr rtl="0">
-              <a:lnSpc>
-                <a:spcPct val="125000"/>
-              </a:lnSpc>
-              <a:buClr>
-                <a:schemeClr val="accent1"/>
-              </a:buClr>
-            </a:pPr>
-            <a:endParaRPr lang="es-ES" sz="1800" b="1" i="1" spc="-5" dirty="0">
-              <a:solidFill>
-                <a:schemeClr val="accent1"/>
-              </a:solidFill>
-              <a:cs typeface="Arial"/>
-            </a:endParaRPr>
-          </a:p>
-        </p:txBody>
-      </p:sp>
-      <p:sp>
-        <p:nvSpPr>
-          <p:cNvPr id="6" name="Marcador de texto 5">
-            <a:extLst>
-              <a:ext uri="{FF2B5EF4-FFF2-40B4-BE49-F238E27FC236}">
-                <a16:creationId xmlns:a16="http://schemas.microsoft.com/office/drawing/2014/main" id="{38A73375-FA03-4191-8AD5-B40CD9B59B94}"/>
-              </a:ext>
-            </a:extLst>
-          </p:cNvPr>
-          <p:cNvSpPr>
-            <a:spLocks noGrp="1"/>
-          </p:cNvSpPr>
-          <p:nvPr>
-            <p:ph type="body" sz="quarter" idx="3"/>
-          </p:nvPr>
-        </p:nvSpPr>
-        <p:spPr bwMode="white"/>
-        <p:txBody>
-          <a:bodyPr rtlCol="0"/>
-          <a:lstStyle/>
-          <a:p>
-            <a:pPr rtl="0"/>
-            <a:r>
-              <a:rPr lang="es-ES" dirty="0"/>
-              <a:t>Producción en masa</a:t>
-            </a:r>
-          </a:p>
-        </p:txBody>
-      </p:sp>
-      <p:sp>
-        <p:nvSpPr>
-          <p:cNvPr id="7" name="Marcador de contenido 6">
-            <a:extLst>
-              <a:ext uri="{FF2B5EF4-FFF2-40B4-BE49-F238E27FC236}">
-                <a16:creationId xmlns:a16="http://schemas.microsoft.com/office/drawing/2014/main" id="{7E0C6FDF-5982-4E37-B65D-F7B05D0FFB52}"/>
-              </a:ext>
-            </a:extLst>
-          </p:cNvPr>
-          <p:cNvSpPr>
-            <a:spLocks noGrp="1"/>
-          </p:cNvSpPr>
-          <p:nvPr>
-            <p:ph sz="quarter" idx="4"/>
-          </p:nvPr>
-        </p:nvSpPr>
-        <p:spPr bwMode="white"/>
-        <p:txBody>
-          <a:bodyPr rtlCol="0">
-            <a:normAutofit/>
-          </a:bodyPr>
-          <a:lstStyle/>
-          <a:p>
-            <a:pPr rtl="0">
-              <a:lnSpc>
-                <a:spcPct val="125000"/>
-              </a:lnSpc>
-              <a:spcBef>
-                <a:spcPts val="100"/>
-              </a:spcBef>
-              <a:buClr>
-                <a:schemeClr val="accent1"/>
-              </a:buClr>
-            </a:pPr>
-            <a:r>
-              <a:rPr lang="es-ES" sz="1800" i="1" spc="-5" dirty="0">
-                <a:solidFill>
-                  <a:srgbClr val="FFFFFF"/>
-                </a:solidFill>
-                <a:cs typeface="Arial"/>
-              </a:rPr>
-              <a:t>Modularidad del diseño</a:t>
-            </a:r>
-            <a:endParaRPr lang="es-ES" sz="1800" b="1" i="1" spc="-5" dirty="0">
-              <a:solidFill>
-                <a:schemeClr val="accent1"/>
-              </a:solidFill>
-              <a:cs typeface="Arial"/>
-            </a:endParaRPr>
-          </a:p>
-          <a:p>
-            <a:pPr rtl="0">
-              <a:lnSpc>
-                <a:spcPct val="125000"/>
-              </a:lnSpc>
-              <a:buClr>
-                <a:schemeClr val="accent1"/>
-              </a:buClr>
-            </a:pPr>
-            <a:r>
-              <a:rPr lang="es-ES" sz="1800" i="1" dirty="0">
-                <a:solidFill>
-                  <a:srgbClr val="FFFFFF"/>
-                </a:solidFill>
-                <a:cs typeface="Arial"/>
-              </a:rPr>
-              <a:t>Costos adaptables al usuario (Plan básico y Premium)</a:t>
-            </a:r>
-            <a:endParaRPr lang="es-ES" sz="1800" b="1" i="1" spc="-5" dirty="0">
-              <a:solidFill>
-                <a:schemeClr val="accent1"/>
-              </a:solidFill>
-              <a:cs typeface="Arial"/>
-            </a:endParaRPr>
-          </a:p>
-          <a:p>
-            <a:pPr rtl="0">
-              <a:lnSpc>
-                <a:spcPct val="125000"/>
-              </a:lnSpc>
-              <a:buClr>
-                <a:schemeClr val="accent1"/>
-              </a:buClr>
-            </a:pPr>
-            <a:r>
-              <a:rPr lang="es-ES" sz="1800" i="1" dirty="0">
-                <a:solidFill>
-                  <a:srgbClr val="FFFFFF"/>
-                </a:solidFill>
-                <a:cs typeface="Arial"/>
-              </a:rPr>
-              <a:t>Fuentes de voltaje incorporadas</a:t>
-            </a:r>
-            <a:endParaRPr lang="es-ES" sz="1800" b="1" i="1" spc="-5" dirty="0">
-              <a:solidFill>
-                <a:schemeClr val="accent1"/>
-              </a:solidFill>
-              <a:cs typeface="Arial"/>
-            </a:endParaRPr>
-          </a:p>
-          <a:p>
-            <a:pPr rtl="0">
-              <a:lnSpc>
-                <a:spcPct val="125000"/>
-              </a:lnSpc>
-              <a:buClr>
-                <a:schemeClr val="accent1"/>
-              </a:buClr>
-            </a:pPr>
-            <a:r>
-              <a:rPr lang="es-ES" sz="1800" i="1" dirty="0">
-                <a:solidFill>
-                  <a:srgbClr val="FFFFFF"/>
-                </a:solidFill>
-                <a:cs typeface="Arial"/>
-              </a:rPr>
-              <a:t>Pruebas de calidad del diseño</a:t>
-            </a:r>
-          </a:p>
-          <a:p>
-            <a:pPr rtl="0">
-              <a:lnSpc>
-                <a:spcPct val="125000"/>
-              </a:lnSpc>
-              <a:buClr>
-                <a:schemeClr val="accent1"/>
-              </a:buClr>
-            </a:pPr>
-            <a:r>
-              <a:rPr lang="es-ES" sz="1800" i="1" dirty="0">
-                <a:solidFill>
-                  <a:srgbClr val="FFFFFF"/>
-                </a:solidFill>
-                <a:cs typeface="Arial"/>
-              </a:rPr>
-              <a:t>Estándar I2C de </a:t>
-            </a:r>
-            <a:r>
-              <a:rPr lang="es-ES" sz="1800" i="1" dirty="0" err="1">
-                <a:solidFill>
-                  <a:srgbClr val="FFFFFF"/>
-                </a:solidFill>
-                <a:cs typeface="Arial"/>
-              </a:rPr>
-              <a:t>Cx</a:t>
-            </a:r>
-            <a:r>
-              <a:rPr lang="es-ES" sz="1800" i="1" dirty="0">
-                <a:solidFill>
-                  <a:srgbClr val="FFFFFF"/>
-                </a:solidFill>
-                <a:cs typeface="Arial"/>
-              </a:rPr>
-              <a:t> con pantalla LCD</a:t>
-            </a:r>
-            <a:endParaRPr lang="es-ES" sz="1800" i="1" dirty="0"/>
-          </a:p>
-        </p:txBody>
-      </p:sp>
-      <p:sp>
-        <p:nvSpPr>
-          <p:cNvPr id="8" name="Marcador de número de diapositiva 7">
-            <a:extLst>
-              <a:ext uri="{FF2B5EF4-FFF2-40B4-BE49-F238E27FC236}">
-                <a16:creationId xmlns:a16="http://schemas.microsoft.com/office/drawing/2014/main" id="{68F7FB6B-EAC9-40F7-9522-61A8D53EFAF9}"/>
-              </a:ext>
-            </a:extLst>
-          </p:cNvPr>
-          <p:cNvSpPr>
-            <a:spLocks noGrp="1"/>
-          </p:cNvSpPr>
-          <p:nvPr>
-            <p:ph type="sldNum" sz="quarter" idx="12"/>
-          </p:nvPr>
-        </p:nvSpPr>
-        <p:spPr/>
-        <p:txBody>
-          <a:bodyPr rtlCol="0"/>
-          <a:lstStyle/>
-          <a:p>
-            <a:pPr rtl="0"/>
-            <a:fld id="{82EE24B5-652C-4DB5-B7C3-B5BBEC1280B1}" type="slidenum">
-              <a:rPr lang="es-ES" sz="1000" smtClean="0"/>
-              <a:t>7</a:t>
-            </a:fld>
-            <a:endParaRPr lang="es-ES" sz="1000" dirty="0"/>
-          </a:p>
-        </p:txBody>
-      </p:sp>
-      <p:sp>
-        <p:nvSpPr>
-          <p:cNvPr id="9" name="objeto 5" descr="Rectángulo beige">
-            <a:extLst>
-              <a:ext uri="{FF2B5EF4-FFF2-40B4-BE49-F238E27FC236}">
-                <a16:creationId xmlns:a16="http://schemas.microsoft.com/office/drawing/2014/main" id="{890F7762-BD37-4D33-9F80-1DA07B5E172E}"/>
-              </a:ext>
-            </a:extLst>
-          </p:cNvPr>
-          <p:cNvSpPr/>
-          <p:nvPr/>
-        </p:nvSpPr>
-        <p:spPr>
-          <a:xfrm>
-            <a:off x="915637" y="1346384"/>
-            <a:ext cx="4870800" cy="0"/>
-          </a:xfrm>
-          <a:custGeom>
-            <a:avLst/>
-            <a:gdLst/>
-            <a:ahLst/>
-            <a:cxnLst/>
-            <a:rect l="l" t="t" r="r" b="b"/>
-            <a:pathLst>
-              <a:path w="3931920">
-                <a:moveTo>
-                  <a:pt x="0" y="0"/>
-                </a:moveTo>
-                <a:lnTo>
-                  <a:pt x="3931920" y="0"/>
-                </a:lnTo>
-              </a:path>
-            </a:pathLst>
-          </a:custGeom>
-          <a:ln w="54864">
-            <a:solidFill>
-              <a:schemeClr val="accent1"/>
-            </a:solidFill>
-          </a:ln>
-        </p:spPr>
-        <p:txBody>
-          <a:bodyPr wrap="square" lIns="0" tIns="0" rIns="0" bIns="0" rtlCol="0"/>
-          <a:lstStyle/>
-          <a:p>
-            <a:pPr rtl="0"/>
-            <a:endParaRPr lang="es-ES" dirty="0"/>
-          </a:p>
-        </p:txBody>
-      </p:sp>
-    </p:spTree>
-    <p:extLst>
-      <p:ext uri="{BB962C8B-B14F-4D97-AF65-F5344CB8AC3E}">
-        <p14:creationId xmlns:p14="http://schemas.microsoft.com/office/powerpoint/2010/main" val="3327019842"/>
-      </p:ext>
-    </p:extLst>
-  </p:cSld>
-  <p:clrMapOvr>
-    <a:masterClrMapping/>
-  </p:clrMapOvr>
-</p:sld>
-</file>
-
-<file path=ppt/slides/slide8.xml><?xml version="1.0" encoding="utf-8"?>
-<p:sld xmlns:a="http://schemas.openxmlformats.org/drawingml/2006/main" xmlns:r="http://schemas.openxmlformats.org/officeDocument/2006/relationships" xmlns:p="http://schemas.openxmlformats.org/presentationml/2006/main">
-  <p:cSld>
-    <p:spTree>
-      <p:nvGrpSpPr>
-        <p:cNvPr id="1" name=""/>
-        <p:cNvGrpSpPr/>
-        <p:nvPr/>
-      </p:nvGrpSpPr>
-      <p:grpSpPr>
-        <a:xfrm>
-          <a:off x="0" y="0"/>
-          <a:ext cx="0" cy="0"/>
-          <a:chOff x="0" y="0"/>
-          <a:chExt cx="0" cy="0"/>
-        </a:xfrm>
-      </p:grpSpPr>
-      <p:sp>
-        <p:nvSpPr>
-          <p:cNvPr id="2" name="Título 1">
-            <a:extLst>
-              <a:ext uri="{FF2B5EF4-FFF2-40B4-BE49-F238E27FC236}">
-                <a16:creationId xmlns:a16="http://schemas.microsoft.com/office/drawing/2014/main" id="{26C5B371-F992-4547-B936-23F16F4488DA}"/>
-              </a:ext>
-            </a:extLst>
-          </p:cNvPr>
-          <p:cNvSpPr>
-            <a:spLocks noGrp="1"/>
-          </p:cNvSpPr>
-          <p:nvPr>
-            <p:ph type="title"/>
-          </p:nvPr>
-        </p:nvSpPr>
-        <p:spPr>
-          <a:xfrm>
-            <a:off x="799444" y="417362"/>
-            <a:ext cx="3932237" cy="1302111"/>
-          </a:xfrm>
-        </p:spPr>
-        <p:txBody>
-          <a:bodyPr rtlCol="0"/>
-          <a:lstStyle/>
-          <a:p>
-            <a:pPr rtl="0"/>
-            <a:r>
-              <a:rPr lang="es-ES" dirty="0"/>
-              <a:t>EL EQUIPO</a:t>
-            </a:r>
-          </a:p>
-        </p:txBody>
-      </p:sp>
-      <p:sp>
-        <p:nvSpPr>
-          <p:cNvPr id="3" name="Marcador de texto 2">
-            <a:extLst>
-              <a:ext uri="{FF2B5EF4-FFF2-40B4-BE49-F238E27FC236}">
-                <a16:creationId xmlns:a16="http://schemas.microsoft.com/office/drawing/2014/main" id="{C6B07B54-E3ED-4BBF-91BB-9F611C440199}"/>
-              </a:ext>
-            </a:extLst>
-          </p:cNvPr>
-          <p:cNvSpPr>
-            <a:spLocks noGrp="1"/>
-          </p:cNvSpPr>
-          <p:nvPr>
-            <p:ph type="body" sz="half" idx="2"/>
-          </p:nvPr>
-        </p:nvSpPr>
-        <p:spPr bwMode="ltGray">
-          <a:xfrm>
-            <a:off x="7055713" y="764187"/>
-            <a:ext cx="4531709" cy="1431234"/>
-          </a:xfrm>
-        </p:spPr>
-        <p:txBody>
-          <a:bodyPr rtlCol="0">
-            <a:normAutofit/>
-          </a:bodyPr>
-          <a:lstStyle/>
-          <a:p>
-            <a:pPr rtl="0">
-              <a:lnSpc>
-                <a:spcPct val="110000"/>
-              </a:lnSpc>
-              <a:spcBef>
-                <a:spcPts val="425"/>
-              </a:spcBef>
-            </a:pPr>
-            <a:r>
-              <a:rPr lang="es-ES" sz="2400" b="1" dirty="0">
-                <a:solidFill>
-                  <a:schemeClr val="bg1"/>
-                </a:solidFill>
-                <a:latin typeface="+mj-lt"/>
-              </a:rPr>
-              <a:t>Leyder Marcillo</a:t>
-            </a:r>
-          </a:p>
-          <a:p>
-            <a:pPr marR="417195" rtl="0">
-              <a:lnSpc>
-                <a:spcPct val="107100"/>
-              </a:lnSpc>
-              <a:spcBef>
-                <a:spcPts val="0"/>
-              </a:spcBef>
-              <a:spcAft>
-                <a:spcPts val="1000"/>
-              </a:spcAft>
-            </a:pPr>
-            <a:r>
-              <a:rPr lang="es-ES" sz="1500" i="1" spc="-15" dirty="0">
-                <a:solidFill>
-                  <a:schemeClr val="bg2">
-                    <a:lumMod val="20000"/>
-                    <a:lumOff val="80000"/>
-                  </a:schemeClr>
-                </a:solidFill>
-                <a:cs typeface="Arial"/>
-              </a:rPr>
-              <a:t>Manejo de pantalla LCD y sistema de acceso</a:t>
-            </a:r>
-          </a:p>
-        </p:txBody>
-      </p:sp>
-      <p:sp>
-        <p:nvSpPr>
-          <p:cNvPr id="4" name="Marcador de número de diapositiva 3">
-            <a:extLst>
-              <a:ext uri="{FF2B5EF4-FFF2-40B4-BE49-F238E27FC236}">
-                <a16:creationId xmlns:a16="http://schemas.microsoft.com/office/drawing/2014/main" id="{DEC89DD8-AB5B-4556-B381-45F1AC0706EB}"/>
-              </a:ext>
-            </a:extLst>
-          </p:cNvPr>
-          <p:cNvSpPr>
-            <a:spLocks noGrp="1"/>
-          </p:cNvSpPr>
-          <p:nvPr>
-            <p:ph type="sldNum" sz="quarter" idx="12"/>
-          </p:nvPr>
-        </p:nvSpPr>
-        <p:spPr>
-          <a:xfrm>
-            <a:off x="11478676" y="6124914"/>
-            <a:ext cx="357116" cy="365125"/>
-          </a:xfrm>
-        </p:spPr>
-        <p:txBody>
-          <a:bodyPr rtlCol="0"/>
-          <a:lstStyle/>
-          <a:p>
-            <a:pPr rtl="0"/>
-            <a:fld id="{82EE24B5-652C-4DB5-B7C3-B5BBEC1280B1}" type="slidenum">
-              <a:rPr lang="es-ES" sz="1000" smtClean="0"/>
-              <a:t>8</a:t>
-            </a:fld>
-            <a:endParaRPr lang="es-ES" sz="1000" dirty="0"/>
-          </a:p>
-        </p:txBody>
-      </p:sp>
-      <p:pic>
-        <p:nvPicPr>
-          <p:cNvPr id="7" name="Marcador de posición de imagen 6" descr="Dos hombres miran un portátil">
-            <a:extLst>
-              <a:ext uri="{FF2B5EF4-FFF2-40B4-BE49-F238E27FC236}">
-                <a16:creationId xmlns:a16="http://schemas.microsoft.com/office/drawing/2014/main" id="{2CD8DFC9-E679-43B6-94BA-67756E397A11}"/>
-              </a:ext>
-            </a:extLst>
-          </p:cNvPr>
-          <p:cNvPicPr>
-            <a:picLocks noGrp="1" noChangeAspect="1"/>
-          </p:cNvPicPr>
-          <p:nvPr>
-            <p:ph type="pic" idx="1"/>
-          </p:nvPr>
-        </p:nvPicPr>
-        <p:blipFill>
-          <a:blip r:embed="rId3">
-            <a:extLst>
-              <a:ext uri="{28A0092B-C50C-407E-A947-70E740481C1C}">
-                <a14:useLocalDpi xmlns:a14="http://schemas.microsoft.com/office/drawing/2010/main" val="0"/>
-              </a:ext>
-            </a:extLst>
-          </a:blip>
-          <a:stretch>
-            <a:fillRect/>
-          </a:stretch>
-        </p:blipFill>
-        <p:spPr>
-          <a:xfrm>
-            <a:off x="17252" y="2781223"/>
-            <a:ext cx="6024983" cy="2736901"/>
-          </a:xfrm>
-        </p:spPr>
-      </p:pic>
-      <p:pic>
-        <p:nvPicPr>
-          <p:cNvPr id="15" name="Marcador de posición de imagen 14" descr="Icono comprobación">
-            <a:extLst>
-              <a:ext uri="{FF2B5EF4-FFF2-40B4-BE49-F238E27FC236}">
-                <a16:creationId xmlns:a16="http://schemas.microsoft.com/office/drawing/2014/main" id="{2BB6FD49-92B0-4DC9-AC1D-17947DECCCB8}"/>
-              </a:ext>
-            </a:extLst>
-          </p:cNvPr>
-          <p:cNvPicPr>
-            <a:picLocks noGrp="1" noChangeAspect="1"/>
-          </p:cNvPicPr>
-          <p:nvPr>
-            <p:ph type="pic" sz="quarter" idx="19"/>
-          </p:nvPr>
-        </p:nvPicPr>
-        <p:blipFill>
-          <a:blip r:embed="rId4" cstate="hqprint">
-            <a:extLst>
-              <a:ext uri="{28A0092B-C50C-407E-A947-70E740481C1C}">
-                <a14:useLocalDpi xmlns:a14="http://schemas.microsoft.com/office/drawing/2010/main" val="0"/>
-              </a:ext>
-            </a:extLst>
-          </a:blip>
-          <a:srcRect/>
-          <a:stretch>
-            <a:fillRect/>
-          </a:stretch>
-        </p:blipFill>
-        <p:spPr bwMode="ltGray">
-          <a:xfrm>
-            <a:off x="6481238" y="708853"/>
-            <a:ext cx="576000" cy="576000"/>
-          </a:xfrm>
-        </p:spPr>
-      </p:pic>
-      <p:pic>
-        <p:nvPicPr>
-          <p:cNvPr id="17" name="Marcador de posición de imagen 16" descr="Icono comprobación">
-            <a:extLst>
-              <a:ext uri="{FF2B5EF4-FFF2-40B4-BE49-F238E27FC236}">
-                <a16:creationId xmlns:a16="http://schemas.microsoft.com/office/drawing/2014/main" id="{B35AF671-FB05-4C5C-AD79-E7C03FDFC8C4}"/>
-              </a:ext>
-            </a:extLst>
-          </p:cNvPr>
-          <p:cNvPicPr>
-            <a:picLocks noGrp="1" noChangeAspect="1"/>
-          </p:cNvPicPr>
-          <p:nvPr>
-            <p:ph type="pic" sz="quarter" idx="22"/>
-          </p:nvPr>
-        </p:nvPicPr>
-        <p:blipFill>
-          <a:blip r:embed="rId4" cstate="hqprint">
-            <a:extLst>
-              <a:ext uri="{28A0092B-C50C-407E-A947-70E740481C1C}">
-                <a14:useLocalDpi xmlns:a14="http://schemas.microsoft.com/office/drawing/2010/main" val="0"/>
-              </a:ext>
-            </a:extLst>
-          </a:blip>
-          <a:srcRect/>
-          <a:stretch>
-            <a:fillRect/>
-          </a:stretch>
-        </p:blipFill>
-        <p:spPr bwMode="ltGray">
-          <a:xfrm>
-            <a:off x="6480475" y="1859375"/>
-            <a:ext cx="576000" cy="576001"/>
-          </a:xfrm>
-        </p:spPr>
-      </p:pic>
-      <p:sp>
-        <p:nvSpPr>
-          <p:cNvPr id="11" name="Marcador de texto 10">
-            <a:extLst>
-              <a:ext uri="{FF2B5EF4-FFF2-40B4-BE49-F238E27FC236}">
-                <a16:creationId xmlns:a16="http://schemas.microsoft.com/office/drawing/2014/main" id="{81D93562-F631-4ADB-AB50-4D5ECF40F8A1}"/>
-              </a:ext>
-            </a:extLst>
-          </p:cNvPr>
-          <p:cNvSpPr>
-            <a:spLocks noGrp="1"/>
-          </p:cNvSpPr>
-          <p:nvPr>
-            <p:ph type="body" sz="half" idx="23"/>
-          </p:nvPr>
-        </p:nvSpPr>
-        <p:spPr bwMode="ltGray">
-          <a:xfrm>
-            <a:off x="7055712" y="1985555"/>
-            <a:ext cx="4531709" cy="1431234"/>
-          </a:xfrm>
-        </p:spPr>
-        <p:txBody>
-          <a:bodyPr rtlCol="0">
-            <a:normAutofit/>
-          </a:bodyPr>
-          <a:lstStyle/>
-          <a:p>
-            <a:pPr rtl="0">
-              <a:lnSpc>
-                <a:spcPct val="110000"/>
-              </a:lnSpc>
-              <a:spcBef>
-                <a:spcPts val="425"/>
-              </a:spcBef>
-            </a:pPr>
-            <a:r>
-              <a:rPr lang="es-ES" sz="2400" b="1" dirty="0">
-                <a:solidFill>
-                  <a:schemeClr val="bg1"/>
-                </a:solidFill>
-                <a:latin typeface="+mj-lt"/>
-              </a:rPr>
-              <a:t>Juan Diego Cabrera</a:t>
-            </a:r>
-          </a:p>
-          <a:p>
-            <a:pPr marR="417195" rtl="0">
-              <a:lnSpc>
-                <a:spcPct val="107100"/>
-              </a:lnSpc>
-              <a:spcBef>
-                <a:spcPts val="0"/>
-              </a:spcBef>
-              <a:spcAft>
-                <a:spcPts val="1000"/>
-              </a:spcAft>
-            </a:pPr>
-            <a:r>
-              <a:rPr lang="es-ES" sz="1500" i="1" spc="-15" dirty="0">
-                <a:solidFill>
-                  <a:schemeClr val="bg2">
-                    <a:lumMod val="20000"/>
-                    <a:lumOff val="80000"/>
-                  </a:schemeClr>
-                </a:solidFill>
-                <a:cs typeface="Arial"/>
-              </a:rPr>
-              <a:t>Control de temperatura, comunicación entre </a:t>
-            </a:r>
-            <a:r>
-              <a:rPr lang="es-ES" sz="1500" i="1" spc="-15" dirty="0" err="1">
-                <a:solidFill>
-                  <a:schemeClr val="bg2">
-                    <a:lumMod val="20000"/>
-                    <a:lumOff val="80000"/>
-                  </a:schemeClr>
-                </a:solidFill>
-                <a:cs typeface="Arial"/>
-              </a:rPr>
-              <a:t>MCUs</a:t>
-            </a:r>
-            <a:r>
-              <a:rPr lang="es-ES" sz="1500" i="1" spc="-15" dirty="0">
-                <a:solidFill>
-                  <a:schemeClr val="bg2">
-                    <a:lumMod val="20000"/>
-                    <a:lumOff val="80000"/>
-                  </a:schemeClr>
-                </a:solidFill>
-                <a:cs typeface="Arial"/>
-              </a:rPr>
-              <a:t> y sistema de acceso</a:t>
-            </a:r>
-          </a:p>
-        </p:txBody>
-      </p:sp>
-      <p:pic>
-        <p:nvPicPr>
-          <p:cNvPr id="19" name="Marcador de posición de imagen 18" descr="Icono comprobación">
-            <a:extLst>
-              <a:ext uri="{FF2B5EF4-FFF2-40B4-BE49-F238E27FC236}">
-                <a16:creationId xmlns:a16="http://schemas.microsoft.com/office/drawing/2014/main" id="{D0EA9FF8-E112-4BA0-B552-7EC47F10324A}"/>
-              </a:ext>
-            </a:extLst>
-          </p:cNvPr>
-          <p:cNvPicPr>
-            <a:picLocks noGrp="1" noChangeAspect="1"/>
-          </p:cNvPicPr>
-          <p:nvPr>
-            <p:ph type="pic" sz="quarter" idx="24"/>
-          </p:nvPr>
-        </p:nvPicPr>
-        <p:blipFill>
-          <a:blip r:embed="rId4" cstate="hqprint">
-            <a:extLst>
-              <a:ext uri="{28A0092B-C50C-407E-A947-70E740481C1C}">
-                <a14:useLocalDpi xmlns:a14="http://schemas.microsoft.com/office/drawing/2010/main" val="0"/>
-              </a:ext>
-            </a:extLst>
-          </a:blip>
-          <a:srcRect/>
-          <a:stretch>
-            <a:fillRect/>
-          </a:stretch>
-        </p:blipFill>
-        <p:spPr bwMode="ltGray">
-          <a:xfrm>
-            <a:off x="6480475" y="3341644"/>
-            <a:ext cx="576000" cy="576001"/>
-          </a:xfrm>
-        </p:spPr>
-      </p:pic>
-      <p:sp>
-        <p:nvSpPr>
-          <p:cNvPr id="13" name="Marcador de texto 12">
-            <a:extLst>
-              <a:ext uri="{FF2B5EF4-FFF2-40B4-BE49-F238E27FC236}">
-                <a16:creationId xmlns:a16="http://schemas.microsoft.com/office/drawing/2014/main" id="{F254C44F-43DD-4310-BB15-9C29C646DB24}"/>
-              </a:ext>
-            </a:extLst>
-          </p:cNvPr>
-          <p:cNvSpPr>
-            <a:spLocks noGrp="1"/>
-          </p:cNvSpPr>
-          <p:nvPr>
-            <p:ph type="body" sz="half" idx="25"/>
-          </p:nvPr>
-        </p:nvSpPr>
-        <p:spPr bwMode="ltGray">
-          <a:xfrm>
-            <a:off x="7055712" y="3369088"/>
-            <a:ext cx="4889361" cy="1431234"/>
-          </a:xfrm>
-        </p:spPr>
-        <p:txBody>
-          <a:bodyPr rtlCol="0">
-            <a:normAutofit/>
-          </a:bodyPr>
-          <a:lstStyle/>
-          <a:p>
-            <a:pPr rtl="0">
-              <a:lnSpc>
-                <a:spcPct val="110000"/>
-              </a:lnSpc>
-              <a:spcBef>
-                <a:spcPts val="425"/>
-              </a:spcBef>
-            </a:pPr>
-            <a:r>
-              <a:rPr lang="es-ES" sz="2400" b="1" dirty="0">
-                <a:solidFill>
-                  <a:schemeClr val="bg1"/>
-                </a:solidFill>
-                <a:latin typeface="+mj-lt"/>
-              </a:rPr>
-              <a:t>Santiago Pereira</a:t>
-            </a:r>
-          </a:p>
-          <a:p>
-            <a:pPr marR="417195" rtl="0">
-              <a:lnSpc>
-                <a:spcPct val="107100"/>
-              </a:lnSpc>
-              <a:spcBef>
-                <a:spcPts val="0"/>
-              </a:spcBef>
-              <a:spcAft>
-                <a:spcPts val="1000"/>
-              </a:spcAft>
-            </a:pPr>
-            <a:r>
-              <a:rPr lang="es-ES" sz="1500" i="1" spc="-15" dirty="0">
-                <a:solidFill>
-                  <a:schemeClr val="bg2">
-                    <a:lumMod val="20000"/>
-                    <a:lumOff val="80000"/>
-                  </a:schemeClr>
-                </a:solidFill>
-                <a:cs typeface="Arial"/>
-              </a:rPr>
-              <a:t>Detección y procesamiento de audio, organización de banderas de sensórica y sistema de acceso</a:t>
-            </a:r>
-          </a:p>
-        </p:txBody>
-      </p:sp>
-      <p:sp>
-        <p:nvSpPr>
-          <p:cNvPr id="8" name="objeto 13" descr="Rectángulo beige">
-            <a:extLst>
-              <a:ext uri="{FF2B5EF4-FFF2-40B4-BE49-F238E27FC236}">
-                <a16:creationId xmlns:a16="http://schemas.microsoft.com/office/drawing/2014/main" id="{DFB86A96-0959-48CB-911E-06E243290C23}"/>
-              </a:ext>
-            </a:extLst>
-          </p:cNvPr>
-          <p:cNvSpPr/>
-          <p:nvPr/>
-        </p:nvSpPr>
-        <p:spPr>
-          <a:xfrm>
-            <a:off x="919594" y="1786728"/>
-            <a:ext cx="3402000" cy="0"/>
-          </a:xfrm>
-          <a:custGeom>
-            <a:avLst/>
-            <a:gdLst/>
-            <a:ahLst/>
-            <a:cxnLst/>
-            <a:rect l="l" t="t" r="r" b="b"/>
-            <a:pathLst>
-              <a:path w="2694304">
-                <a:moveTo>
-                  <a:pt x="0" y="0"/>
-                </a:moveTo>
-                <a:lnTo>
-                  <a:pt x="2694127" y="0"/>
-                </a:lnTo>
-              </a:path>
-            </a:pathLst>
-          </a:custGeom>
-          <a:ln w="54863">
-            <a:solidFill>
-              <a:schemeClr val="accent1"/>
-            </a:solidFill>
-          </a:ln>
-        </p:spPr>
-        <p:txBody>
-          <a:bodyPr wrap="square" lIns="0" tIns="0" rIns="0" bIns="0" rtlCol="0"/>
-          <a:lstStyle/>
-          <a:p>
-            <a:pPr rtl="0"/>
-            <a:endParaRPr lang="es-ES" dirty="0"/>
-          </a:p>
-        </p:txBody>
-      </p:sp>
-      <p:pic>
-        <p:nvPicPr>
-          <p:cNvPr id="5" name="Marcador de posición de imagen 18" descr="Icono comprobación">
-            <a:extLst>
-              <a:ext uri="{FF2B5EF4-FFF2-40B4-BE49-F238E27FC236}">
-                <a16:creationId xmlns:a16="http://schemas.microsoft.com/office/drawing/2014/main" id="{C89C1208-B04E-A27E-8C62-30C6B0DA0E98}"/>
-              </a:ext>
-            </a:extLst>
-          </p:cNvPr>
-          <p:cNvPicPr>
-            <a:picLocks noChangeAspect="1"/>
-          </p:cNvPicPr>
-          <p:nvPr/>
-        </p:nvPicPr>
-        <p:blipFill>
-          <a:blip r:embed="rId4" cstate="hqprint">
-            <a:extLst>
-              <a:ext uri="{28A0092B-C50C-407E-A947-70E740481C1C}">
-                <a14:useLocalDpi xmlns:a14="http://schemas.microsoft.com/office/drawing/2010/main" val="0"/>
-              </a:ext>
-            </a:extLst>
-          </a:blip>
-          <a:srcRect/>
-          <a:stretch>
-            <a:fillRect/>
-          </a:stretch>
-        </p:blipFill>
-        <p:spPr bwMode="ltGray">
-          <a:xfrm>
-            <a:off x="6513090" y="4618748"/>
-            <a:ext cx="576000" cy="576001"/>
-          </a:xfrm>
-          <a:prstGeom prst="rect">
-            <a:avLst/>
-          </a:prstGeom>
-        </p:spPr>
-      </p:pic>
-      <p:sp>
-        <p:nvSpPr>
-          <p:cNvPr id="9" name="CuadroTexto 8">
-            <a:extLst>
-              <a:ext uri="{FF2B5EF4-FFF2-40B4-BE49-F238E27FC236}">
-                <a16:creationId xmlns:a16="http://schemas.microsoft.com/office/drawing/2014/main" id="{7E0A03D9-FB7F-52A0-1F4D-1CF8E9B2B2A2}"/>
-              </a:ext>
-            </a:extLst>
-          </p:cNvPr>
-          <p:cNvSpPr txBox="1"/>
-          <p:nvPr/>
-        </p:nvSpPr>
-        <p:spPr>
-          <a:xfrm>
-            <a:off x="7055712" y="4638157"/>
-            <a:ext cx="4889361" cy="974626"/>
-          </a:xfrm>
-          <a:prstGeom prst="rect">
-            <a:avLst/>
-          </a:prstGeom>
-          <a:noFill/>
-        </p:spPr>
-        <p:txBody>
-          <a:bodyPr wrap="square">
-            <a:spAutoFit/>
-          </a:bodyPr>
-          <a:lstStyle/>
-          <a:p>
-            <a:pPr rtl="0">
-              <a:lnSpc>
-                <a:spcPct val="110000"/>
-              </a:lnSpc>
-              <a:spcBef>
-                <a:spcPts val="425"/>
-              </a:spcBef>
-            </a:pPr>
-            <a:r>
-              <a:rPr lang="es-ES" sz="2400" b="1" dirty="0">
-                <a:solidFill>
-                  <a:schemeClr val="bg1"/>
-                </a:solidFill>
-                <a:latin typeface="+mj-lt"/>
-              </a:rPr>
-              <a:t>Santiago Vargas</a:t>
-            </a:r>
-          </a:p>
-          <a:p>
-            <a:pPr marR="417195" rtl="0">
-              <a:lnSpc>
-                <a:spcPct val="107100"/>
-              </a:lnSpc>
-              <a:spcBef>
-                <a:spcPts val="0"/>
-              </a:spcBef>
-              <a:spcAft>
-                <a:spcPts val="1000"/>
-              </a:spcAft>
-            </a:pPr>
-            <a:r>
-              <a:rPr lang="es-ES" sz="1500" i="1" spc="-15" dirty="0">
-                <a:solidFill>
-                  <a:schemeClr val="bg2">
-                    <a:lumMod val="20000"/>
-                    <a:lumOff val="80000"/>
-                  </a:schemeClr>
-                </a:solidFill>
-                <a:cs typeface="Arial"/>
-              </a:rPr>
-              <a:t>Integración con </a:t>
-            </a:r>
-            <a:r>
-              <a:rPr lang="es-ES" sz="1500" i="1" spc="-15" dirty="0" err="1">
-                <a:solidFill>
-                  <a:schemeClr val="bg2">
-                    <a:lumMod val="20000"/>
-                    <a:lumOff val="80000"/>
-                  </a:schemeClr>
-                </a:solidFill>
-                <a:cs typeface="Arial"/>
-              </a:rPr>
-              <a:t>Labview</a:t>
-            </a:r>
-            <a:r>
-              <a:rPr lang="es-ES" sz="1500" i="1" spc="-15" dirty="0">
-                <a:solidFill>
-                  <a:schemeClr val="bg2">
-                    <a:lumMod val="20000"/>
-                    <a:lumOff val="80000"/>
-                  </a:schemeClr>
-                </a:solidFill>
-                <a:cs typeface="Arial"/>
-              </a:rPr>
-              <a:t>, manejo de sensórica digital y puerta de la habitación</a:t>
-            </a:r>
-            <a:endParaRPr lang="es-CO" sz="1500" dirty="0"/>
-          </a:p>
-        </p:txBody>
-      </p:sp>
-    </p:spTree>
-    <p:extLst>
-      <p:ext uri="{BB962C8B-B14F-4D97-AF65-F5344CB8AC3E}">
-        <p14:creationId xmlns:p14="http://schemas.microsoft.com/office/powerpoint/2010/main" val="3013812118"/>
-      </p:ext>
-    </p:extLst>
-  </p:cSld>
-  <p:clrMapOvr>
-    <a:masterClrMapping/>
-  </p:clrMapOvr>
-</p:sld>
-</file>
-
-<file path=ppt/slides/slide9.xml><?xml version="1.0" encoding="utf-8"?>
-<p:sld xmlns:a="http://schemas.openxmlformats.org/drawingml/2006/main" xmlns:r="http://schemas.openxmlformats.org/officeDocument/2006/relationships" xmlns:p="http://schemas.openxmlformats.org/presentationml/2006/main">
-  <p:cSld>
-    <p:spTree>
-      <p:nvGrpSpPr>
-        <p:cNvPr id="1" name=""/>
-        <p:cNvGrpSpPr/>
-        <p:nvPr/>
-      </p:nvGrpSpPr>
-      <p:grpSpPr>
-        <a:xfrm>
-          <a:off x="0" y="0"/>
-          <a:ext cx="0" cy="0"/>
-          <a:chOff x="0" y="0"/>
-          <a:chExt cx="0" cy="0"/>
-        </a:xfrm>
-      </p:grpSpPr>
-      <p:pic>
-        <p:nvPicPr>
-          <p:cNvPr id="4" name="Marcador de contenido 6" descr="Chica con documentos">
-            <a:extLst>
-              <a:ext uri="{FF2B5EF4-FFF2-40B4-BE49-F238E27FC236}">
-                <a16:creationId xmlns:a16="http://schemas.microsoft.com/office/drawing/2014/main" id="{BD5BAEF8-04EE-4148-AB9D-25427A926896}"/>
-              </a:ext>
-            </a:extLst>
-          </p:cNvPr>
-          <p:cNvPicPr>
-            <a:picLocks noChangeAspect="1"/>
-          </p:cNvPicPr>
-          <p:nvPr/>
-        </p:nvPicPr>
-        <p:blipFill>
-          <a:blip r:embed="rId3">
-            <a:extLst>
-              <a:ext uri="{28A0092B-C50C-407E-A947-70E740481C1C}">
-                <a14:useLocalDpi xmlns:a14="http://schemas.microsoft.com/office/drawing/2010/main" val="0"/>
-              </a:ext>
-            </a:extLst>
-          </a:blip>
-          <a:stretch>
-            <a:fillRect/>
-          </a:stretch>
-        </p:blipFill>
-        <p:spPr>
-          <a:xfrm>
-            <a:off x="1201" y="675"/>
-            <a:ext cx="12189600" cy="6856650"/>
-          </a:xfrm>
-          <a:prstGeom prst="rect">
-            <a:avLst/>
-          </a:prstGeom>
-        </p:spPr>
-      </p:pic>
-      <p:sp>
-        <p:nvSpPr>
-          <p:cNvPr id="5" name="Marcador de contenido 4">
-            <a:extLst>
-              <a:ext uri="{FF2B5EF4-FFF2-40B4-BE49-F238E27FC236}">
-                <a16:creationId xmlns:a16="http://schemas.microsoft.com/office/drawing/2014/main" id="{D5537408-2125-4CE5-92A7-F7E0FCBA31D0}"/>
-              </a:ext>
-            </a:extLst>
-          </p:cNvPr>
-          <p:cNvSpPr txBox="1">
-            <a:spLocks/>
-          </p:cNvSpPr>
-          <p:nvPr/>
-        </p:nvSpPr>
-        <p:spPr>
-          <a:xfrm>
-            <a:off x="-1" y="1341439"/>
-            <a:ext cx="6348413" cy="4140200"/>
-          </a:xfrm>
-          <a:prstGeom prst="rect">
-            <a:avLst/>
-          </a:prstGeom>
-          <a:solidFill>
-            <a:schemeClr val="accent2"/>
-          </a:solidFill>
-        </p:spPr>
-        <p:txBody>
-          <a:bodyPr lIns="1548000" tIns="2160000" rtlCol="0">
-            <a:normAutofit/>
-          </a:bodyPr>
-          <a:lstStyle>
-            <a:lvl1pPr marL="228600" indent="-228600" algn="l" defTabSz="914400" rtl="0" eaLnBrk="1" latinLnBrk="0" hangingPunct="1">
-              <a:lnSpc>
-                <a:spcPct val="90000"/>
-              </a:lnSpc>
-              <a:spcBef>
-                <a:spcPts val="1000"/>
-              </a:spcBef>
-              <a:buFont typeface="Arial" panose="020B0604020202020204" pitchFamily="34" charset="0"/>
-              <a:buChar char="•"/>
-              <a:defRPr sz="1600" kern="1200">
-                <a:solidFill>
-                  <a:schemeClr val="tx1">
-                    <a:lumMod val="75000"/>
-                    <a:lumOff val="25000"/>
-                  </a:schemeClr>
-                </a:solidFill>
-                <a:latin typeface="+mn-lt"/>
-                <a:ea typeface="+mn-ea"/>
-                <a:cs typeface="+mn-cs"/>
-              </a:defRPr>
-            </a:lvl1pPr>
-            <a:lvl2pPr marL="685800" indent="-228600" algn="l" defTabSz="914400" rtl="0" eaLnBrk="1" latinLnBrk="0" hangingPunct="1">
-              <a:lnSpc>
-                <a:spcPct val="90000"/>
-              </a:lnSpc>
-              <a:spcBef>
-                <a:spcPts val="500"/>
-              </a:spcBef>
-              <a:buFont typeface="Arial" panose="020B0604020202020204" pitchFamily="34" charset="0"/>
-              <a:buChar char="•"/>
-              <a:defRPr sz="1600" kern="1200">
-                <a:solidFill>
-                  <a:schemeClr val="tx1">
-                    <a:lumMod val="75000"/>
-                    <a:lumOff val="25000"/>
-                  </a:schemeClr>
-                </a:solidFill>
-                <a:latin typeface="+mn-lt"/>
-                <a:ea typeface="+mn-ea"/>
-                <a:cs typeface="+mn-cs"/>
-              </a:defRPr>
-            </a:lvl2pPr>
-            <a:lvl3pPr marL="1143000" indent="-228600" algn="l" defTabSz="914400" rtl="0" eaLnBrk="1" latinLnBrk="0" hangingPunct="1">
-              <a:lnSpc>
-                <a:spcPct val="90000"/>
-              </a:lnSpc>
-              <a:spcBef>
-                <a:spcPts val="500"/>
-              </a:spcBef>
-              <a:buFont typeface="Arial" panose="020B0604020202020204" pitchFamily="34" charset="0"/>
-              <a:buChar char="•"/>
-              <a:defRPr sz="1600" kern="1200">
-                <a:solidFill>
-                  <a:schemeClr val="tx1">
-                    <a:lumMod val="75000"/>
-                    <a:lumOff val="25000"/>
-                  </a:schemeClr>
-                </a:solidFill>
-                <a:latin typeface="+mn-lt"/>
-                <a:ea typeface="+mn-ea"/>
-                <a:cs typeface="+mn-cs"/>
-              </a:defRPr>
-            </a:lvl3pPr>
-            <a:lvl4pPr marL="1600200" indent="-228600" algn="l" defTabSz="914400" rtl="0" eaLnBrk="1" latinLnBrk="0" hangingPunct="1">
-              <a:lnSpc>
-                <a:spcPct val="90000"/>
-              </a:lnSpc>
-              <a:spcBef>
-                <a:spcPts val="500"/>
-              </a:spcBef>
-              <a:buFont typeface="Arial" panose="020B0604020202020204" pitchFamily="34" charset="0"/>
-              <a:buChar char="•"/>
-              <a:defRPr sz="1600" kern="1200">
-                <a:solidFill>
-                  <a:schemeClr val="tx1">
-                    <a:lumMod val="75000"/>
-                    <a:lumOff val="25000"/>
-                  </a:schemeClr>
-                </a:solidFill>
-                <a:latin typeface="+mn-lt"/>
-                <a:ea typeface="+mn-ea"/>
-                <a:cs typeface="+mn-cs"/>
-              </a:defRPr>
-            </a:lvl4pPr>
-            <a:lvl5pPr marL="2057400" indent="-228600" algn="l" defTabSz="914400" rtl="0" eaLnBrk="1" latinLnBrk="0" hangingPunct="1">
-              <a:lnSpc>
-                <a:spcPct val="90000"/>
-              </a:lnSpc>
-              <a:spcBef>
-                <a:spcPts val="500"/>
-              </a:spcBef>
-              <a:buFont typeface="Arial" panose="020B0604020202020204" pitchFamily="34" charset="0"/>
-              <a:buChar char="•"/>
-              <a:defRPr sz="1600" kern="1200">
-                <a:solidFill>
-                  <a:schemeClr val="tx1">
-                    <a:lumMod val="75000"/>
-                    <a:lumOff val="25000"/>
-                  </a:schemeClr>
-                </a:solidFill>
-                <a:latin typeface="+mn-lt"/>
-                <a:ea typeface="+mn-ea"/>
-                <a:cs typeface="+mn-cs"/>
-              </a:defRPr>
-            </a:lvl5pPr>
-            <a:lvl6pPr marL="2514600" indent="-228600" algn="l" defTabSz="914400" rtl="0" eaLnBrk="1" latinLnBrk="0" hangingPunct="1">
-              <a:lnSpc>
-                <a:spcPct val="90000"/>
-              </a:lnSpc>
-              <a:spcBef>
-                <a:spcPts val="500"/>
-              </a:spcBef>
-              <a:buFont typeface="Arial" panose="020B0604020202020204" pitchFamily="34" charset="0"/>
-              <a:buChar char="•"/>
-              <a:defRPr sz="1800" kern="1200">
-                <a:solidFill>
-                  <a:schemeClr val="tx1"/>
-                </a:solidFill>
-                <a:latin typeface="+mn-lt"/>
-                <a:ea typeface="+mn-ea"/>
-                <a:cs typeface="+mn-cs"/>
-              </a:defRPr>
-            </a:lvl6pPr>
-            <a:lvl7pPr marL="2971800" indent="-228600" algn="l" defTabSz="914400" rtl="0" eaLnBrk="1" latinLnBrk="0" hangingPunct="1">
-              <a:lnSpc>
-                <a:spcPct val="90000"/>
-              </a:lnSpc>
-              <a:spcBef>
-                <a:spcPts val="500"/>
-              </a:spcBef>
-              <a:buFont typeface="Arial" panose="020B0604020202020204" pitchFamily="34" charset="0"/>
-              <a:buChar char="•"/>
-              <a:defRPr sz="1800" kern="1200">
-                <a:solidFill>
-                  <a:schemeClr val="tx1"/>
-                </a:solidFill>
-                <a:latin typeface="+mn-lt"/>
-                <a:ea typeface="+mn-ea"/>
-                <a:cs typeface="+mn-cs"/>
-              </a:defRPr>
-            </a:lvl7pPr>
-            <a:lvl8pPr marL="3429000" indent="-228600" algn="l" defTabSz="914400" rtl="0" eaLnBrk="1" latinLnBrk="0" hangingPunct="1">
-              <a:lnSpc>
-                <a:spcPct val="90000"/>
-              </a:lnSpc>
-              <a:spcBef>
-                <a:spcPts val="500"/>
-              </a:spcBef>
-              <a:buFont typeface="Arial" panose="020B0604020202020204" pitchFamily="34" charset="0"/>
-              <a:buChar char="•"/>
-              <a:defRPr sz="1800" kern="1200">
-                <a:solidFill>
-                  <a:schemeClr val="tx1"/>
-                </a:solidFill>
-                <a:latin typeface="+mn-lt"/>
-                <a:ea typeface="+mn-ea"/>
-                <a:cs typeface="+mn-cs"/>
-              </a:defRPr>
-            </a:lvl8pPr>
-            <a:lvl9pPr marL="3886200" indent="-228600" algn="l" defTabSz="914400" rtl="0" eaLnBrk="1" latinLnBrk="0" hangingPunct="1">
-              <a:lnSpc>
-                <a:spcPct val="90000"/>
-              </a:lnSpc>
-              <a:spcBef>
-                <a:spcPts val="500"/>
-              </a:spcBef>
-              <a:buFont typeface="Arial" panose="020B0604020202020204" pitchFamily="34" charset="0"/>
-              <a:buChar char="•"/>
-              <a:defRPr sz="1800" kern="1200">
-                <a:solidFill>
-                  <a:schemeClr val="tx1"/>
-                </a:solidFill>
-                <a:latin typeface="+mn-lt"/>
-                <a:ea typeface="+mn-ea"/>
-                <a:cs typeface="+mn-cs"/>
-              </a:defRPr>
-            </a:lvl9pPr>
-          </a:lstStyle>
-          <a:p>
-            <a:pPr marL="0" indent="0" rtl="0">
-              <a:spcBef>
-                <a:spcPts val="1100"/>
-              </a:spcBef>
-              <a:buFont typeface="Arial" panose="020B0604020202020204" pitchFamily="34" charset="0"/>
-              <a:buNone/>
-            </a:pPr>
-            <a:r>
-              <a:rPr lang="es-ES" sz="2500" b="1" i="1" spc="70" dirty="0">
-                <a:solidFill>
-                  <a:schemeClr val="bg2">
-                    <a:lumMod val="20000"/>
-                    <a:lumOff val="80000"/>
-                    <a:alpha val="75000"/>
-                  </a:schemeClr>
-                </a:solidFill>
-                <a:cs typeface="Arial"/>
-              </a:rPr>
-              <a:t>Naiara</a:t>
-            </a:r>
-            <a:r>
-              <a:rPr lang="es-ES" sz="2500" b="1" i="1" dirty="0">
-                <a:solidFill>
-                  <a:schemeClr val="bg2">
-                    <a:lumMod val="20000"/>
-                    <a:lumOff val="80000"/>
-                  </a:schemeClr>
-                </a:solidFill>
-              </a:rPr>
-              <a:t> </a:t>
-            </a:r>
-            <a:r>
-              <a:rPr lang="es-ES" sz="2500" b="1" i="1" spc="70" dirty="0">
-                <a:solidFill>
-                  <a:schemeClr val="bg2">
-                    <a:lumMod val="20000"/>
-                    <a:lumOff val="80000"/>
-                    <a:alpha val="75000"/>
-                  </a:schemeClr>
-                </a:solidFill>
-                <a:cs typeface="Arial"/>
-              </a:rPr>
-              <a:t>Padilla</a:t>
-            </a:r>
-          </a:p>
-          <a:p>
-            <a:pPr marL="0" marR="5080" indent="0" rtl="0">
-              <a:buFont typeface="Arial" panose="020B0604020202020204" pitchFamily="34" charset="0"/>
-              <a:buNone/>
-            </a:pPr>
-            <a:r>
-              <a:rPr lang="es-ES" sz="2500" b="1" i="1" spc="70" dirty="0">
-                <a:solidFill>
-                  <a:schemeClr val="bg2">
-                    <a:lumMod val="20000"/>
-                    <a:lumOff val="80000"/>
-                    <a:alpha val="75000"/>
-                  </a:schemeClr>
-                </a:solidFill>
-                <a:cs typeface="Arial"/>
-              </a:rPr>
-              <a:t>npadilla@example.com</a:t>
-            </a:r>
-          </a:p>
-          <a:p>
-            <a:pPr marL="0" marR="5080" indent="0" rtl="0">
-              <a:buFont typeface="Arial" panose="020B0604020202020204" pitchFamily="34" charset="0"/>
-              <a:buNone/>
-            </a:pPr>
-            <a:r>
-              <a:rPr lang="es-ES" sz="2500" b="1" i="1" spc="45" dirty="0">
-                <a:solidFill>
-                  <a:schemeClr val="bg2">
-                    <a:lumMod val="20000"/>
-                    <a:lumOff val="80000"/>
-                    <a:alpha val="75000"/>
-                  </a:schemeClr>
-                </a:solidFill>
-                <a:cs typeface="Arial"/>
-              </a:rPr>
-              <a:t>678-555-0100</a:t>
-            </a:r>
-            <a:endParaRPr lang="es-ES" sz="2500" b="1" i="1" dirty="0">
-              <a:solidFill>
-                <a:schemeClr val="bg2">
-                  <a:lumMod val="20000"/>
-                  <a:lumOff val="80000"/>
-                  <a:alpha val="75000"/>
-                </a:schemeClr>
-              </a:solidFill>
-              <a:cs typeface="Arial"/>
-            </a:endParaRPr>
-          </a:p>
-          <a:p>
-            <a:pPr marL="0" indent="0" rtl="0">
-              <a:lnSpc>
-                <a:spcPct val="125000"/>
-              </a:lnSpc>
-              <a:buFont typeface="Arial" panose="020B0604020202020204" pitchFamily="34" charset="0"/>
-              <a:buNone/>
-            </a:pPr>
-            <a:endParaRPr lang="es-ES" sz="2500" b="1" dirty="0">
-              <a:solidFill>
-                <a:schemeClr val="bg2">
-                  <a:alpha val="50000"/>
-                </a:schemeClr>
-              </a:solidFill>
-            </a:endParaRPr>
-          </a:p>
-        </p:txBody>
-      </p:sp>
-      <p:sp>
-        <p:nvSpPr>
-          <p:cNvPr id="6" name="objeto 6" descr="Rectángulo beige">
-            <a:extLst>
-              <a:ext uri="{FF2B5EF4-FFF2-40B4-BE49-F238E27FC236}">
-                <a16:creationId xmlns:a16="http://schemas.microsoft.com/office/drawing/2014/main" id="{B0C70F64-F3E5-413B-AF4F-E15CE944B761}"/>
-              </a:ext>
-            </a:extLst>
-          </p:cNvPr>
-          <p:cNvSpPr/>
-          <p:nvPr/>
-        </p:nvSpPr>
-        <p:spPr bwMode="ltGray">
-          <a:xfrm>
-            <a:off x="931203" y="2894901"/>
-            <a:ext cx="3312000" cy="0"/>
-          </a:xfrm>
-          <a:custGeom>
-            <a:avLst/>
-            <a:gdLst/>
-            <a:ahLst/>
-            <a:cxnLst/>
-            <a:rect l="l" t="t" r="r" b="b"/>
-            <a:pathLst>
-              <a:path w="4206240">
-                <a:moveTo>
-                  <a:pt x="0" y="0"/>
-                </a:moveTo>
-                <a:lnTo>
-                  <a:pt x="4206240" y="0"/>
-                </a:lnTo>
-              </a:path>
-            </a:pathLst>
-          </a:custGeom>
-          <a:ln w="54863">
-            <a:solidFill>
-              <a:schemeClr val="accent1"/>
-            </a:solidFill>
-          </a:ln>
-        </p:spPr>
-        <p:txBody>
-          <a:bodyPr wrap="square" lIns="0" tIns="0" rIns="0" bIns="0" rtlCol="0"/>
-          <a:lstStyle/>
-          <a:p>
-            <a:pPr rtl="0"/>
-            <a:endParaRPr lang="es-ES" dirty="0"/>
-          </a:p>
-        </p:txBody>
-      </p:sp>
-      <p:sp>
-        <p:nvSpPr>
-          <p:cNvPr id="2" name="Título 1">
-            <a:extLst>
-              <a:ext uri="{FF2B5EF4-FFF2-40B4-BE49-F238E27FC236}">
-                <a16:creationId xmlns:a16="http://schemas.microsoft.com/office/drawing/2014/main" id="{1BD43A5E-77DF-44FD-800D-158434A3ABC6}"/>
-              </a:ext>
-            </a:extLst>
-          </p:cNvPr>
-          <p:cNvSpPr>
-            <a:spLocks noGrp="1"/>
-          </p:cNvSpPr>
-          <p:nvPr>
-            <p:ph type="title"/>
-          </p:nvPr>
-        </p:nvSpPr>
-        <p:spPr bwMode="ltGray">
-          <a:xfrm>
-            <a:off x="838200" y="1701559"/>
-            <a:ext cx="4859215" cy="1325563"/>
-          </a:xfrm>
-        </p:spPr>
-        <p:txBody>
-          <a:bodyPr rtlCol="0">
-            <a:normAutofit/>
-          </a:bodyPr>
-          <a:lstStyle/>
-          <a:p>
-            <a:pPr rtl="0"/>
-            <a:r>
-              <a:rPr lang="es-ES" sz="5000" dirty="0">
-                <a:solidFill>
-                  <a:schemeClr val="bg1"/>
-                </a:solidFill>
-              </a:rPr>
-              <a:t>¡GRACIAS!</a:t>
-            </a:r>
-            <a:endParaRPr lang="es-ES" sz="5000" dirty="0"/>
-          </a:p>
-        </p:txBody>
-      </p:sp>
-      <p:pic>
-        <p:nvPicPr>
-          <p:cNvPr id="11" name="Gráfico 10" descr="Icono de persona">
-            <a:extLst>
-              <a:ext uri="{FF2B5EF4-FFF2-40B4-BE49-F238E27FC236}">
-                <a16:creationId xmlns:a16="http://schemas.microsoft.com/office/drawing/2014/main" id="{623730AD-04DB-4D31-90B9-486007BC48F8}"/>
-              </a:ext>
-            </a:extLst>
-          </p:cNvPr>
-          <p:cNvPicPr>
-            <a:picLocks noChangeAspect="1"/>
-          </p:cNvPicPr>
-          <p:nvPr/>
-        </p:nvPicPr>
-        <p:blipFill>
-          <a:blip r:embed="rId4">
-            <a:extLst>
-              <a:ext uri="{96DAC541-7B7A-43D3-8B79-37D633B846F1}">
-                <asvg:svgBlip xmlns:asvg="http://schemas.microsoft.com/office/drawing/2016/SVG/main" r:embed="rId5"/>
-              </a:ext>
-            </a:extLst>
-          </a:blip>
-          <a:stretch>
-            <a:fillRect/>
-          </a:stretch>
-        </p:blipFill>
-        <p:spPr>
-          <a:xfrm>
-            <a:off x="935237" y="3470503"/>
-            <a:ext cx="342900" cy="352425"/>
-          </a:xfrm>
-          <a:prstGeom prst="rect">
-            <a:avLst/>
-          </a:prstGeom>
-        </p:spPr>
-      </p:pic>
-      <p:pic>
-        <p:nvPicPr>
-          <p:cNvPr id="12" name="Gráfico 11" descr="Icono de correo electrónico">
-            <a:extLst>
-              <a:ext uri="{FF2B5EF4-FFF2-40B4-BE49-F238E27FC236}">
-                <a16:creationId xmlns:a16="http://schemas.microsoft.com/office/drawing/2014/main" id="{A19DD78C-1BBA-435D-AB9C-910A5A3B509F}"/>
-              </a:ext>
-            </a:extLst>
-          </p:cNvPr>
-          <p:cNvPicPr>
-            <a:picLocks noChangeAspect="1"/>
-          </p:cNvPicPr>
-          <p:nvPr/>
-        </p:nvPicPr>
-        <p:blipFill>
-          <a:blip r:embed="rId6">
-            <a:extLst>
-              <a:ext uri="{96DAC541-7B7A-43D3-8B79-37D633B846F1}">
-                <asvg:svgBlip xmlns:asvg="http://schemas.microsoft.com/office/drawing/2016/SVG/main" r:embed="rId7"/>
-              </a:ext>
-            </a:extLst>
-          </a:blip>
-          <a:stretch>
-            <a:fillRect/>
-          </a:stretch>
-        </p:blipFill>
-        <p:spPr>
-          <a:xfrm>
-            <a:off x="935237" y="3965704"/>
-            <a:ext cx="342900" cy="342900"/>
-          </a:xfrm>
-          <a:prstGeom prst="rect">
-            <a:avLst/>
-          </a:prstGeom>
-        </p:spPr>
-      </p:pic>
-      <p:pic>
-        <p:nvPicPr>
-          <p:cNvPr id="13" name="Gráfico 12" descr="Icono de teléfono">
-            <a:extLst>
-              <a:ext uri="{FF2B5EF4-FFF2-40B4-BE49-F238E27FC236}">
-                <a16:creationId xmlns:a16="http://schemas.microsoft.com/office/drawing/2014/main" id="{E1FE68E0-BC77-4B86-BF40-6A4FF5062F58}"/>
-              </a:ext>
-            </a:extLst>
-          </p:cNvPr>
-          <p:cNvPicPr>
-            <a:picLocks noChangeAspect="1"/>
-          </p:cNvPicPr>
-          <p:nvPr/>
-        </p:nvPicPr>
-        <p:blipFill>
-          <a:blip r:embed="rId8">
-            <a:extLst>
-              <a:ext uri="{96DAC541-7B7A-43D3-8B79-37D633B846F1}">
-                <asvg:svgBlip xmlns:asvg="http://schemas.microsoft.com/office/drawing/2016/SVG/main" r:embed="rId9"/>
-              </a:ext>
-            </a:extLst>
-          </a:blip>
-          <a:stretch>
-            <a:fillRect/>
-          </a:stretch>
-        </p:blipFill>
-        <p:spPr>
-          <a:xfrm>
-            <a:off x="935237" y="4451380"/>
-            <a:ext cx="342900" cy="342900"/>
-          </a:xfrm>
-          <a:prstGeom prst="rect">
-            <a:avLst/>
-          </a:prstGeom>
-        </p:spPr>
-      </p:pic>
-      <p:sp>
-        <p:nvSpPr>
-          <p:cNvPr id="7" name="Marcador de número de diapositiva 6">
-            <a:extLst>
-              <a:ext uri="{FF2B5EF4-FFF2-40B4-BE49-F238E27FC236}">
-                <a16:creationId xmlns:a16="http://schemas.microsoft.com/office/drawing/2014/main" id="{1EA39DE2-464A-46AF-92D8-7786B35DFF44}"/>
-              </a:ext>
-            </a:extLst>
-          </p:cNvPr>
-          <p:cNvSpPr>
-            <a:spLocks noGrp="1"/>
-          </p:cNvSpPr>
-          <p:nvPr>
-            <p:ph type="sldNum" sz="quarter" idx="12"/>
-          </p:nvPr>
-        </p:nvSpPr>
-        <p:spPr/>
-        <p:txBody>
-          <a:bodyPr/>
-          <a:lstStyle/>
-          <a:p>
-            <a:pPr rtl="0"/>
-            <a:fld id="{82EE24B5-652C-4DB5-B7C3-B5BBEC1280B1}" type="slidenum">
-              <a:rPr lang="es-ES" noProof="0" smtClean="0"/>
-              <a:t>9</a:t>
-            </a:fld>
-            <a:endParaRPr lang="es-ES" noProof="0" dirty="0"/>
-          </a:p>
-        </p:txBody>
-      </p:sp>
-    </p:spTree>
-    <p:extLst>
-      <p:ext uri="{BB962C8B-B14F-4D97-AF65-F5344CB8AC3E}">
-        <p14:creationId xmlns:p14="http://schemas.microsoft.com/office/powerpoint/2010/main" val="1486951216"/>
       </p:ext>
     </p:extLst>
   </p:cSld>

--- a/domosync_presentation.pptx
+++ b/domosync_presentation.pptx
@@ -8811,7 +8811,7 @@
                 </a:solidFill>
                 <a:cs typeface="Arial"/>
               </a:rPr>
-              <a:t>$4.300</a:t>
+              <a:t>$17.000</a:t>
             </a:r>
           </a:p>
           <a:p>
@@ -8931,7 +8931,7 @@
                 </a:solidFill>
                 <a:cs typeface="Arial"/>
               </a:rPr>
-              <a:t>$60.000</a:t>
+              <a:t>$112.000</a:t>
             </a:r>
           </a:p>
           <a:p>
@@ -8950,7 +8950,7 @@
                 </a:solidFill>
                 <a:cs typeface="Arial"/>
               </a:rPr>
-              <a:t>Fuentes y cableado</a:t>
+              <a:t>Motores, fuentes y cableado</a:t>
             </a:r>
             <a:r>
               <a:rPr lang="es-ES" sz="1800" i="1" dirty="0">
@@ -8977,7 +8977,7 @@
                 </a:solidFill>
                 <a:cs typeface="Arial"/>
               </a:rPr>
-              <a:t>$55.100</a:t>
+              <a:t>$85.100</a:t>
             </a:r>
           </a:p>
           <a:p>
@@ -9109,7 +9109,25 @@
                 </a:solidFill>
                 <a:cs typeface="Arial"/>
               </a:rPr>
-              <a:t>Costos adaptables al usuario (Plan básico y Premium)</a:t>
+              <a:t>Costos adaptables al usuario (</a:t>
+            </a:r>
+            <a:r>
+              <a:rPr lang="es-ES" sz="1800" i="1">
+                <a:solidFill>
+                  <a:srgbClr val="FFFFFF"/>
+                </a:solidFill>
+                <a:cs typeface="Arial"/>
+              </a:rPr>
+              <a:t>Plan básico 1, 2 </a:t>
+            </a:r>
+            <a:r>
+              <a:rPr lang="es-ES" sz="1800" i="1" dirty="0">
+                <a:solidFill>
+                  <a:srgbClr val="FFFFFF"/>
+                </a:solidFill>
+                <a:cs typeface="Arial"/>
+              </a:rPr>
+              <a:t>y Premium)</a:t>
             </a:r>
             <a:endParaRPr lang="es-ES" sz="1800" b="1" i="1" spc="-5" dirty="0">
               <a:solidFill>
@@ -9134,7 +9152,7 @@
                 </a:solidFill>
                 <a:cs typeface="Arial"/>
               </a:rPr>
-              <a:t>Fuentes de voltaje incorporadas</a:t>
+              <a:t>Costos de instalación y configuración (200k a 400k) </a:t>
             </a:r>
             <a:endParaRPr lang="es-ES" sz="1800" b="1" i="1" spc="-5" dirty="0">
               <a:solidFill>
@@ -9159,44 +9177,7 @@
                 </a:solidFill>
                 <a:cs typeface="Arial"/>
               </a:rPr>
-              <a:t>Pruebas de calidad del diseño</a:t>
-            </a:r>
-          </a:p>
-          <a:p>
-            <a:pPr rtl="0">
-              <a:lnSpc>
-                <a:spcPct val="125000"/>
-              </a:lnSpc>
-              <a:buClr>
-                <a:schemeClr val="accent1"/>
-              </a:buClr>
-            </a:pPr>
-            <a:r>
-              <a:rPr lang="es-ES" sz="1800" i="1" dirty="0">
-                <a:solidFill>
-                  <a:srgbClr val="FFFFFF"/>
-                </a:solidFill>
-                <a:cs typeface="Arial"/>
-              </a:rPr>
-              <a:t>Estándar I2C de </a:t>
-            </a:r>
-            <a:r>
-              <a:rPr lang="es-ES" sz="1800" i="1" dirty="0" err="1">
-                <a:solidFill>
-                  <a:srgbClr val="FFFFFF"/>
-                </a:solidFill>
-                <a:cs typeface="Arial"/>
-              </a:rPr>
-              <a:t>Cx</a:t>
-            </a:r>
-            <a:r>
-              <a:rPr lang="es-ES" sz="1800" i="1" dirty="0">
-                <a:solidFill>
-                  <a:srgbClr val="FFFFFF"/>
-                </a:solidFill>
-                <a:cs typeface="Arial"/>
-              </a:rPr>
-              <a:t> con pantalla LCD</a:t>
+              <a:t>Garantía de 3 meses</a:t>
             </a:r>
             <a:endParaRPr lang="es-ES" sz="1800" i="1" dirty="0"/>
           </a:p>
@@ -14556,14 +14537,6 @@
 </file>
 
 <file path=customXml/item1.xml><?xml version="1.0" encoding="utf-8"?>
-<p:properties xmlns:p="http://schemas.microsoft.com/office/2006/metadata/properties" xmlns:xsi="http://www.w3.org/2001/XMLSchema-instance" xmlns:pc="http://schemas.microsoft.com/office/infopath/2007/PartnerControls">
-  <documentManagement>
-    <MediaServiceKeyPoints xmlns="71af3243-3dd4-4a8d-8c0d-dd76da1f02a5" xsi:nil="true"/>
-  </documentManagement>
-</p:properties>
-</file>
-
-<file path=customXml/item2.xml><?xml version="1.0" encoding="utf-8"?>
 <ct:contentTypeSchema xmlns:ct="http://schemas.microsoft.com/office/2006/metadata/contentType" xmlns:ma="http://schemas.microsoft.com/office/2006/metadata/properties/metaAttributes" ct:_="" ma:_="" ma:contentTypeName="Document" ma:contentTypeID="0x01010079F111ED35F8CC479449609E8A0923A6" ma:contentTypeVersion="11" ma:contentTypeDescription="Create a new document." ma:contentTypeScope="" ma:versionID="9677210f24a1be23c92c90fd886aa0aa">
   <xsd:schema xmlns:xsd="http://www.w3.org/2001/XMLSchema" xmlns:xs="http://www.w3.org/2001/XMLSchema" xmlns:p="http://schemas.microsoft.com/office/2006/metadata/properties" xmlns:ns2="71af3243-3dd4-4a8d-8c0d-dd76da1f02a5" xmlns:ns3="16c05727-aa75-4e4a-9b5f-8a80a1165891" targetNamespace="http://schemas.microsoft.com/office/2006/metadata/properties" ma:root="true" ma:fieldsID="60e05723c5c1908df1a1a4ebf11d344e" ns2:_="" ns3:_="">
     <xsd:import namespace="71af3243-3dd4-4a8d-8c0d-dd76da1f02a5"/>
@@ -14774,6 +14747,14 @@
 </ct:contentTypeSchema>
 </file>
 
+<file path=customXml/item2.xml><?xml version="1.0" encoding="utf-8"?>
+<p:properties xmlns:p="http://schemas.microsoft.com/office/2006/metadata/properties" xmlns:xsi="http://www.w3.org/2001/XMLSchema-instance" xmlns:pc="http://schemas.microsoft.com/office/infopath/2007/PartnerControls">
+  <documentManagement>
+    <MediaServiceKeyPoints xmlns="71af3243-3dd4-4a8d-8c0d-dd76da1f02a5" xsi:nil="true"/>
+  </documentManagement>
+</p:properties>
+</file>
+
 <file path=customXml/item3.xml><?xml version="1.0" encoding="utf-8"?>
 <?mso-contentType ?>
 <FormTemplates xmlns="http://schemas.microsoft.com/sharepoint/v3/contenttype/forms">
@@ -14784,16 +14765,6 @@
 </file>
 
 <file path=customXml/itemProps1.xml><?xml version="1.0" encoding="utf-8"?>
-<ds:datastoreItem xmlns:ds="http://schemas.openxmlformats.org/officeDocument/2006/customXml" ds:itemID="{171946EF-A3EA-4ECB-8D9A-56C36FFF4075}">
-  <ds:schemaRefs>
-    <ds:schemaRef ds:uri="http://schemas.microsoft.com/office/2006/metadata/properties"/>
-    <ds:schemaRef ds:uri="http://schemas.microsoft.com/office/infopath/2007/PartnerControls"/>
-    <ds:schemaRef ds:uri="71af3243-3dd4-4a8d-8c0d-dd76da1f02a5"/>
-  </ds:schemaRefs>
-</ds:datastoreItem>
-</file>
-
-<file path=customXml/itemProps2.xml><?xml version="1.0" encoding="utf-8"?>
 <ds:datastoreItem xmlns:ds="http://schemas.openxmlformats.org/officeDocument/2006/customXml" ds:itemID="{FFDD087A-3273-4D74-8700-4C8E2BE507D4}">
   <ds:schemaRefs>
     <ds:schemaRef ds:uri="http://schemas.microsoft.com/office/2006/metadata/contentType"/>
@@ -14812,6 +14783,16 @@
 </ds:datastoreItem>
 </file>
 
+<file path=customXml/itemProps2.xml><?xml version="1.0" encoding="utf-8"?>
+<ds:datastoreItem xmlns:ds="http://schemas.openxmlformats.org/officeDocument/2006/customXml" ds:itemID="{171946EF-A3EA-4ECB-8D9A-56C36FFF4075}">
+  <ds:schemaRefs>
+    <ds:schemaRef ds:uri="http://schemas.microsoft.com/office/2006/metadata/properties"/>
+    <ds:schemaRef ds:uri="http://schemas.microsoft.com/office/infopath/2007/PartnerControls"/>
+    <ds:schemaRef ds:uri="71af3243-3dd4-4a8d-8c0d-dd76da1f02a5"/>
+  </ds:schemaRefs>
+</ds:datastoreItem>
+</file>
+
 <file path=customXml/itemProps3.xml><?xml version="1.0" encoding="utf-8"?>
 <ds:datastoreItem xmlns:ds="http://schemas.openxmlformats.org/officeDocument/2006/customXml" ds:itemID="{72DAF9E5-DED4-4A50-A81B-4CC218A03F2B}">
   <ds:schemaRefs>

--- a/domosync_presentation.pptx
+++ b/domosync_presentation.pptx
@@ -9977,6 +9977,19 @@
 <file path=ppt/slides/slide13.xml><?xml version="1.0" encoding="utf-8"?>
 <p:sld xmlns:a="http://schemas.openxmlformats.org/drawingml/2006/main" xmlns:r="http://schemas.openxmlformats.org/officeDocument/2006/relationships" xmlns:p="http://schemas.openxmlformats.org/presentationml/2006/main">
   <p:cSld>
+    <p:bg>
+      <p:bgPr>
+        <a:pattFill prst="pct80">
+          <a:fgClr>
+            <a:srgbClr val="99CCFF"/>
+          </a:fgClr>
+          <a:bgClr>
+            <a:schemeClr val="bg1"/>
+          </a:bgClr>
+        </a:pattFill>
+        <a:effectLst/>
+      </p:bgPr>
+    </p:bg>
     <p:spTree>
       <p:nvGrpSpPr>
         <p:cNvPr id="1" name=""/>
@@ -9993,10 +10006,10 @@
       </p:grpSpPr>
       <p:pic>
         <p:nvPicPr>
-          <p:cNvPr id="15" name="Imagen 14" descr="Una caja de cartón&#10;&#10;Descripción generada automáticamente con confianza baja">
-            <a:extLst>
-              <a:ext uri="{FF2B5EF4-FFF2-40B4-BE49-F238E27FC236}">
-                <a16:creationId xmlns:a16="http://schemas.microsoft.com/office/drawing/2014/main" id="{E8D84FFE-AE63-BD77-EB1C-CDDC6ECD2059}"/>
+          <p:cNvPr id="4" name="Imagen 3" descr="Texto, Pizarra&#10;&#10;Descripción generada automáticamente">
+            <a:extLst>
+              <a:ext uri="{FF2B5EF4-FFF2-40B4-BE49-F238E27FC236}">
+                <a16:creationId xmlns:a16="http://schemas.microsoft.com/office/drawing/2014/main" id="{AC08DCCA-0357-5278-96B5-6E440E66F388}"/>
               </a:ext>
             </a:extLst>
           </p:cNvPr>
@@ -10013,14 +10026,13 @@
               </a:ext>
             </a:extLst>
           </a:blip>
-          <a:stretch>
-            <a:fillRect/>
-          </a:stretch>
+          <a:srcRect/>
+          <a:stretch/>
         </p:blipFill>
         <p:spPr>
           <a:xfrm>
-            <a:off x="0" y="0"/>
-            <a:ext cx="12192000" cy="6858000"/>
+            <a:off x="0" y="1341439"/>
+            <a:ext cx="12192000" cy="4485874"/>
           </a:xfrm>
           <a:prstGeom prst="rect">
             <a:avLst/>
@@ -14537,6 +14549,14 @@
 </file>
 
 <file path=customXml/item1.xml><?xml version="1.0" encoding="utf-8"?>
+<p:properties xmlns:p="http://schemas.microsoft.com/office/2006/metadata/properties" xmlns:xsi="http://www.w3.org/2001/XMLSchema-instance" xmlns:pc="http://schemas.microsoft.com/office/infopath/2007/PartnerControls">
+  <documentManagement>
+    <MediaServiceKeyPoints xmlns="71af3243-3dd4-4a8d-8c0d-dd76da1f02a5" xsi:nil="true"/>
+  </documentManagement>
+</p:properties>
+</file>
+
+<file path=customXml/item2.xml><?xml version="1.0" encoding="utf-8"?>
 <ct:contentTypeSchema xmlns:ct="http://schemas.microsoft.com/office/2006/metadata/contentType" xmlns:ma="http://schemas.microsoft.com/office/2006/metadata/properties/metaAttributes" ct:_="" ma:_="" ma:contentTypeName="Document" ma:contentTypeID="0x01010079F111ED35F8CC479449609E8A0923A6" ma:contentTypeVersion="11" ma:contentTypeDescription="Create a new document." ma:contentTypeScope="" ma:versionID="9677210f24a1be23c92c90fd886aa0aa">
   <xsd:schema xmlns:xsd="http://www.w3.org/2001/XMLSchema" xmlns:xs="http://www.w3.org/2001/XMLSchema" xmlns:p="http://schemas.microsoft.com/office/2006/metadata/properties" xmlns:ns2="71af3243-3dd4-4a8d-8c0d-dd76da1f02a5" xmlns:ns3="16c05727-aa75-4e4a-9b5f-8a80a1165891" targetNamespace="http://schemas.microsoft.com/office/2006/metadata/properties" ma:root="true" ma:fieldsID="60e05723c5c1908df1a1a4ebf11d344e" ns2:_="" ns3:_="">
     <xsd:import namespace="71af3243-3dd4-4a8d-8c0d-dd76da1f02a5"/>
@@ -14747,14 +14767,6 @@
 </ct:contentTypeSchema>
 </file>
 
-<file path=customXml/item2.xml><?xml version="1.0" encoding="utf-8"?>
-<p:properties xmlns:p="http://schemas.microsoft.com/office/2006/metadata/properties" xmlns:xsi="http://www.w3.org/2001/XMLSchema-instance" xmlns:pc="http://schemas.microsoft.com/office/infopath/2007/PartnerControls">
-  <documentManagement>
-    <MediaServiceKeyPoints xmlns="71af3243-3dd4-4a8d-8c0d-dd76da1f02a5" xsi:nil="true"/>
-  </documentManagement>
-</p:properties>
-</file>
-
 <file path=customXml/item3.xml><?xml version="1.0" encoding="utf-8"?>
 <?mso-contentType ?>
 <FormTemplates xmlns="http://schemas.microsoft.com/sharepoint/v3/contenttype/forms">
@@ -14765,6 +14777,16 @@
 </file>
 
 <file path=customXml/itemProps1.xml><?xml version="1.0" encoding="utf-8"?>
+<ds:datastoreItem xmlns:ds="http://schemas.openxmlformats.org/officeDocument/2006/customXml" ds:itemID="{171946EF-A3EA-4ECB-8D9A-56C36FFF4075}">
+  <ds:schemaRefs>
+    <ds:schemaRef ds:uri="http://schemas.microsoft.com/office/2006/metadata/properties"/>
+    <ds:schemaRef ds:uri="http://schemas.microsoft.com/office/infopath/2007/PartnerControls"/>
+    <ds:schemaRef ds:uri="71af3243-3dd4-4a8d-8c0d-dd76da1f02a5"/>
+  </ds:schemaRefs>
+</ds:datastoreItem>
+</file>
+
+<file path=customXml/itemProps2.xml><?xml version="1.0" encoding="utf-8"?>
 <ds:datastoreItem xmlns:ds="http://schemas.openxmlformats.org/officeDocument/2006/customXml" ds:itemID="{FFDD087A-3273-4D74-8700-4C8E2BE507D4}">
   <ds:schemaRefs>
     <ds:schemaRef ds:uri="http://schemas.microsoft.com/office/2006/metadata/contentType"/>
@@ -14783,16 +14805,6 @@
 </ds:datastoreItem>
 </file>
 
-<file path=customXml/itemProps2.xml><?xml version="1.0" encoding="utf-8"?>
-<ds:datastoreItem xmlns:ds="http://schemas.openxmlformats.org/officeDocument/2006/customXml" ds:itemID="{171946EF-A3EA-4ECB-8D9A-56C36FFF4075}">
-  <ds:schemaRefs>
-    <ds:schemaRef ds:uri="http://schemas.microsoft.com/office/2006/metadata/properties"/>
-    <ds:schemaRef ds:uri="http://schemas.microsoft.com/office/infopath/2007/PartnerControls"/>
-    <ds:schemaRef ds:uri="71af3243-3dd4-4a8d-8c0d-dd76da1f02a5"/>
-  </ds:schemaRefs>
-</ds:datastoreItem>
-</file>
-
 <file path=customXml/itemProps3.xml><?xml version="1.0" encoding="utf-8"?>
 <ds:datastoreItem xmlns:ds="http://schemas.openxmlformats.org/officeDocument/2006/customXml" ds:itemID="{72DAF9E5-DED4-4A50-A81B-4CC218A03F2B}">
   <ds:schemaRefs>
